--- a/MenschAergereDichNicht.pptx
+++ b/MenschAergereDichNicht.pptx
@@ -15,7 +15,6 @@
     <p:sldId id="265" r:id="rId9"/>
     <p:sldId id="266" r:id="rId10"/>
     <p:sldId id="261" r:id="rId11"/>
-    <p:sldId id="262" r:id="rId12"/>
   </p:sldIdLst>
   <p:sldSz cx="12192000" cy="6858000"/>
   <p:notesSz cx="6858000" cy="9144000"/>
@@ -114,7 +113,25 @@
       </a:defRPr>
     </a:lvl9pPr>
   </p:defaultTextStyle>
+  <p:extLst>
+    <p:ext uri="{EFAFB233-063F-42B5-8137-9DF3F51BA10A}">
+      <p15:sldGuideLst xmlns:p15="http://schemas.microsoft.com/office/powerpoint/2012/main"/>
+    </p:ext>
+  </p:extLst>
 </p:presentation>
+</file>
+
+<file path=ppt/revisionInfo.xml><?xml version="1.0" encoding="utf-8"?>
+<p1510:revInfo xmlns:a="http://schemas.openxmlformats.org/drawingml/2006/main" xmlns:r="http://schemas.openxmlformats.org/officeDocument/2006/relationships" xmlns:p1510="http://schemas.microsoft.com/office/powerpoint/2015/10/main">
+  <p1510:revLst>
+    <p1510:client id="{6E64B558-A6DB-4145-B71A-2C5041A152E6}" v="49" dt="2024-06-05T05:50:37.240"/>
+    <p1510:client id="{8B2AA871-3A18-4378-806B-A2DB54EFB5DA}" v="17" dt="2024-06-05T03:37:50.302"/>
+    <p1510:client id="{CA9B57BA-5A35-4D0C-87CB-B7B1F6DACF66}" v="40" dt="2024-06-05T05:39:12.816"/>
+    <p1510:client id="{D0212CD6-1D7F-4147-9D4D-7C9822C2F0BF}" v="9" dt="2024-06-05T03:54:51.651"/>
+    <p1510:client id="{E65B2261-0A49-4F4A-A39A-F092A53D2B19}" v="33" dt="2024-06-04T19:14:11.494"/>
+    <p1510:client id="{FF4AA1AB-31D8-456A-9813-4302D8D07322}" v="10" dt="2024-06-04T19:09:06.123"/>
+  </p1510:revLst>
+</p1510:revInfo>
 </file>
 
 <file path=ppt/changesInfos/changesInfo1.xml><?xml version="1.0" encoding="utf-8"?>
@@ -166,6 +183,365 @@
       </pc:sldChg>
     </pc:docChg>
   </pc:docChgLst>
+  <pc:docChgLst>
+    <pc:chgData name="Haslinger Samuel" userId="S::samuel.haslinger@htl-saalfelden.at::c9069ffe-0245-4413-8cd0-3e34027a2a6c" providerId="AD" clId="Web-{D0212CD6-1D7F-4147-9D4D-7C9822C2F0BF}"/>
+    <pc:docChg chg="modSld">
+      <pc:chgData name="Haslinger Samuel" userId="S::samuel.haslinger@htl-saalfelden.at::c9069ffe-0245-4413-8cd0-3e34027a2a6c" providerId="AD" clId="Web-{D0212CD6-1D7F-4147-9D4D-7C9822C2F0BF}" dt="2024-06-05T03:54:51.651" v="8" actId="20577"/>
+      <pc:docMkLst>
+        <pc:docMk/>
+      </pc:docMkLst>
+      <pc:sldChg chg="modSp">
+        <pc:chgData name="Haslinger Samuel" userId="S::samuel.haslinger@htl-saalfelden.at::c9069ffe-0245-4413-8cd0-3e34027a2a6c" providerId="AD" clId="Web-{D0212CD6-1D7F-4147-9D4D-7C9822C2F0BF}" dt="2024-06-05T03:54:51.651" v="8" actId="20577"/>
+        <pc:sldMkLst>
+          <pc:docMk/>
+          <pc:sldMk cId="414410644" sldId="265"/>
+        </pc:sldMkLst>
+        <pc:spChg chg="mod">
+          <ac:chgData name="Haslinger Samuel" userId="S::samuel.haslinger@htl-saalfelden.at::c9069ffe-0245-4413-8cd0-3e34027a2a6c" providerId="AD" clId="Web-{D0212CD6-1D7F-4147-9D4D-7C9822C2F0BF}" dt="2024-06-05T03:54:51.651" v="8" actId="20577"/>
+          <ac:spMkLst>
+            <pc:docMk/>
+            <pc:sldMk cId="414410644" sldId="265"/>
+            <ac:spMk id="3" creationId="{1EC80749-B280-577F-A5C7-71AC6E368477}"/>
+          </ac:spMkLst>
+        </pc:spChg>
+      </pc:sldChg>
+    </pc:docChg>
+  </pc:docChgLst>
+  <pc:docChgLst>
+    <pc:chgData clId="Web-{8B2AA871-3A18-4378-806B-A2DB54EFB5DA}"/>
+    <pc:docChg chg="delSld">
+      <pc:chgData name="" userId="" providerId="" clId="Web-{8B2AA871-3A18-4378-806B-A2DB54EFB5DA}" dt="2024-06-05T03:36:43.394" v="0"/>
+      <pc:docMkLst>
+        <pc:docMk/>
+      </pc:docMkLst>
+      <pc:sldChg chg="del">
+        <pc:chgData name="" userId="" providerId="" clId="Web-{8B2AA871-3A18-4378-806B-A2DB54EFB5DA}" dt="2024-06-05T03:36:43.394" v="0"/>
+        <pc:sldMkLst>
+          <pc:docMk/>
+          <pc:sldMk cId="1918144357" sldId="256"/>
+        </pc:sldMkLst>
+      </pc:sldChg>
+    </pc:docChg>
+  </pc:docChgLst>
+  <pc:docChgLst>
+    <pc:chgData name="Höflehner Julian" userId="5ffe66e3-a139-4b57-888c-3ea8e0375b23" providerId="ADAL" clId="{FF4AA1AB-31D8-456A-9813-4302D8D07322}"/>
+    <pc:docChg chg="modSld">
+      <pc:chgData name="Höflehner Julian" userId="5ffe66e3-a139-4b57-888c-3ea8e0375b23" providerId="ADAL" clId="{FF4AA1AB-31D8-456A-9813-4302D8D07322}" dt="2024-06-04T19:09:06.124" v="9" actId="20577"/>
+      <pc:docMkLst>
+        <pc:docMk/>
+      </pc:docMkLst>
+      <pc:sldChg chg="modSp mod">
+        <pc:chgData name="Höflehner Julian" userId="5ffe66e3-a139-4b57-888c-3ea8e0375b23" providerId="ADAL" clId="{FF4AA1AB-31D8-456A-9813-4302D8D07322}" dt="2024-06-04T19:02:26.960" v="4"/>
+        <pc:sldMkLst>
+          <pc:docMk/>
+          <pc:sldMk cId="2668022557" sldId="257"/>
+        </pc:sldMkLst>
+        <pc:spChg chg="mod">
+          <ac:chgData name="Höflehner Julian" userId="5ffe66e3-a139-4b57-888c-3ea8e0375b23" providerId="ADAL" clId="{FF4AA1AB-31D8-456A-9813-4302D8D07322}" dt="2024-06-04T19:02:26.960" v="4"/>
+          <ac:spMkLst>
+            <pc:docMk/>
+            <pc:sldMk cId="2668022557" sldId="257"/>
+            <ac:spMk id="3" creationId="{F99579B8-744C-7908-3E34-3925B36AEF80}"/>
+          </ac:spMkLst>
+        </pc:spChg>
+      </pc:sldChg>
+      <pc:sldChg chg="modSp mod">
+        <pc:chgData name="Höflehner Julian" userId="5ffe66e3-a139-4b57-888c-3ea8e0375b23" providerId="ADAL" clId="{FF4AA1AB-31D8-456A-9813-4302D8D07322}" dt="2024-06-04T19:06:11.932" v="6" actId="207"/>
+        <pc:sldMkLst>
+          <pc:docMk/>
+          <pc:sldMk cId="3855528893" sldId="260"/>
+        </pc:sldMkLst>
+        <pc:spChg chg="mod">
+          <ac:chgData name="Höflehner Julian" userId="5ffe66e3-a139-4b57-888c-3ea8e0375b23" providerId="ADAL" clId="{FF4AA1AB-31D8-456A-9813-4302D8D07322}" dt="2024-06-04T19:06:11.932" v="6" actId="207"/>
+          <ac:spMkLst>
+            <pc:docMk/>
+            <pc:sldMk cId="3855528893" sldId="260"/>
+            <ac:spMk id="3" creationId="{21FFF8EF-AD80-19BA-F72A-DEC1ACA36782}"/>
+          </ac:spMkLst>
+        </pc:spChg>
+      </pc:sldChg>
+      <pc:sldChg chg="modSp mod">
+        <pc:chgData name="Höflehner Julian" userId="5ffe66e3-a139-4b57-888c-3ea8e0375b23" providerId="ADAL" clId="{FF4AA1AB-31D8-456A-9813-4302D8D07322}" dt="2024-06-04T19:09:06.124" v="9" actId="20577"/>
+        <pc:sldMkLst>
+          <pc:docMk/>
+          <pc:sldMk cId="414410644" sldId="265"/>
+        </pc:sldMkLst>
+        <pc:spChg chg="mod">
+          <ac:chgData name="Höflehner Julian" userId="5ffe66e3-a139-4b57-888c-3ea8e0375b23" providerId="ADAL" clId="{FF4AA1AB-31D8-456A-9813-4302D8D07322}" dt="2024-06-04T19:09:06.124" v="9" actId="20577"/>
+          <ac:spMkLst>
+            <pc:docMk/>
+            <pc:sldMk cId="414410644" sldId="265"/>
+            <ac:spMk id="3" creationId="{1EC80749-B280-577F-A5C7-71AC6E368477}"/>
+          </ac:spMkLst>
+        </pc:spChg>
+      </pc:sldChg>
+    </pc:docChg>
+  </pc:docChgLst>
+  <pc:docChgLst>
+    <pc:chgData name="Haslinger Samuel" userId="S::samuel.haslinger@htl-saalfelden.at::c9069ffe-0245-4413-8cd0-3e34027a2a6c" providerId="AD" clId="Web-{8B2AA871-3A18-4378-806B-A2DB54EFB5DA}"/>
+    <pc:docChg chg="modSld">
+      <pc:chgData name="Haslinger Samuel" userId="S::samuel.haslinger@htl-saalfelden.at::c9069ffe-0245-4413-8cd0-3e34027a2a6c" providerId="AD" clId="Web-{8B2AA871-3A18-4378-806B-A2DB54EFB5DA}" dt="2024-06-05T03:37:50.302" v="7" actId="20577"/>
+      <pc:docMkLst>
+        <pc:docMk/>
+      </pc:docMkLst>
+      <pc:sldChg chg="modSp">
+        <pc:chgData name="Haslinger Samuel" userId="S::samuel.haslinger@htl-saalfelden.at::c9069ffe-0245-4413-8cd0-3e34027a2a6c" providerId="AD" clId="Web-{8B2AA871-3A18-4378-806B-A2DB54EFB5DA}" dt="2024-06-05T03:37:50.302" v="7" actId="20577"/>
+        <pc:sldMkLst>
+          <pc:docMk/>
+          <pc:sldMk cId="1918144357" sldId="256"/>
+        </pc:sldMkLst>
+        <pc:spChg chg="mod">
+          <ac:chgData name="Haslinger Samuel" userId="S::samuel.haslinger@htl-saalfelden.at::c9069ffe-0245-4413-8cd0-3e34027a2a6c" providerId="AD" clId="Web-{8B2AA871-3A18-4378-806B-A2DB54EFB5DA}" dt="2024-06-05T03:37:50.302" v="7" actId="20577"/>
+          <ac:spMkLst>
+            <pc:docMk/>
+            <pc:sldMk cId="1918144357" sldId="256"/>
+            <ac:spMk id="2" creationId="{D7BEB82E-09D7-3BC9-3D30-5019C3642B67}"/>
+          </ac:spMkLst>
+        </pc:spChg>
+        <pc:spChg chg="mod">
+          <ac:chgData name="Haslinger Samuel" userId="S::samuel.haslinger@htl-saalfelden.at::c9069ffe-0245-4413-8cd0-3e34027a2a6c" providerId="AD" clId="Web-{8B2AA871-3A18-4378-806B-A2DB54EFB5DA}" dt="2024-06-05T03:37:39.395" v="4" actId="20577"/>
+          <ac:spMkLst>
+            <pc:docMk/>
+            <pc:sldMk cId="1918144357" sldId="256"/>
+            <ac:spMk id="3" creationId="{82914DD1-5BE6-3A08-FBD5-84640B602594}"/>
+          </ac:spMkLst>
+        </pc:spChg>
+      </pc:sldChg>
+    </pc:docChg>
+  </pc:docChgLst>
+  <pc:docChgLst>
+    <pc:chgData name="Haslinger Samuel" userId="S::samuel.haslinger@htl-saalfelden.at::c9069ffe-0245-4413-8cd0-3e34027a2a6c" providerId="AD" clId="Web-{E65B2261-0A49-4F4A-A39A-F092A53D2B19}"/>
+    <pc:docChg chg="modSld">
+      <pc:chgData name="Haslinger Samuel" userId="S::samuel.haslinger@htl-saalfelden.at::c9069ffe-0245-4413-8cd0-3e34027a2a6c" providerId="AD" clId="Web-{E65B2261-0A49-4F4A-A39A-F092A53D2B19}" dt="2024-06-04T19:14:11.494" v="31" actId="20577"/>
+      <pc:docMkLst>
+        <pc:docMk/>
+      </pc:docMkLst>
+      <pc:sldChg chg="modSp">
+        <pc:chgData name="Haslinger Samuel" userId="S::samuel.haslinger@htl-saalfelden.at::c9069ffe-0245-4413-8cd0-3e34027a2a6c" providerId="AD" clId="Web-{E65B2261-0A49-4F4A-A39A-F092A53D2B19}" dt="2024-06-04T19:09:19.103" v="1" actId="20577"/>
+        <pc:sldMkLst>
+          <pc:docMk/>
+          <pc:sldMk cId="414410644" sldId="265"/>
+        </pc:sldMkLst>
+        <pc:spChg chg="mod">
+          <ac:chgData name="Haslinger Samuel" userId="S::samuel.haslinger@htl-saalfelden.at::c9069ffe-0245-4413-8cd0-3e34027a2a6c" providerId="AD" clId="Web-{E65B2261-0A49-4F4A-A39A-F092A53D2B19}" dt="2024-06-04T19:09:19.103" v="1" actId="20577"/>
+          <ac:spMkLst>
+            <pc:docMk/>
+            <pc:sldMk cId="414410644" sldId="265"/>
+            <ac:spMk id="3" creationId="{1EC80749-B280-577F-A5C7-71AC6E368477}"/>
+          </ac:spMkLst>
+        </pc:spChg>
+      </pc:sldChg>
+      <pc:sldChg chg="modSp">
+        <pc:chgData name="Haslinger Samuel" userId="S::samuel.haslinger@htl-saalfelden.at::c9069ffe-0245-4413-8cd0-3e34027a2a6c" providerId="AD" clId="Web-{E65B2261-0A49-4F4A-A39A-F092A53D2B19}" dt="2024-06-04T19:14:11.494" v="31" actId="20577"/>
+        <pc:sldMkLst>
+          <pc:docMk/>
+          <pc:sldMk cId="2830231666" sldId="266"/>
+        </pc:sldMkLst>
+        <pc:spChg chg="mod">
+          <ac:chgData name="Haslinger Samuel" userId="S::samuel.haslinger@htl-saalfelden.at::c9069ffe-0245-4413-8cd0-3e34027a2a6c" providerId="AD" clId="Web-{E65B2261-0A49-4F4A-A39A-F092A53D2B19}" dt="2024-06-04T19:14:11.494" v="31" actId="20577"/>
+          <ac:spMkLst>
+            <pc:docMk/>
+            <pc:sldMk cId="2830231666" sldId="266"/>
+            <ac:spMk id="3" creationId="{6BF42EBC-5E68-5FB9-25AA-1AEFC6DAB116}"/>
+          </ac:spMkLst>
+        </pc:spChg>
+      </pc:sldChg>
+    </pc:docChg>
+  </pc:docChgLst>
+  <pc:docChgLst>
+    <pc:chgData name="Höflehner Julian" userId="S::julian.hoeflehner@htl-saalfelden.at::5ffe66e3-a139-4b57-888c-3ea8e0375b23" providerId="AD" clId="Web-{6E64B558-A6DB-4145-B71A-2C5041A152E6}"/>
+    <pc:docChg chg="delSld modSld">
+      <pc:chgData name="Höflehner Julian" userId="S::julian.hoeflehner@htl-saalfelden.at::5ffe66e3-a139-4b57-888c-3ea8e0375b23" providerId="AD" clId="Web-{6E64B558-A6DB-4145-B71A-2C5041A152E6}" dt="2024-06-05T05:50:37.240" v="46"/>
+      <pc:docMkLst>
+        <pc:docMk/>
+      </pc:docMkLst>
+      <pc:sldChg chg="addSp delSp modSp del">
+        <pc:chgData name="Höflehner Julian" userId="S::julian.hoeflehner@htl-saalfelden.at::5ffe66e3-a139-4b57-888c-3ea8e0375b23" providerId="AD" clId="Web-{6E64B558-A6DB-4145-B71A-2C5041A152E6}" dt="2024-06-05T05:50:37.240" v="46"/>
+        <pc:sldMkLst>
+          <pc:docMk/>
+          <pc:sldMk cId="1264165453" sldId="262"/>
+        </pc:sldMkLst>
+        <pc:spChg chg="del">
+          <ac:chgData name="Höflehner Julian" userId="S::julian.hoeflehner@htl-saalfelden.at::5ffe66e3-a139-4b57-888c-3ea8e0375b23" providerId="AD" clId="Web-{6E64B558-A6DB-4145-B71A-2C5041A152E6}" dt="2024-06-05T05:50:06.067" v="37"/>
+          <ac:spMkLst>
+            <pc:docMk/>
+            <pc:sldMk cId="1264165453" sldId="262"/>
+            <ac:spMk id="2" creationId="{5CC7075F-A45B-3359-8A01-9C33DCF857C3}"/>
+          </ac:spMkLst>
+        </pc:spChg>
+        <pc:spChg chg="del">
+          <ac:chgData name="Höflehner Julian" userId="S::julian.hoeflehner@htl-saalfelden.at::5ffe66e3-a139-4b57-888c-3ea8e0375b23" providerId="AD" clId="Web-{6E64B558-A6DB-4145-B71A-2C5041A152E6}" dt="2024-06-05T05:50:16.692" v="38"/>
+          <ac:spMkLst>
+            <pc:docMk/>
+            <pc:sldMk cId="1264165453" sldId="262"/>
+            <ac:spMk id="3" creationId="{9F5EC1D3-32F5-7EC3-DCF9-F611761DD4D7}"/>
+          </ac:spMkLst>
+        </pc:spChg>
+        <pc:picChg chg="add del mod">
+          <ac:chgData name="Höflehner Julian" userId="S::julian.hoeflehner@htl-saalfelden.at::5ffe66e3-a139-4b57-888c-3ea8e0375b23" providerId="AD" clId="Web-{6E64B558-A6DB-4145-B71A-2C5041A152E6}" dt="2024-06-05T05:50:34.224" v="45"/>
+          <ac:picMkLst>
+            <pc:docMk/>
+            <pc:sldMk cId="1264165453" sldId="262"/>
+            <ac:picMk id="4" creationId="{143676A9-1CE5-517D-6A51-3ED12AB9B502}"/>
+          </ac:picMkLst>
+        </pc:picChg>
+      </pc:sldChg>
+      <pc:sldChg chg="addSp delSp modSp mod setBg">
+        <pc:chgData name="Höflehner Julian" userId="S::julian.hoeflehner@htl-saalfelden.at::5ffe66e3-a139-4b57-888c-3ea8e0375b23" providerId="AD" clId="Web-{6E64B558-A6DB-4145-B71A-2C5041A152E6}" dt="2024-06-05T05:45:57.668" v="35" actId="14100"/>
+        <pc:sldMkLst>
+          <pc:docMk/>
+          <pc:sldMk cId="4231141096" sldId="263"/>
+        </pc:sldMkLst>
+        <pc:spChg chg="add del">
+          <ac:chgData name="Höflehner Julian" userId="S::julian.hoeflehner@htl-saalfelden.at::5ffe66e3-a139-4b57-888c-3ea8e0375b23" providerId="AD" clId="Web-{6E64B558-A6DB-4145-B71A-2C5041A152E6}" dt="2024-06-05T05:39:56.328" v="5"/>
+          <ac:spMkLst>
+            <pc:docMk/>
+            <pc:sldMk cId="4231141096" sldId="263"/>
+            <ac:spMk id="7" creationId="{21FFDA05-9640-4040-B33E-D46FD04434DB}"/>
+          </ac:spMkLst>
+        </pc:spChg>
+        <pc:spChg chg="add del">
+          <ac:chgData name="Höflehner Julian" userId="S::julian.hoeflehner@htl-saalfelden.at::5ffe66e3-a139-4b57-888c-3ea8e0375b23" providerId="AD" clId="Web-{6E64B558-A6DB-4145-B71A-2C5041A152E6}" dt="2024-06-05T05:42:19.599" v="27"/>
+          <ac:spMkLst>
+            <pc:docMk/>
+            <pc:sldMk cId="4231141096" sldId="263"/>
+            <ac:spMk id="8" creationId="{21FFDA05-9640-4040-B33E-D46FD04434DB}"/>
+          </ac:spMkLst>
+        </pc:spChg>
+        <pc:picChg chg="add del mod">
+          <ac:chgData name="Höflehner Julian" userId="S::julian.hoeflehner@htl-saalfelden.at::5ffe66e3-a139-4b57-888c-3ea8e0375b23" providerId="AD" clId="Web-{6E64B558-A6DB-4145-B71A-2C5041A152E6}" dt="2024-06-05T05:40:55.096" v="22"/>
+          <ac:picMkLst>
+            <pc:docMk/>
+            <pc:sldMk cId="4231141096" sldId="263"/>
+            <ac:picMk id="2" creationId="{C08A5269-74ED-FC1A-AB6B-63E55B4D0ECA}"/>
+          </ac:picMkLst>
+        </pc:picChg>
+        <pc:picChg chg="add del mod">
+          <ac:chgData name="Höflehner Julian" userId="S::julian.hoeflehner@htl-saalfelden.at::5ffe66e3-a139-4b57-888c-3ea8e0375b23" providerId="AD" clId="Web-{6E64B558-A6DB-4145-B71A-2C5041A152E6}" dt="2024-06-05T05:45:44.293" v="32"/>
+          <ac:picMkLst>
+            <pc:docMk/>
+            <pc:sldMk cId="4231141096" sldId="263"/>
+            <ac:picMk id="3" creationId="{B6A0E1C6-F3D5-29A5-EA33-0AC31DBA4D6A}"/>
+          </ac:picMkLst>
+        </pc:picChg>
+        <pc:picChg chg="add mod">
+          <ac:chgData name="Höflehner Julian" userId="S::julian.hoeflehner@htl-saalfelden.at::5ffe66e3-a139-4b57-888c-3ea8e0375b23" providerId="AD" clId="Web-{6E64B558-A6DB-4145-B71A-2C5041A152E6}" dt="2024-06-05T05:45:57.668" v="35" actId="14100"/>
+          <ac:picMkLst>
+            <pc:docMk/>
+            <pc:sldMk cId="4231141096" sldId="263"/>
+            <ac:picMk id="4" creationId="{22CE099A-D551-67B2-FB75-D040810D392A}"/>
+          </ac:picMkLst>
+        </pc:picChg>
+        <pc:picChg chg="add del">
+          <ac:chgData name="Höflehner Julian" userId="S::julian.hoeflehner@htl-saalfelden.at::5ffe66e3-a139-4b57-888c-3ea8e0375b23" providerId="AD" clId="Web-{6E64B558-A6DB-4145-B71A-2C5041A152E6}" dt="2024-06-05T05:41:02.034" v="24"/>
+          <ac:picMkLst>
+            <pc:docMk/>
+            <pc:sldMk cId="4231141096" sldId="263"/>
+            <ac:picMk id="5" creationId="{3E571578-8B01-DE01-10E2-3645022161AC}"/>
+          </ac:picMkLst>
+        </pc:picChg>
+      </pc:sldChg>
+      <pc:sldChg chg="modSp">
+        <pc:chgData name="Höflehner Julian" userId="S::julian.hoeflehner@htl-saalfelden.at::5ffe66e3-a139-4b57-888c-3ea8e0375b23" providerId="AD" clId="Web-{6E64B558-A6DB-4145-B71A-2C5041A152E6}" dt="2024-06-05T05:48:27.407" v="36" actId="14100"/>
+        <pc:sldMkLst>
+          <pc:docMk/>
+          <pc:sldMk cId="1960193212" sldId="264"/>
+        </pc:sldMkLst>
+        <pc:picChg chg="mod">
+          <ac:chgData name="Höflehner Julian" userId="S::julian.hoeflehner@htl-saalfelden.at::5ffe66e3-a139-4b57-888c-3ea8e0375b23" providerId="AD" clId="Web-{6E64B558-A6DB-4145-B71A-2C5041A152E6}" dt="2024-06-05T05:48:27.407" v="36" actId="14100"/>
+          <ac:picMkLst>
+            <pc:docMk/>
+            <pc:sldMk cId="1960193212" sldId="264"/>
+            <ac:picMk id="5" creationId="{21833EE3-5739-597D-664C-CA51CCD605EE}"/>
+          </ac:picMkLst>
+        </pc:picChg>
+      </pc:sldChg>
+    </pc:docChg>
+  </pc:docChgLst>
+  <pc:docChgLst>
+    <pc:chgData name="Haslinger Samuel" userId="S::samuel.haslinger@htl-saalfelden.at::c9069ffe-0245-4413-8cd0-3e34027a2a6c" providerId="AD" clId="Web-{CA9B57BA-5A35-4D0C-87CB-B7B1F6DACF66}"/>
+    <pc:docChg chg="modSld">
+      <pc:chgData name="Haslinger Samuel" userId="S::samuel.haslinger@htl-saalfelden.at::c9069ffe-0245-4413-8cd0-3e34027a2a6c" providerId="AD" clId="Web-{CA9B57BA-5A35-4D0C-87CB-B7B1F6DACF66}" dt="2024-06-05T05:39:12.816" v="37"/>
+      <pc:docMkLst>
+        <pc:docMk/>
+      </pc:docMkLst>
+      <pc:sldChg chg="modSp">
+        <pc:chgData name="Haslinger Samuel" userId="S::samuel.haslinger@htl-saalfelden.at::c9069ffe-0245-4413-8cd0-3e34027a2a6c" providerId="AD" clId="Web-{CA9B57BA-5A35-4D0C-87CB-B7B1F6DACF66}" dt="2024-06-05T05:20:00.302" v="29" actId="20577"/>
+        <pc:sldMkLst>
+          <pc:docMk/>
+          <pc:sldMk cId="3469512878" sldId="259"/>
+        </pc:sldMkLst>
+        <pc:spChg chg="mod">
+          <ac:chgData name="Haslinger Samuel" userId="S::samuel.haslinger@htl-saalfelden.at::c9069ffe-0245-4413-8cd0-3e34027a2a6c" providerId="AD" clId="Web-{CA9B57BA-5A35-4D0C-87CB-B7B1F6DACF66}" dt="2024-06-05T05:20:00.302" v="29" actId="20577"/>
+          <ac:spMkLst>
+            <pc:docMk/>
+            <pc:sldMk cId="3469512878" sldId="259"/>
+            <ac:spMk id="3" creationId="{28EBEBEF-4B3B-2BCA-368E-BB6C7406680E}"/>
+          </ac:spMkLst>
+        </pc:spChg>
+      </pc:sldChg>
+      <pc:sldChg chg="modSp">
+        <pc:chgData name="Haslinger Samuel" userId="S::samuel.haslinger@htl-saalfelden.at::c9069ffe-0245-4413-8cd0-3e34027a2a6c" providerId="AD" clId="Web-{CA9B57BA-5A35-4D0C-87CB-B7B1F6DACF66}" dt="2024-06-05T05:20:31.100" v="32" actId="20577"/>
+        <pc:sldMkLst>
+          <pc:docMk/>
+          <pc:sldMk cId="3855528893" sldId="260"/>
+        </pc:sldMkLst>
+        <pc:spChg chg="mod">
+          <ac:chgData name="Haslinger Samuel" userId="S::samuel.haslinger@htl-saalfelden.at::c9069ffe-0245-4413-8cd0-3e34027a2a6c" providerId="AD" clId="Web-{CA9B57BA-5A35-4D0C-87CB-B7B1F6DACF66}" dt="2024-06-05T05:20:31.100" v="32" actId="20577"/>
+          <ac:spMkLst>
+            <pc:docMk/>
+            <pc:sldMk cId="3855528893" sldId="260"/>
+            <ac:spMk id="3" creationId="{21FFF8EF-AD80-19BA-F72A-DEC1ACA36782}"/>
+          </ac:spMkLst>
+        </pc:spChg>
+      </pc:sldChg>
+      <pc:sldChg chg="modSp">
+        <pc:chgData name="Haslinger Samuel" userId="S::samuel.haslinger@htl-saalfelden.at::c9069ffe-0245-4413-8cd0-3e34027a2a6c" providerId="AD" clId="Web-{CA9B57BA-5A35-4D0C-87CB-B7B1F6DACF66}" dt="2024-06-05T05:21:01.633" v="35" actId="20577"/>
+        <pc:sldMkLst>
+          <pc:docMk/>
+          <pc:sldMk cId="70910024" sldId="261"/>
+        </pc:sldMkLst>
+        <pc:spChg chg="mod">
+          <ac:chgData name="Haslinger Samuel" userId="S::samuel.haslinger@htl-saalfelden.at::c9069ffe-0245-4413-8cd0-3e34027a2a6c" providerId="AD" clId="Web-{CA9B57BA-5A35-4D0C-87CB-B7B1F6DACF66}" dt="2024-06-05T05:21:01.633" v="35" actId="20577"/>
+          <ac:spMkLst>
+            <pc:docMk/>
+            <pc:sldMk cId="70910024" sldId="261"/>
+            <ac:spMk id="3" creationId="{6E8FF11F-8385-D701-53C1-B3CFF364A656}"/>
+          </ac:spMkLst>
+        </pc:spChg>
+      </pc:sldChg>
+      <pc:sldChg chg="addSp delSp">
+        <pc:chgData name="Haslinger Samuel" userId="S::samuel.haslinger@htl-saalfelden.at::c9069ffe-0245-4413-8cd0-3e34027a2a6c" providerId="AD" clId="Web-{CA9B57BA-5A35-4D0C-87CB-B7B1F6DACF66}" dt="2024-06-05T05:39:12.816" v="37"/>
+        <pc:sldMkLst>
+          <pc:docMk/>
+          <pc:sldMk cId="4231141096" sldId="263"/>
+        </pc:sldMkLst>
+        <pc:picChg chg="add del">
+          <ac:chgData name="Haslinger Samuel" userId="S::samuel.haslinger@htl-saalfelden.at::c9069ffe-0245-4413-8cd0-3e34027a2a6c" providerId="AD" clId="Web-{CA9B57BA-5A35-4D0C-87CB-B7B1F6DACF66}" dt="2024-06-05T05:39:12.816" v="37"/>
+          <ac:picMkLst>
+            <pc:docMk/>
+            <pc:sldMk cId="4231141096" sldId="263"/>
+            <ac:picMk id="5" creationId="{3E571578-8B01-DE01-10E2-3645022161AC}"/>
+          </ac:picMkLst>
+        </pc:picChg>
+      </pc:sldChg>
+      <pc:sldChg chg="modSp">
+        <pc:chgData name="Haslinger Samuel" userId="S::samuel.haslinger@htl-saalfelden.at::c9069ffe-0245-4413-8cd0-3e34027a2a6c" providerId="AD" clId="Web-{CA9B57BA-5A35-4D0C-87CB-B7B1F6DACF66}" dt="2024-06-05T05:19:35.926" v="23" actId="20577"/>
+        <pc:sldMkLst>
+          <pc:docMk/>
+          <pc:sldMk cId="2830231666" sldId="266"/>
+        </pc:sldMkLst>
+        <pc:spChg chg="mod">
+          <ac:chgData name="Haslinger Samuel" userId="S::samuel.haslinger@htl-saalfelden.at::c9069ffe-0245-4413-8cd0-3e34027a2a6c" providerId="AD" clId="Web-{CA9B57BA-5A35-4D0C-87CB-B7B1F6DACF66}" dt="2024-06-05T05:19:35.926" v="23" actId="20577"/>
+          <ac:spMkLst>
+            <pc:docMk/>
+            <pc:sldMk cId="2830231666" sldId="266"/>
+            <ac:spMk id="3" creationId="{6BF42EBC-5E68-5FB9-25AA-1AEFC6DAB116}"/>
+          </ac:spMkLst>
+        </pc:spChg>
+      </pc:sldChg>
+    </pc:docChg>
+  </pc:docChgLst>
 </pc:chgInfo>
 </file>
 
@@ -233,7 +609,7 @@
               <a:rPr lang="de-DE"/>
               <a:t>Mastertitelformat bearbeiten</a:t>
             </a:r>
-            <a:endParaRPr lang="en-US" dirty="0"/>
+            <a:endParaRPr lang="en-US"/>
           </a:p>
         </p:txBody>
       </p:sp>
@@ -306,7 +682,7 @@
               <a:rPr lang="de-DE"/>
               <a:t>Master-Untertitelformat bearbeiten</a:t>
             </a:r>
-            <a:endParaRPr lang="en-US" dirty="0"/>
+            <a:endParaRPr lang="en-US"/>
           </a:p>
         </p:txBody>
       </p:sp>
@@ -399,7 +775,7 @@
           <a:p>
             <a:fld id="{6EC76C34-FA7A-48FF-865C-8ECF604905C8}" type="slidenum">
               <a:rPr lang="en-US" smtClean="0"/>
-              <a:t>‹Nr.›</a:t>
+              <a:t>‹#›</a:t>
             </a:fld>
             <a:endParaRPr lang="en-US"/>
           </a:p>
@@ -492,7 +868,7 @@
               <a:rPr lang="de-DE"/>
               <a:t>Mastertitelformat bearbeiten</a:t>
             </a:r>
-            <a:endParaRPr lang="en-US" dirty="0"/>
+            <a:endParaRPr lang="en-US"/>
           </a:p>
         </p:txBody>
       </p:sp>
@@ -544,7 +920,7 @@
               <a:rPr lang="de-DE"/>
               <a:t>Fünfte Ebene</a:t>
             </a:r>
-            <a:endParaRPr lang="en-US" dirty="0"/>
+            <a:endParaRPr lang="en-US"/>
           </a:p>
         </p:txBody>
       </p:sp>
@@ -607,7 +983,7 @@
           <a:p>
             <a:fld id="{6EC76C34-FA7A-48FF-865C-8ECF604905C8}" type="slidenum">
               <a:rPr lang="en-US" smtClean="0"/>
-              <a:t>‹Nr.›</a:t>
+              <a:t>‹#›</a:t>
             </a:fld>
             <a:endParaRPr lang="en-US"/>
           </a:p>
@@ -667,7 +1043,7 @@
               <a:rPr lang="de-DE"/>
               <a:t>Mastertitelformat bearbeiten</a:t>
             </a:r>
-            <a:endParaRPr lang="en-US" dirty="0"/>
+            <a:endParaRPr lang="en-US"/>
           </a:p>
         </p:txBody>
       </p:sp>
@@ -724,7 +1100,7 @@
               <a:rPr lang="de-DE"/>
               <a:t>Fünfte Ebene</a:t>
             </a:r>
-            <a:endParaRPr lang="en-US" dirty="0"/>
+            <a:endParaRPr lang="en-US"/>
           </a:p>
         </p:txBody>
       </p:sp>
@@ -787,7 +1163,7 @@
           <a:p>
             <a:fld id="{6EC76C34-FA7A-48FF-865C-8ECF604905C8}" type="slidenum">
               <a:rPr lang="en-US" smtClean="0"/>
-              <a:t>‹Nr.›</a:t>
+              <a:t>‹#›</a:t>
             </a:fld>
             <a:endParaRPr lang="en-US"/>
           </a:p>
@@ -842,7 +1218,7 @@
               <a:rPr lang="de-DE"/>
               <a:t>Mastertitelformat bearbeiten</a:t>
             </a:r>
-            <a:endParaRPr lang="en-US" dirty="0"/>
+            <a:endParaRPr lang="en-US"/>
           </a:p>
         </p:txBody>
       </p:sp>
@@ -894,7 +1270,7 @@
               <a:rPr lang="de-DE"/>
               <a:t>Fünfte Ebene</a:t>
             </a:r>
-            <a:endParaRPr lang="en-US" dirty="0"/>
+            <a:endParaRPr lang="en-US"/>
           </a:p>
         </p:txBody>
       </p:sp>
@@ -957,7 +1333,7 @@
           <a:p>
             <a:fld id="{6EC76C34-FA7A-48FF-865C-8ECF604905C8}" type="slidenum">
               <a:rPr lang="en-US" smtClean="0"/>
-              <a:t>‹Nr.›</a:t>
+              <a:t>‹#›</a:t>
             </a:fld>
             <a:endParaRPr lang="en-US"/>
           </a:p>
@@ -1026,7 +1402,7 @@
               <a:rPr lang="de-DE"/>
               <a:t>Mastertitelformat bearbeiten</a:t>
             </a:r>
-            <a:endParaRPr lang="en-US" dirty="0"/>
+            <a:endParaRPr lang="en-US"/>
           </a:p>
         </p:txBody>
       </p:sp>
@@ -1211,7 +1587,7 @@
           <a:p>
             <a:fld id="{6EC76C34-FA7A-48FF-865C-8ECF604905C8}" type="slidenum">
               <a:rPr lang="en-US" smtClean="0"/>
-              <a:t>‹Nr.›</a:t>
+              <a:t>‹#›</a:t>
             </a:fld>
             <a:endParaRPr lang="en-US"/>
           </a:p>
@@ -1304,7 +1680,7 @@
               <a:rPr lang="de-DE"/>
               <a:t>Mastertitelformat bearbeiten</a:t>
             </a:r>
-            <a:endParaRPr lang="en-US" dirty="0"/>
+            <a:endParaRPr lang="en-US"/>
           </a:p>
         </p:txBody>
       </p:sp>
@@ -1389,7 +1765,7 @@
               <a:rPr lang="de-DE"/>
               <a:t>Fünfte Ebene</a:t>
             </a:r>
-            <a:endParaRPr lang="en-US" dirty="0"/>
+            <a:endParaRPr lang="en-US"/>
           </a:p>
         </p:txBody>
       </p:sp>
@@ -1474,7 +1850,7 @@
               <a:rPr lang="de-DE"/>
               <a:t>Fünfte Ebene</a:t>
             </a:r>
-            <a:endParaRPr lang="en-US" dirty="0"/>
+            <a:endParaRPr lang="en-US"/>
           </a:p>
         </p:txBody>
       </p:sp>
@@ -1537,7 +1913,7 @@
           <a:p>
             <a:fld id="{6EC76C34-FA7A-48FF-865C-8ECF604905C8}" type="slidenum">
               <a:rPr lang="en-US" smtClean="0"/>
-              <a:t>‹Nr.›</a:t>
+              <a:t>‹#›</a:t>
             </a:fld>
             <a:endParaRPr lang="en-US"/>
           </a:p>
@@ -1592,7 +1968,7 @@
               <a:rPr lang="de-DE"/>
               <a:t>Mastertitelformat bearbeiten</a:t>
             </a:r>
-            <a:endParaRPr lang="en-US" dirty="0"/>
+            <a:endParaRPr lang="en-US"/>
           </a:p>
         </p:txBody>
       </p:sp>
@@ -1751,7 +2127,7 @@
               <a:rPr lang="de-DE"/>
               <a:t>Fünfte Ebene</a:t>
             </a:r>
-            <a:endParaRPr lang="en-US" dirty="0"/>
+            <a:endParaRPr lang="en-US"/>
           </a:p>
         </p:txBody>
       </p:sp>
@@ -1925,7 +2301,7 @@
               <a:rPr lang="de-DE"/>
               <a:t>Fünfte Ebene</a:t>
             </a:r>
-            <a:endParaRPr lang="en-US" dirty="0"/>
+            <a:endParaRPr lang="en-US"/>
           </a:p>
         </p:txBody>
       </p:sp>
@@ -1988,7 +2364,7 @@
           <a:p>
             <a:fld id="{6EC76C34-FA7A-48FF-865C-8ECF604905C8}" type="slidenum">
               <a:rPr lang="en-US" smtClean="0"/>
-              <a:t>‹Nr.›</a:t>
+              <a:t>‹#›</a:t>
             </a:fld>
             <a:endParaRPr lang="en-US"/>
           </a:p>
@@ -2043,7 +2419,7 @@
               <a:rPr lang="de-DE"/>
               <a:t>Mastertitelformat bearbeiten</a:t>
             </a:r>
-            <a:endParaRPr lang="en-US" dirty="0"/>
+            <a:endParaRPr lang="en-US"/>
           </a:p>
         </p:txBody>
       </p:sp>
@@ -2106,7 +2482,7 @@
           <a:p>
             <a:fld id="{6EC76C34-FA7A-48FF-865C-8ECF604905C8}" type="slidenum">
               <a:rPr lang="en-US" smtClean="0"/>
-              <a:t>‹Nr.›</a:t>
+              <a:t>‹#›</a:t>
             </a:fld>
             <a:endParaRPr lang="en-US"/>
           </a:p>
@@ -2201,7 +2577,7 @@
           <a:p>
             <a:fld id="{6EC76C34-FA7A-48FF-865C-8ECF604905C8}" type="slidenum">
               <a:rPr lang="en-US" smtClean="0"/>
-              <a:t>‹Nr.›</a:t>
+              <a:t>‹#›</a:t>
             </a:fld>
             <a:endParaRPr lang="en-US"/>
           </a:p>
@@ -2267,7 +2643,7 @@
               <a:rPr lang="de-DE"/>
               <a:t>Mastertitelformat bearbeiten</a:t>
             </a:r>
-            <a:endParaRPr lang="en-US" dirty="0"/>
+            <a:endParaRPr lang="en-US"/>
           </a:p>
         </p:txBody>
       </p:sp>
@@ -2352,7 +2728,7 @@
               <a:rPr lang="de-DE"/>
               <a:t>Fünfte Ebene</a:t>
             </a:r>
-            <a:endParaRPr lang="en-US" dirty="0"/>
+            <a:endParaRPr lang="en-US"/>
           </a:p>
         </p:txBody>
       </p:sp>
@@ -2488,7 +2864,7 @@
           <a:p>
             <a:fld id="{6EC76C34-FA7A-48FF-865C-8ECF604905C8}" type="slidenum">
               <a:rPr lang="en-US" smtClean="0"/>
-              <a:t>‹Nr.›</a:t>
+              <a:t>‹#›</a:t>
             </a:fld>
             <a:endParaRPr lang="en-US"/>
           </a:p>
@@ -2596,7 +2972,7 @@
               <a:rPr lang="de-DE"/>
               <a:t>Mastertitelformat bearbeiten</a:t>
             </a:r>
-            <a:endParaRPr lang="en-US" dirty="0"/>
+            <a:endParaRPr lang="en-US"/>
           </a:p>
         </p:txBody>
       </p:sp>
@@ -2668,7 +3044,7 @@
               <a:rPr lang="de-DE"/>
               <a:t>Bild durch Klicken auf Symbol hinzufügen</a:t>
             </a:r>
-            <a:endParaRPr lang="en-US" dirty="0"/>
+            <a:endParaRPr lang="en-US"/>
           </a:p>
         </p:txBody>
       </p:sp>
@@ -2810,7 +3186,7 @@
           <a:p>
             <a:fld id="{6EC76C34-FA7A-48FF-865C-8ECF604905C8}" type="slidenum">
               <a:rPr lang="en-US" smtClean="0"/>
-              <a:t>‹Nr.›</a:t>
+              <a:t>‹#›</a:t>
             </a:fld>
             <a:endParaRPr lang="en-US"/>
           </a:p>
@@ -2920,7 +3296,7 @@
               <a:rPr lang="de-DE"/>
               <a:t>Mastertitelformat bearbeiten</a:t>
             </a:r>
-            <a:endParaRPr lang="en-US" dirty="0"/>
+            <a:endParaRPr lang="en-US"/>
           </a:p>
         </p:txBody>
       </p:sp>
@@ -2982,7 +3358,7 @@
               <a:rPr lang="de-DE"/>
               <a:t>Fünfte Ebene</a:t>
             </a:r>
-            <a:endParaRPr lang="en-US" dirty="0"/>
+            <a:endParaRPr lang="en-US"/>
           </a:p>
         </p:txBody>
       </p:sp>
@@ -3104,7 +3480,7 @@
           <a:p>
             <a:fld id="{6EC76C34-FA7A-48FF-865C-8ECF604905C8}" type="slidenum">
               <a:rPr lang="en-US" smtClean="0"/>
-              <a:t>‹Nr.›</a:t>
+              <a:t>‹#›</a:t>
             </a:fld>
             <a:endParaRPr lang="en-US"/>
           </a:p>
@@ -3532,10 +3908,10 @@
           <a:lstStyle/>
           <a:p>
             <a:r>
-              <a:rPr lang="de-AT" sz="6000" dirty="0"/>
-              <a:t>Mensch ärgere dich nicht</a:t>
-            </a:r>
-            <a:endParaRPr lang="en-US" sz="6000" dirty="0"/>
+              <a:rPr lang="de-AT" sz="6000"/>
+              <a:t>Mensch Ärgere Dich Nicht</a:t>
+            </a:r>
+            <a:endParaRPr lang="en-US" sz="6000"/>
           </a:p>
         </p:txBody>
       </p:sp>
@@ -3557,14 +3933,24 @@
         </p:nvSpPr>
         <p:spPr/>
         <p:txBody>
-          <a:bodyPr/>
-          <a:lstStyle/>
-          <a:p>
-            <a:r>
-              <a:rPr lang="de-AT" dirty="0"/>
-              <a:t>Von Julian Hoeflehner und Samuel Haslinger</a:t>
-            </a:r>
-            <a:endParaRPr lang="en-US" dirty="0"/>
+          <a:bodyPr vert="horz" lIns="91440" tIns="45720" rIns="91440" bIns="45720" rtlCol="0" anchor="t">
+            <a:normAutofit/>
+          </a:bodyPr>
+          <a:lstStyle/>
+          <a:p>
+            <a:r>
+              <a:rPr lang="de-AT"/>
+              <a:t>Von Julian </a:t>
+            </a:r>
+            <a:r>
+              <a:rPr lang="de-AT" err="1"/>
+              <a:t>Höflehner</a:t>
+            </a:r>
+            <a:r>
+              <a:rPr lang="de-AT"/>
+              <a:t> und Samuel Haslinger</a:t>
+            </a:r>
+            <a:endParaRPr lang="en-US"/>
           </a:p>
         </p:txBody>
       </p:sp>
@@ -3620,10 +4006,10 @@
           <a:lstStyle/>
           <a:p>
             <a:r>
-              <a:rPr lang="de-AT" dirty="0"/>
+              <a:rPr lang="de-AT"/>
               <a:t>Finalisierung</a:t>
             </a:r>
-            <a:endParaRPr lang="en-US" dirty="0"/>
+            <a:endParaRPr lang="en-US"/>
           </a:p>
         </p:txBody>
       </p:sp>
@@ -3645,69 +4031,72 @@
         </p:nvSpPr>
         <p:spPr/>
         <p:txBody>
-          <a:bodyPr/>
-          <a:lstStyle/>
-          <a:p>
-            <a:r>
-              <a:rPr lang="de-AT" dirty="0"/>
+          <a:bodyPr vert="horz" lIns="91440" tIns="45720" rIns="91440" bIns="45720" rtlCol="0" anchor="t">
+            <a:normAutofit/>
+          </a:bodyPr>
+          <a:lstStyle/>
+          <a:p>
+            <a:r>
+              <a:rPr lang="de-AT"/>
               <a:t>Präsentationsvorbereitung: Julian</a:t>
             </a:r>
           </a:p>
           <a:p>
             <a:r>
-              <a:rPr lang="en-US" dirty="0"/>
-              <a:t>UML: </a:t>
+              <a:rPr lang="en-US"/>
+              <a:t>UML: </a:t>
             </a:r>
           </a:p>
           <a:p>
             <a:pPr lvl="1"/>
             <a:r>
-              <a:rPr lang="en-US" dirty="0" err="1"/>
+              <a:rPr lang="en-US" err="1"/>
               <a:t>Vorher</a:t>
             </a:r>
             <a:r>
-              <a:rPr lang="en-US" dirty="0"/>
+              <a:rPr lang="en-US"/>
               <a:t> </a:t>
             </a:r>
             <a:r>
-              <a:rPr lang="en-US" dirty="0">
+              <a:rPr lang="en-US">
                 <a:sym typeface="Wingdings" panose="05000000000000000000" pitchFamily="2" charset="2"/>
               </a:rPr>
               <a:t> Samuel</a:t>
             </a:r>
+            <a:endParaRPr lang="en-US"/>
           </a:p>
           <a:p>
             <a:pPr lvl="1"/>
             <a:r>
-              <a:rPr lang="en-US" dirty="0" err="1"/>
+              <a:rPr lang="en-US" err="1"/>
               <a:t>Nachher</a:t>
             </a:r>
             <a:r>
-              <a:rPr lang="en-US" dirty="0"/>
+              <a:rPr lang="en-US"/>
               <a:t> </a:t>
             </a:r>
             <a:r>
-              <a:rPr lang="en-US" dirty="0">
+              <a:rPr lang="en-US">
                 <a:sym typeface="Wingdings" panose="05000000000000000000" pitchFamily="2" charset="2"/>
               </a:rPr>
               <a:t> Julian</a:t>
             </a:r>
-            <a:endParaRPr lang="en-US" dirty="0"/>
-          </a:p>
-          <a:p>
-            <a:r>
-              <a:rPr lang="en-US" dirty="0" err="1"/>
-              <a:t>Testen</a:t>
-            </a:r>
-            <a:r>
-              <a:rPr lang="en-US" dirty="0"/>
+            <a:endParaRPr lang="en-US"/>
+          </a:p>
+          <a:p>
+            <a:r>
+              <a:rPr lang="en-US" err="1"/>
+              <a:t>testen</a:t>
+            </a:r>
+            <a:r>
+              <a:rPr lang="en-US"/>
               <a:t>: </a:t>
             </a:r>
             <a:r>
-              <a:rPr lang="en-US" dirty="0" err="1"/>
+              <a:rPr lang="en-US" err="1"/>
               <a:t>Beide</a:t>
             </a:r>
-            <a:endParaRPr lang="en-US" dirty="0"/>
+            <a:endParaRPr lang="en-US"/>
           </a:p>
         </p:txBody>
       </p:sp>
@@ -3715,86 +4104,6 @@
     <p:extLst>
       <p:ext uri="{BB962C8B-B14F-4D97-AF65-F5344CB8AC3E}">
         <p14:creationId xmlns:p14="http://schemas.microsoft.com/office/powerpoint/2010/main" val="70910024"/>
-      </p:ext>
-    </p:extLst>
-  </p:cSld>
-  <p:clrMapOvr>
-    <a:masterClrMapping/>
-  </p:clrMapOvr>
-</p:sld>
-</file>
-
-<file path=ppt/slides/slide11.xml><?xml version="1.0" encoding="utf-8"?>
-<p:sld xmlns:a="http://schemas.openxmlformats.org/drawingml/2006/main" xmlns:r="http://schemas.openxmlformats.org/officeDocument/2006/relationships" xmlns:p="http://schemas.openxmlformats.org/presentationml/2006/main">
-  <p:cSld>
-    <p:spTree>
-      <p:nvGrpSpPr>
-        <p:cNvPr id="1" name=""/>
-        <p:cNvGrpSpPr/>
-        <p:nvPr/>
-      </p:nvGrpSpPr>
-      <p:grpSpPr>
-        <a:xfrm>
-          <a:off x="0" y="0"/>
-          <a:ext cx="0" cy="0"/>
-          <a:chOff x="0" y="0"/>
-          <a:chExt cx="0" cy="0"/>
-        </a:xfrm>
-      </p:grpSpPr>
-      <p:sp>
-        <p:nvSpPr>
-          <p:cNvPr id="2" name="Titel 1">
-            <a:extLst>
-              <a:ext uri="{FF2B5EF4-FFF2-40B4-BE49-F238E27FC236}">
-                <a16:creationId xmlns:a16="http://schemas.microsoft.com/office/drawing/2014/main" id="{5CC7075F-A45B-3359-8A01-9C33DCF857C3}"/>
-              </a:ext>
-            </a:extLst>
-          </p:cNvPr>
-          <p:cNvSpPr>
-            <a:spLocks noGrp="1"/>
-          </p:cNvSpPr>
-          <p:nvPr>
-            <p:ph type="title"/>
-          </p:nvPr>
-        </p:nvSpPr>
-        <p:spPr/>
-        <p:txBody>
-          <a:bodyPr/>
-          <a:lstStyle/>
-          <a:p>
-            <a:endParaRPr lang="en-US" dirty="0"/>
-          </a:p>
-        </p:txBody>
-      </p:sp>
-      <p:sp>
-        <p:nvSpPr>
-          <p:cNvPr id="3" name="Inhaltsplatzhalter 2">
-            <a:extLst>
-              <a:ext uri="{FF2B5EF4-FFF2-40B4-BE49-F238E27FC236}">
-                <a16:creationId xmlns:a16="http://schemas.microsoft.com/office/drawing/2014/main" id="{9F5EC1D3-32F5-7EC3-DCF9-F611761DD4D7}"/>
-              </a:ext>
-            </a:extLst>
-          </p:cNvPr>
-          <p:cNvSpPr>
-            <a:spLocks noGrp="1"/>
-          </p:cNvSpPr>
-          <p:nvPr>
-            <p:ph idx="1"/>
-          </p:nvPr>
-        </p:nvSpPr>
-        <p:spPr/>
-        <p:txBody>
-          <a:bodyPr/>
-          <a:lstStyle/>
-          <a:p>
-            <a:endParaRPr lang="en-US"/>
-          </a:p>
-        </p:txBody>
-      </p:sp>
-    </p:spTree>
-    <p:extLst>
-      <p:ext uri="{BB962C8B-B14F-4D97-AF65-F5344CB8AC3E}">
-        <p14:creationId xmlns:p14="http://schemas.microsoft.com/office/powerpoint/2010/main" val="1264165453"/>
       </p:ext>
     </p:extLst>
   </p:cSld>
@@ -3843,10 +4152,10 @@
           <a:lstStyle/>
           <a:p>
             <a:r>
-              <a:rPr lang="de-AT" dirty="0"/>
+              <a:rPr lang="de-AT"/>
               <a:t>Inhalt</a:t>
             </a:r>
-            <a:endParaRPr lang="en-US" dirty="0"/>
+            <a:endParaRPr lang="en-US"/>
           </a:p>
         </p:txBody>
       </p:sp>
@@ -3872,34 +4181,31 @@
           <a:lstStyle/>
           <a:p>
             <a:r>
-              <a:rPr lang="de-AT" dirty="0"/>
+              <a:rPr lang="de-AT"/>
               <a:t>Aufgabenteilung</a:t>
             </a:r>
           </a:p>
           <a:p>
             <a:r>
-              <a:rPr lang="de-AT" dirty="0"/>
+              <a:rPr lang="de-AT"/>
               <a:t>Planung</a:t>
             </a:r>
           </a:p>
           <a:p>
             <a:r>
-              <a:rPr lang="de-AT" dirty="0"/>
-              <a:t>Interessante Codeausschnitte</a:t>
-            </a:r>
-          </a:p>
-          <a:p>
-            <a:r>
-              <a:rPr lang="de-AT" dirty="0"/>
-              <a:t>Probleme</a:t>
-            </a:r>
-            <a:endParaRPr lang="en-US" dirty="0"/>
+              <a:rPr lang="de-AT"/>
+              <a:t>Interessante Codeausschnitte + Probleme</a:t>
+            </a:r>
+            <a:endParaRPr lang="en-US"/>
+          </a:p>
+          <a:p>
+            <a:endParaRPr lang="de-AT"/>
           </a:p>
           <a:p>
             <a:pPr marL="0" indent="0">
               <a:buNone/>
             </a:pPr>
-            <a:endParaRPr lang="de-AT" dirty="0"/>
+            <a:endParaRPr lang="de-AT"/>
           </a:p>
         </p:txBody>
       </p:sp>
@@ -3961,10 +4267,10 @@
           <a:p>
             <a:pPr algn="ctr"/>
             <a:r>
-              <a:rPr lang="de-AT" dirty="0"/>
+              <a:rPr lang="de-AT"/>
               <a:t>Aufgabenteilung</a:t>
             </a:r>
-            <a:endParaRPr lang="en-US" dirty="0"/>
+            <a:endParaRPr lang="en-US"/>
           </a:p>
         </p:txBody>
       </p:sp>
@@ -4145,7 +4451,7 @@
           <a:p>
             <a:pPr algn="ctr"/>
             <a:r>
-              <a:rPr lang="de-AT" sz="2400" dirty="0">
+              <a:rPr lang="de-AT" sz="2400">
                 <a:solidFill>
                   <a:schemeClr val="bg2">
                     <a:lumMod val="10000"/>
@@ -4154,7 +4460,7 @@
               </a:rPr>
               <a:t>Planung</a:t>
             </a:r>
-            <a:endParaRPr lang="en-US" dirty="0">
+            <a:endParaRPr lang="en-US">
               <a:solidFill>
                 <a:schemeClr val="bg2">
                   <a:lumMod val="10000"/>
@@ -4194,7 +4500,7 @@
           <a:p>
             <a:pPr algn="ctr"/>
             <a:r>
-              <a:rPr lang="de-AT" sz="2400" dirty="0">
+              <a:rPr lang="de-AT" sz="2400">
                 <a:solidFill>
                   <a:schemeClr val="bg2">
                     <a:lumMod val="10000"/>
@@ -4203,7 +4509,7 @@
               </a:rPr>
               <a:t>Coding</a:t>
             </a:r>
-            <a:endParaRPr lang="en-US" sz="2400" dirty="0">
+            <a:endParaRPr lang="en-US" sz="2400">
               <a:solidFill>
                 <a:schemeClr val="bg2">
                   <a:lumMod val="10000"/>
@@ -4243,7 +4549,7 @@
           <a:p>
             <a:pPr algn="ctr"/>
             <a:r>
-              <a:rPr lang="de-AT" sz="2400" dirty="0">
+              <a:rPr lang="de-AT" sz="2400">
                 <a:solidFill>
                   <a:schemeClr val="bg2">
                     <a:lumMod val="10000"/>
@@ -4252,7 +4558,7 @@
               </a:rPr>
               <a:t>Finalisierung</a:t>
             </a:r>
-            <a:endParaRPr lang="en-US" dirty="0">
+            <a:endParaRPr lang="en-US">
               <a:solidFill>
                 <a:schemeClr val="bg2">
                   <a:lumMod val="10000"/>
@@ -4314,10 +4620,10 @@
           <a:lstStyle/>
           <a:p>
             <a:r>
-              <a:rPr lang="de-AT" dirty="0"/>
+              <a:rPr lang="de-AT"/>
               <a:t>Planung</a:t>
             </a:r>
-            <a:endParaRPr lang="en-US" dirty="0"/>
+            <a:endParaRPr lang="en-US"/>
           </a:p>
         </p:txBody>
       </p:sp>
@@ -4339,86 +4645,85 @@
         </p:nvSpPr>
         <p:spPr/>
         <p:txBody>
-          <a:bodyPr/>
-          <a:lstStyle/>
-          <a:p>
-            <a:r>
-              <a:rPr lang="de-AT" dirty="0"/>
+          <a:bodyPr vert="horz" lIns="91440" tIns="45720" rIns="91440" bIns="45720" rtlCol="0" anchor="t">
+            <a:normAutofit/>
+          </a:bodyPr>
+          <a:lstStyle/>
+          <a:p>
+            <a:r>
+              <a:rPr lang="de-AT"/>
               <a:t>Grundkonzept gemeinsam aufgestellt</a:t>
             </a:r>
           </a:p>
           <a:p>
             <a:r>
-              <a:rPr lang="en-US" dirty="0"/>
+              <a:rPr lang="en-US"/>
               <a:t>UML von Samuel</a:t>
             </a:r>
           </a:p>
           <a:p>
             <a:r>
-              <a:rPr lang="en-US" dirty="0" err="1"/>
+              <a:rPr lang="en-US" err="1"/>
               <a:t>Gemeinsam</a:t>
             </a:r>
             <a:r>
-              <a:rPr lang="en-US" dirty="0"/>
+              <a:rPr lang="en-US"/>
               <a:t> </a:t>
             </a:r>
             <a:r>
-              <a:rPr lang="en-US" dirty="0" err="1"/>
+              <a:rPr lang="en-US" err="1"/>
               <a:t>grundlegende</a:t>
             </a:r>
             <a:r>
-              <a:rPr lang="en-US" dirty="0"/>
+              <a:rPr lang="en-US"/>
               <a:t> </a:t>
             </a:r>
             <a:r>
-              <a:rPr lang="en-US" dirty="0" err="1"/>
+              <a:rPr lang="en-US" err="1"/>
               <a:t>Arbeitsteilung</a:t>
             </a:r>
             <a:r>
-              <a:rPr lang="en-US" dirty="0"/>
+              <a:rPr lang="en-US"/>
               <a:t> </a:t>
             </a:r>
             <a:r>
-              <a:rPr lang="en-US" dirty="0" err="1"/>
+              <a:rPr lang="en-US" err="1"/>
               <a:t>besprochen</a:t>
             </a:r>
-            <a:endParaRPr lang="en-US" dirty="0"/>
+            <a:r>
+              <a:rPr lang="en-US"/>
+              <a:t>.</a:t>
+            </a:r>
           </a:p>
           <a:p>
             <a:pPr lvl="1"/>
             <a:r>
-              <a:rPr lang="en-US" dirty="0" err="1"/>
-              <a:t>Anfänglicher</a:t>
-            </a:r>
-            <a:r>
-              <a:rPr lang="en-US" dirty="0"/>
+              <a:rPr lang="en-US" err="1"/>
+              <a:t>anfänglicher</a:t>
+            </a:r>
+            <a:r>
+              <a:rPr lang="en-US"/>
               <a:t> Plan: Julian </a:t>
             </a:r>
             <a:r>
-              <a:rPr lang="en-US" dirty="0">
+              <a:rPr lang="en-US">
                 <a:sym typeface="Wingdings" panose="05000000000000000000" pitchFamily="2" charset="2"/>
               </a:rPr>
               <a:t> </a:t>
             </a:r>
             <a:r>
-              <a:rPr lang="en-US" dirty="0" err="1">
+              <a:rPr lang="en-US" err="1">
                 <a:sym typeface="Wingdings" panose="05000000000000000000" pitchFamily="2" charset="2"/>
               </a:rPr>
               <a:t>Ausgabe</a:t>
             </a:r>
             <a:r>
-              <a:rPr lang="en-US" dirty="0">
+              <a:rPr lang="en-US">
                 <a:sym typeface="Wingdings" panose="05000000000000000000" pitchFamily="2" charset="2"/>
               </a:rPr>
-              <a:t>, Samuel  </a:t>
-            </a:r>
-            <a:r>
-              <a:rPr lang="en-US" dirty="0" err="1">
-                <a:sym typeface="Wingdings" panose="05000000000000000000" pitchFamily="2" charset="2"/>
-              </a:rPr>
-              <a:t>Logik</a:t>
-            </a:r>
-            <a:endParaRPr lang="en-US" dirty="0"/>
+              <a:t>, Samuel  Logik</a:t>
+            </a:r>
+            <a:endParaRPr lang="en-US"/>
           </a:p>
         </p:txBody>
       </p:sp>
@@ -4480,8 +4785,8 @@
         </p:blipFill>
         <p:spPr>
           <a:xfrm>
-            <a:off x="1" y="-29022"/>
-            <a:ext cx="11288598" cy="6844601"/>
+            <a:off x="1" y="-5932"/>
+            <a:ext cx="12189143" cy="6856147"/>
           </a:xfrm>
           <a:prstGeom prst="rect">
             <a:avLst/>
@@ -4520,10 +4825,10 @@
       </p:grpSpPr>
       <p:pic>
         <p:nvPicPr>
-          <p:cNvPr id="5" name="Grafik 4" descr="Ein Bild, das Text, Screenshot, Diagramm, Rechteck enthält.">
+          <p:cNvPr id="4" name="Grafik 3" descr="Ein Bild, das Text, Screenshot, parallel, Diagramm enthält.&#10;&#10;Beschreibung automatisch generiert.">
             <a:extLst>
               <a:ext uri="{FF2B5EF4-FFF2-40B4-BE49-F238E27FC236}">
-                <a16:creationId xmlns:a16="http://schemas.microsoft.com/office/drawing/2014/main" id="{3E571578-8B01-DE01-10E2-3645022161AC}"/>
+                <a16:creationId xmlns:a16="http://schemas.microsoft.com/office/drawing/2014/main" id="{22CE099A-D551-67B2-FB75-D040810D392A}"/>
               </a:ext>
             </a:extLst>
           </p:cNvPr>
@@ -4533,21 +4838,15 @@
           <p:nvPr/>
         </p:nvPicPr>
         <p:blipFill>
-          <a:blip r:embed="rId2">
-            <a:extLst>
-              <a:ext uri="{28A0092B-C50C-407E-A947-70E740481C1C}">
-                <a14:useLocalDpi xmlns:a14="http://schemas.microsoft.com/office/drawing/2010/main" val="0"/>
-              </a:ext>
-            </a:extLst>
-          </a:blip>
+          <a:blip r:embed="rId2"/>
           <a:stretch>
             <a:fillRect/>
           </a:stretch>
         </p:blipFill>
         <p:spPr>
           <a:xfrm>
-            <a:off x="1" y="0"/>
-            <a:ext cx="11159836" cy="6625244"/>
+            <a:off x="111" y="674"/>
+            <a:ext cx="15315259" cy="7419926"/>
           </a:xfrm>
           <a:prstGeom prst="rect">
             <a:avLst/>
@@ -4606,10 +4905,10 @@
           <a:lstStyle/>
           <a:p>
             <a:r>
-              <a:rPr lang="de-AT" dirty="0"/>
+              <a:rPr lang="de-AT"/>
               <a:t>Coding</a:t>
             </a:r>
-            <a:endParaRPr lang="en-US" dirty="0"/>
+            <a:endParaRPr lang="en-US"/>
           </a:p>
         </p:txBody>
       </p:sp>
@@ -4631,187 +4930,188 @@
         </p:nvSpPr>
         <p:spPr/>
         <p:txBody>
-          <a:bodyPr/>
-          <a:lstStyle/>
-          <a:p>
-            <a:r>
-              <a:rPr lang="de-AT" dirty="0"/>
+          <a:bodyPr vert="horz" lIns="91440" tIns="45720" rIns="91440" bIns="45720" rtlCol="0" anchor="t">
+            <a:normAutofit/>
+          </a:bodyPr>
+          <a:lstStyle/>
+          <a:p>
+            <a:r>
+              <a:rPr lang="de-AT"/>
               <a:t>Julian</a:t>
             </a:r>
           </a:p>
           <a:p>
             <a:pPr lvl="1"/>
             <a:r>
-              <a:rPr lang="de-AT" dirty="0" err="1">
+              <a:rPr lang="de-AT" err="1">
                 <a:sym typeface="Wingdings" panose="05000000000000000000" pitchFamily="2" charset="2"/>
               </a:rPr>
               <a:t>Exception</a:t>
             </a:r>
             <a:r>
-              <a:rPr lang="de-AT" dirty="0">
+              <a:rPr lang="de-AT">
                 <a:sym typeface="Wingdings" panose="05000000000000000000" pitchFamily="2" charset="2"/>
               </a:rPr>
-              <a:t> Handling(Eigene </a:t>
-            </a:r>
-            <a:r>
-              <a:rPr lang="de-AT" dirty="0" err="1">
+              <a:t> Handling(eigene </a:t>
+            </a:r>
+            <a:r>
+              <a:rPr lang="de-AT" err="1">
                 <a:sym typeface="Wingdings" panose="05000000000000000000" pitchFamily="2" charset="2"/>
               </a:rPr>
               <a:t>Exceptions</a:t>
             </a:r>
             <a:r>
-              <a:rPr lang="de-AT" dirty="0">
+              <a:rPr lang="de-AT">
                 <a:sym typeface="Wingdings" panose="05000000000000000000" pitchFamily="2" charset="2"/>
               </a:rPr>
               <a:t> + </a:t>
             </a:r>
             <a:r>
-              <a:rPr lang="de-AT" dirty="0" err="1">
+              <a:rPr lang="de-AT" err="1">
                 <a:sym typeface="Wingdings" panose="05000000000000000000" pitchFamily="2" charset="2"/>
               </a:rPr>
               <a:t>vorhande</a:t>
             </a:r>
             <a:r>
-              <a:rPr lang="de-AT" dirty="0">
+              <a:rPr lang="de-AT">
                 <a:sym typeface="Wingdings" panose="05000000000000000000" pitchFamily="2" charset="2"/>
               </a:rPr>
               <a:t> </a:t>
             </a:r>
             <a:r>
-              <a:rPr lang="de-AT" dirty="0" err="1">
+              <a:rPr lang="de-AT" err="1">
                 <a:sym typeface="Wingdings" panose="05000000000000000000" pitchFamily="2" charset="2"/>
               </a:rPr>
               <a:t>Exceptions</a:t>
             </a:r>
             <a:r>
-              <a:rPr lang="de-AT" dirty="0">
+              <a:rPr lang="de-AT">
                 <a:sym typeface="Wingdings" panose="05000000000000000000" pitchFamily="2" charset="2"/>
               </a:rPr>
               <a:t>)</a:t>
             </a:r>
+            <a:endParaRPr lang="de-AT"/>
           </a:p>
           <a:p>
             <a:pPr lvl="1"/>
             <a:r>
-              <a:rPr lang="de-AT" dirty="0">
+              <a:rPr lang="de-AT">
                 <a:sym typeface="Wingdings" panose="05000000000000000000" pitchFamily="2" charset="2"/>
               </a:rPr>
               <a:t>Bot(Zug Algorithmus)</a:t>
             </a:r>
+            <a:endParaRPr lang="de-AT"/>
           </a:p>
           <a:p>
             <a:pPr lvl="1"/>
             <a:r>
-              <a:rPr lang="de-AT" b="1" u="sng" dirty="0">
+              <a:rPr lang="de-AT" b="1" u="sng">
                 <a:sym typeface="Wingdings" panose="05000000000000000000" pitchFamily="2" charset="2"/>
               </a:rPr>
               <a:t>Ausgabe</a:t>
             </a:r>
+            <a:endParaRPr lang="de-AT" b="1" u="sng"/>
           </a:p>
           <a:p>
             <a:pPr lvl="1"/>
             <a:r>
-              <a:rPr lang="de-AT" b="1" u="sng" dirty="0" err="1">
+              <a:rPr lang="de-AT" b="1" u="sng" err="1">
+                <a:solidFill>
+                  <a:schemeClr val="tx1"/>
+                </a:solidFill>
                 <a:sym typeface="Wingdings" panose="05000000000000000000" pitchFamily="2" charset="2"/>
               </a:rPr>
               <a:t>Wuerfel</a:t>
             </a:r>
             <a:r>
-              <a:rPr lang="de-AT" b="1" u="sng" dirty="0">
+              <a:rPr lang="de-AT" b="1" u="sng">
                 <a:sym typeface="Wingdings" panose="05000000000000000000" pitchFamily="2" charset="2"/>
               </a:rPr>
               <a:t> und Auswahlmethode betriebsfähig gemacht(Viele Überprüfungen, ob die Figur ziehen darf; Gewinnüberprüfung)</a:t>
             </a:r>
-            <a:endParaRPr lang="de-AT" dirty="0">
+            <a:endParaRPr lang="de-AT">
               <a:sym typeface="Wingdings" panose="05000000000000000000" pitchFamily="2" charset="2"/>
             </a:endParaRPr>
           </a:p>
           <a:p>
             <a:r>
-              <a:rPr lang="de-AT" dirty="0">
+              <a:rPr lang="de-AT">
                 <a:sym typeface="Wingdings" panose="05000000000000000000" pitchFamily="2" charset="2"/>
               </a:rPr>
-              <a:t>Samuel </a:t>
+              <a:t>Samuel </a:t>
             </a:r>
           </a:p>
           <a:p>
             <a:pPr lvl="1"/>
             <a:r>
-              <a:rPr lang="de-AT" dirty="0">
+              <a:rPr lang="de-AT">
                 <a:sym typeface="Wingdings" panose="05000000000000000000" pitchFamily="2" charset="2"/>
               </a:rPr>
-              <a:t> Anfang der </a:t>
-            </a:r>
-            <a:r>
-              <a:rPr lang="de-AT" dirty="0" err="1">
+              <a:t> Anfang der </a:t>
+            </a:r>
+            <a:r>
+              <a:rPr lang="de-AT" err="1">
                 <a:sym typeface="Wingdings" panose="05000000000000000000" pitchFamily="2" charset="2"/>
               </a:rPr>
               <a:t>Wuerfel</a:t>
             </a:r>
             <a:r>
-              <a:rPr lang="de-AT" dirty="0">
+              <a:rPr lang="de-AT">
                 <a:sym typeface="Wingdings" panose="05000000000000000000" pitchFamily="2" charset="2"/>
               </a:rPr>
               <a:t>- und Auswahlmethode</a:t>
             </a:r>
+            <a:endParaRPr lang="de-AT"/>
           </a:p>
           <a:p>
             <a:pPr lvl="1"/>
             <a:r>
-              <a:rPr lang="en-US" dirty="0" err="1"/>
+              <a:rPr lang="en-US" err="1"/>
               <a:t>Einleitung</a:t>
             </a:r>
             <a:r>
-              <a:rPr lang="en-US" dirty="0"/>
+              <a:rPr lang="en-US"/>
               <a:t> ins Spiel</a:t>
             </a:r>
           </a:p>
           <a:p>
             <a:pPr lvl="1"/>
             <a:r>
-              <a:rPr lang="en-US" dirty="0" err="1"/>
+              <a:rPr lang="en-US" err="1"/>
               <a:t>Erstellung</a:t>
             </a:r>
             <a:r>
-              <a:rPr lang="en-US" dirty="0"/>
+              <a:rPr lang="en-US"/>
               <a:t> der </a:t>
             </a:r>
             <a:r>
-              <a:rPr lang="en-US" dirty="0" err="1"/>
+              <a:rPr lang="en-US" err="1"/>
               <a:t>Spielfiguren</a:t>
             </a:r>
             <a:r>
-              <a:rPr lang="en-US" dirty="0"/>
-              <a:t>, </a:t>
-            </a:r>
-            <a:r>
-              <a:rPr lang="en-US" dirty="0" err="1"/>
-              <a:t>Häuser</a:t>
-            </a:r>
-            <a:r>
-              <a:rPr lang="en-US" dirty="0"/>
-              <a:t>, etc.</a:t>
+              <a:rPr lang="en-US"/>
+              <a:t>, Häuser, etc.</a:t>
             </a:r>
           </a:p>
           <a:p>
             <a:pPr lvl="1"/>
             <a:r>
-              <a:rPr lang="en-US" b="1" u="sng" dirty="0" err="1"/>
+              <a:rPr lang="en-US" b="1" u="sng" err="1"/>
               <a:t>Speicherung</a:t>
             </a:r>
             <a:r>
-              <a:rPr lang="en-US" b="1" u="sng" dirty="0"/>
+              <a:rPr lang="en-US" b="1" u="sng"/>
               <a:t> des Spiels</a:t>
             </a:r>
           </a:p>
           <a:p>
             <a:pPr lvl="1"/>
             <a:r>
-              <a:rPr lang="en-US" b="1" u="sng" dirty="0" err="1"/>
+              <a:rPr lang="en-US" b="1" u="sng" err="1"/>
               <a:t>Speicherung</a:t>
             </a:r>
             <a:r>
-              <a:rPr lang="en-US" b="1" u="sng" dirty="0"/>
+              <a:rPr lang="en-US" b="1" u="sng"/>
               <a:t> der Spieler</a:t>
             </a:r>
           </a:p>
@@ -4869,10 +5169,10 @@
           <a:lstStyle/>
           <a:p>
             <a:r>
-              <a:rPr lang="de-AT" dirty="0"/>
+              <a:rPr lang="de-AT"/>
               <a:t>Kriterien</a:t>
             </a:r>
-            <a:endParaRPr lang="en-US" dirty="0"/>
+            <a:endParaRPr lang="en-US"/>
           </a:p>
         </p:txBody>
       </p:sp>
@@ -4894,15 +5194,17 @@
         </p:nvSpPr>
         <p:spPr/>
         <p:txBody>
-          <a:bodyPr/>
-          <a:lstStyle/>
-          <a:p>
-            <a:r>
-              <a:rPr lang="de-AT" dirty="0"/>
+          <a:bodyPr vert="horz" lIns="91440" tIns="45720" rIns="91440" bIns="45720" rtlCol="0" anchor="t">
+            <a:normAutofit/>
+          </a:bodyPr>
+          <a:lstStyle/>
+          <a:p>
+            <a:r>
+              <a:rPr lang="de-AT"/>
               <a:t>Vererbung: Klasse Spieler </a:t>
             </a:r>
             <a:r>
-              <a:rPr lang="de-AT" dirty="0">
+              <a:rPr lang="de-AT">
                 <a:sym typeface="Wingdings" panose="05000000000000000000" pitchFamily="2" charset="2"/>
               </a:rPr>
               <a:t> Bot und Menschlicher Spieler</a:t>
@@ -4910,75 +5212,77 @@
           </a:p>
           <a:p>
             <a:r>
-              <a:rPr lang="de-AT" dirty="0" err="1">
+              <a:rPr lang="de-AT" err="1">
                 <a:sym typeface="Wingdings" panose="05000000000000000000" pitchFamily="2" charset="2"/>
               </a:rPr>
               <a:t>Exception</a:t>
             </a:r>
             <a:r>
-              <a:rPr lang="de-AT" dirty="0">
+              <a:rPr lang="de-AT">
                 <a:sym typeface="Wingdings" panose="05000000000000000000" pitchFamily="2" charset="2"/>
               </a:rPr>
-              <a:t> Handling  Funktion </a:t>
-            </a:r>
-            <a:r>
-              <a:rPr lang="de-AT" dirty="0" err="1">
+              <a:t> Handling  Methode </a:t>
+            </a:r>
+            <a:r>
+              <a:rPr lang="de-AT" err="1">
                 <a:sym typeface="Wingdings" panose="05000000000000000000" pitchFamily="2" charset="2"/>
               </a:rPr>
               <a:t>auswaehlen</a:t>
             </a:r>
-            <a:endParaRPr lang="de-AT" dirty="0">
+            <a:endParaRPr lang="de-AT">
               <a:sym typeface="Wingdings" panose="05000000000000000000" pitchFamily="2" charset="2"/>
             </a:endParaRPr>
           </a:p>
           <a:p>
             <a:r>
-              <a:rPr lang="de-AT" dirty="0" err="1">
+              <a:rPr lang="de-AT" err="1">
                 <a:sym typeface="Wingdings" panose="05000000000000000000" pitchFamily="2" charset="2"/>
               </a:rPr>
               <a:t>Regex</a:t>
             </a:r>
             <a:r>
-              <a:rPr lang="de-AT" dirty="0">
+              <a:rPr lang="de-AT">
                 <a:sym typeface="Wingdings" panose="05000000000000000000" pitchFamily="2" charset="2"/>
               </a:rPr>
               <a:t>  </a:t>
             </a:r>
             <a:r>
-              <a:rPr lang="de-AT" dirty="0" err="1">
+              <a:rPr lang="de-AT" err="1">
                 <a:sym typeface="Wingdings" panose="05000000000000000000" pitchFamily="2" charset="2"/>
               </a:rPr>
               <a:t>Program.cs</a:t>
             </a:r>
             <a:r>
-              <a:rPr lang="de-AT" dirty="0">
+              <a:rPr lang="de-AT">
                 <a:sym typeface="Wingdings" panose="05000000000000000000" pitchFamily="2" charset="2"/>
               </a:rPr>
-              <a:t> Zeile 507</a:t>
-            </a:r>
-          </a:p>
-          <a:p>
-            <a:r>
-              <a:rPr lang="de-AT" dirty="0">
+              <a:t> Zeile 523</a:t>
+            </a:r>
+            <a:endParaRPr lang="de-AT"/>
+          </a:p>
+          <a:p>
+            <a:r>
+              <a:rPr lang="de-AT">
                 <a:sym typeface="Wingdings" panose="05000000000000000000" pitchFamily="2" charset="2"/>
               </a:rPr>
               <a:t>Filehandling  </a:t>
             </a:r>
             <a:r>
-              <a:rPr lang="de-AT" dirty="0" err="1">
+              <a:rPr lang="de-AT" err="1">
                 <a:sym typeface="Wingdings" panose="05000000000000000000" pitchFamily="2" charset="2"/>
               </a:rPr>
               <a:t>Program.cs</a:t>
             </a:r>
             <a:r>
-              <a:rPr lang="de-AT" dirty="0">
+              <a:rPr lang="de-AT">
                 <a:sym typeface="Wingdings" panose="05000000000000000000" pitchFamily="2" charset="2"/>
               </a:rPr>
-              <a:t> ab Zeile 736</a:t>
-            </a:r>
-          </a:p>
-          <a:p>
-            <a:endParaRPr lang="en-US" dirty="0"/>
+              <a:t> ab Zeile 754</a:t>
+            </a:r>
+            <a:endParaRPr lang="de-AT"/>
+          </a:p>
+          <a:p>
+            <a:endParaRPr lang="en-US"/>
           </a:p>
         </p:txBody>
       </p:sp>
@@ -5034,10 +5338,10 @@
           <a:lstStyle/>
           <a:p>
             <a:r>
-              <a:rPr lang="de-AT" dirty="0"/>
+              <a:rPr lang="de-AT"/>
               <a:t>Interessante Codeausschnitte + Probleme</a:t>
             </a:r>
-            <a:endParaRPr lang="en-US" dirty="0"/>
+            <a:endParaRPr lang="en-US"/>
           </a:p>
         </p:txBody>
       </p:sp>
@@ -5059,20 +5363,37 @@
         </p:nvSpPr>
         <p:spPr/>
         <p:txBody>
-          <a:bodyPr/>
-          <a:lstStyle/>
-          <a:p>
-            <a:r>
-              <a:rPr lang="de-AT" dirty="0" err="1"/>
+          <a:bodyPr vert="horz" lIns="91440" tIns="45720" rIns="91440" bIns="45720" rtlCol="0" anchor="t">
+            <a:normAutofit/>
+          </a:bodyPr>
+          <a:lstStyle/>
+          <a:p>
+            <a:r>
+              <a:rPr lang="de-AT" err="1"/>
               <a:t>auswaehlen</a:t>
             </a:r>
             <a:r>
-              <a:rPr lang="de-AT" dirty="0"/>
+              <a:rPr lang="de-AT"/>
               <a:t> Funktion + Print</a:t>
             </a:r>
           </a:p>
           <a:p>
-            <a:endParaRPr lang="en-US" dirty="0"/>
+            <a:r>
+              <a:rPr lang="de-AT"/>
+              <a:t>Erstellung der Spieler, Bots usw. + Speicherung der Siege</a:t>
+            </a:r>
+          </a:p>
+          <a:p>
+            <a:endParaRPr lang="de-AT"/>
+          </a:p>
+          <a:p>
+            <a:r>
+              <a:rPr lang="de-AT"/>
+              <a:t>Probleme: Speicherung / Aktualisierung der Save Files</a:t>
+            </a:r>
+          </a:p>
+          <a:p>
+            <a:endParaRPr lang="en-US"/>
           </a:p>
         </p:txBody>
       </p:sp>

--- a/MenschAergereDichNicht.pptx
+++ b/MenschAergereDichNicht.pptx
@@ -124,10 +124,13 @@
 <file path=ppt/revisionInfo.xml><?xml version="1.0" encoding="utf-8"?>
 <p1510:revInfo xmlns:a="http://schemas.openxmlformats.org/drawingml/2006/main" xmlns:r="http://schemas.openxmlformats.org/officeDocument/2006/relationships" xmlns:p1510="http://schemas.microsoft.com/office/powerpoint/2015/10/main">
   <p1510:revLst>
+    <p1510:client id="{6BC5CF01-A64E-412B-B3CE-5014EBA14001}" v="68" dt="2024-06-05T07:16:44.390"/>
     <p1510:client id="{6E64B558-A6DB-4145-B71A-2C5041A152E6}" v="49" dt="2024-06-05T05:50:37.240"/>
     <p1510:client id="{8B2AA871-3A18-4378-806B-A2DB54EFB5DA}" v="17" dt="2024-06-05T03:37:50.302"/>
+    <p1510:client id="{B8E26F5A-6EC8-4882-B44F-9B214147B7A8}" v="5" dt="2024-06-05T06:53:42.333"/>
     <p1510:client id="{CA9B57BA-5A35-4D0C-87CB-B7B1F6DACF66}" v="40" dt="2024-06-05T05:39:12.816"/>
     <p1510:client id="{D0212CD6-1D7F-4147-9D4D-7C9822C2F0BF}" v="9" dt="2024-06-05T03:54:51.651"/>
+    <p1510:client id="{D45E7D39-C1E8-4C39-AAA0-D45D71BEA717}" v="39" dt="2024-06-05T06:33:54.598"/>
     <p1510:client id="{E65B2261-0A49-4F4A-A39A-F092A53D2B19}" v="33" dt="2024-06-04T19:14:11.494"/>
     <p1510:client id="{FF4AA1AB-31D8-456A-9813-4302D8D07322}" v="10" dt="2024-06-04T19:09:06.123"/>
   </p1510:revLst>
@@ -136,6 +139,45 @@
 
 <file path=ppt/changesInfos/changesInfo1.xml><?xml version="1.0" encoding="utf-8"?>
 <pc:chgInfo xmlns:a="http://schemas.openxmlformats.org/drawingml/2006/main" xmlns:r="http://schemas.openxmlformats.org/officeDocument/2006/relationships" xmlns:ac="http://schemas.microsoft.com/office/drawing/2013/main/command" xmlns:pc="http://schemas.microsoft.com/office/powerpoint/2013/main/command">
+  <pc:docChgLst>
+    <pc:chgData name="Haslinger Samuel" userId="S::samuel.haslinger@htl-saalfelden.at::c9069ffe-0245-4413-8cd0-3e34027a2a6c" providerId="AD" clId="Web-{E65B2261-0A49-4F4A-A39A-F092A53D2B19}"/>
+    <pc:docChg chg="modSld">
+      <pc:chgData name="Haslinger Samuel" userId="S::samuel.haslinger@htl-saalfelden.at::c9069ffe-0245-4413-8cd0-3e34027a2a6c" providerId="AD" clId="Web-{E65B2261-0A49-4F4A-A39A-F092A53D2B19}" dt="2024-06-04T19:14:11.494" v="31" actId="20577"/>
+      <pc:docMkLst>
+        <pc:docMk/>
+      </pc:docMkLst>
+      <pc:sldChg chg="modSp">
+        <pc:chgData name="Haslinger Samuel" userId="S::samuel.haslinger@htl-saalfelden.at::c9069ffe-0245-4413-8cd0-3e34027a2a6c" providerId="AD" clId="Web-{E65B2261-0A49-4F4A-A39A-F092A53D2B19}" dt="2024-06-04T19:09:19.103" v="1" actId="20577"/>
+        <pc:sldMkLst>
+          <pc:docMk/>
+          <pc:sldMk cId="414410644" sldId="265"/>
+        </pc:sldMkLst>
+        <pc:spChg chg="mod">
+          <ac:chgData name="Haslinger Samuel" userId="S::samuel.haslinger@htl-saalfelden.at::c9069ffe-0245-4413-8cd0-3e34027a2a6c" providerId="AD" clId="Web-{E65B2261-0A49-4F4A-A39A-F092A53D2B19}" dt="2024-06-04T19:09:19.103" v="1" actId="20577"/>
+          <ac:spMkLst>
+            <pc:docMk/>
+            <pc:sldMk cId="414410644" sldId="265"/>
+            <ac:spMk id="3" creationId="{1EC80749-B280-577F-A5C7-71AC6E368477}"/>
+          </ac:spMkLst>
+        </pc:spChg>
+      </pc:sldChg>
+      <pc:sldChg chg="modSp">
+        <pc:chgData name="Haslinger Samuel" userId="S::samuel.haslinger@htl-saalfelden.at::c9069ffe-0245-4413-8cd0-3e34027a2a6c" providerId="AD" clId="Web-{E65B2261-0A49-4F4A-A39A-F092A53D2B19}" dt="2024-06-04T19:14:11.494" v="31" actId="20577"/>
+        <pc:sldMkLst>
+          <pc:docMk/>
+          <pc:sldMk cId="2830231666" sldId="266"/>
+        </pc:sldMkLst>
+        <pc:spChg chg="mod">
+          <ac:chgData name="Haslinger Samuel" userId="S::samuel.haslinger@htl-saalfelden.at::c9069ffe-0245-4413-8cd0-3e34027a2a6c" providerId="AD" clId="Web-{E65B2261-0A49-4F4A-A39A-F092A53D2B19}" dt="2024-06-04T19:14:11.494" v="31" actId="20577"/>
+          <ac:spMkLst>
+            <pc:docMk/>
+            <pc:sldMk cId="2830231666" sldId="266"/>
+            <ac:spMk id="3" creationId="{6BF42EBC-5E68-5FB9-25AA-1AEFC6DAB116}"/>
+          </ac:spMkLst>
+        </pc:spChg>
+      </pc:sldChg>
+    </pc:docChg>
+  </pc:docChgLst>
   <pc:docChgLst>
     <pc:chgData name="Höflehner Julian" userId="5ffe66e3-a139-4b57-888c-3ea8e0375b23" providerId="ADAL" clId="{DCBC045F-0498-443F-A9CC-10585195062C}"/>
     <pc:docChg chg="custSel addSld modSld">
@@ -184,75 +226,35 @@
     </pc:docChg>
   </pc:docChgLst>
   <pc:docChgLst>
-    <pc:chgData name="Haslinger Samuel" userId="S::samuel.haslinger@htl-saalfelden.at::c9069ffe-0245-4413-8cd0-3e34027a2a6c" providerId="AD" clId="Web-{D0212CD6-1D7F-4147-9D4D-7C9822C2F0BF}"/>
+    <pc:chgData name="Haslinger Samuel" userId="S::samuel.haslinger@htl-saalfelden.at::c9069ffe-0245-4413-8cd0-3e34027a2a6c" providerId="AD" clId="Web-{CA9B57BA-5A35-4D0C-87CB-B7B1F6DACF66}"/>
     <pc:docChg chg="modSld">
-      <pc:chgData name="Haslinger Samuel" userId="S::samuel.haslinger@htl-saalfelden.at::c9069ffe-0245-4413-8cd0-3e34027a2a6c" providerId="AD" clId="Web-{D0212CD6-1D7F-4147-9D4D-7C9822C2F0BF}" dt="2024-06-05T03:54:51.651" v="8" actId="20577"/>
+      <pc:chgData name="Haslinger Samuel" userId="S::samuel.haslinger@htl-saalfelden.at::c9069ffe-0245-4413-8cd0-3e34027a2a6c" providerId="AD" clId="Web-{CA9B57BA-5A35-4D0C-87CB-B7B1F6DACF66}" dt="2024-06-05T05:39:12.816" v="37"/>
       <pc:docMkLst>
         <pc:docMk/>
       </pc:docMkLst>
       <pc:sldChg chg="modSp">
-        <pc:chgData name="Haslinger Samuel" userId="S::samuel.haslinger@htl-saalfelden.at::c9069ffe-0245-4413-8cd0-3e34027a2a6c" providerId="AD" clId="Web-{D0212CD6-1D7F-4147-9D4D-7C9822C2F0BF}" dt="2024-06-05T03:54:51.651" v="8" actId="20577"/>
+        <pc:chgData name="Haslinger Samuel" userId="S::samuel.haslinger@htl-saalfelden.at::c9069ffe-0245-4413-8cd0-3e34027a2a6c" providerId="AD" clId="Web-{CA9B57BA-5A35-4D0C-87CB-B7B1F6DACF66}" dt="2024-06-05T05:20:00.302" v="29" actId="20577"/>
         <pc:sldMkLst>
           <pc:docMk/>
-          <pc:sldMk cId="414410644" sldId="265"/>
+          <pc:sldMk cId="3469512878" sldId="259"/>
         </pc:sldMkLst>
         <pc:spChg chg="mod">
-          <ac:chgData name="Haslinger Samuel" userId="S::samuel.haslinger@htl-saalfelden.at::c9069ffe-0245-4413-8cd0-3e34027a2a6c" providerId="AD" clId="Web-{D0212CD6-1D7F-4147-9D4D-7C9822C2F0BF}" dt="2024-06-05T03:54:51.651" v="8" actId="20577"/>
+          <ac:chgData name="Haslinger Samuel" userId="S::samuel.haslinger@htl-saalfelden.at::c9069ffe-0245-4413-8cd0-3e34027a2a6c" providerId="AD" clId="Web-{CA9B57BA-5A35-4D0C-87CB-B7B1F6DACF66}" dt="2024-06-05T05:20:00.302" v="29" actId="20577"/>
           <ac:spMkLst>
             <pc:docMk/>
-            <pc:sldMk cId="414410644" sldId="265"/>
-            <ac:spMk id="3" creationId="{1EC80749-B280-577F-A5C7-71AC6E368477}"/>
+            <pc:sldMk cId="3469512878" sldId="259"/>
+            <ac:spMk id="3" creationId="{28EBEBEF-4B3B-2BCA-368E-BB6C7406680E}"/>
           </ac:spMkLst>
         </pc:spChg>
       </pc:sldChg>
-    </pc:docChg>
-  </pc:docChgLst>
-  <pc:docChgLst>
-    <pc:chgData clId="Web-{8B2AA871-3A18-4378-806B-A2DB54EFB5DA}"/>
-    <pc:docChg chg="delSld">
-      <pc:chgData name="" userId="" providerId="" clId="Web-{8B2AA871-3A18-4378-806B-A2DB54EFB5DA}" dt="2024-06-05T03:36:43.394" v="0"/>
-      <pc:docMkLst>
-        <pc:docMk/>
-      </pc:docMkLst>
-      <pc:sldChg chg="del">
-        <pc:chgData name="" userId="" providerId="" clId="Web-{8B2AA871-3A18-4378-806B-A2DB54EFB5DA}" dt="2024-06-05T03:36:43.394" v="0"/>
-        <pc:sldMkLst>
-          <pc:docMk/>
-          <pc:sldMk cId="1918144357" sldId="256"/>
-        </pc:sldMkLst>
-      </pc:sldChg>
-    </pc:docChg>
-  </pc:docChgLst>
-  <pc:docChgLst>
-    <pc:chgData name="Höflehner Julian" userId="5ffe66e3-a139-4b57-888c-3ea8e0375b23" providerId="ADAL" clId="{FF4AA1AB-31D8-456A-9813-4302D8D07322}"/>
-    <pc:docChg chg="modSld">
-      <pc:chgData name="Höflehner Julian" userId="5ffe66e3-a139-4b57-888c-3ea8e0375b23" providerId="ADAL" clId="{FF4AA1AB-31D8-456A-9813-4302D8D07322}" dt="2024-06-04T19:09:06.124" v="9" actId="20577"/>
-      <pc:docMkLst>
-        <pc:docMk/>
-      </pc:docMkLst>
-      <pc:sldChg chg="modSp mod">
-        <pc:chgData name="Höflehner Julian" userId="5ffe66e3-a139-4b57-888c-3ea8e0375b23" providerId="ADAL" clId="{FF4AA1AB-31D8-456A-9813-4302D8D07322}" dt="2024-06-04T19:02:26.960" v="4"/>
-        <pc:sldMkLst>
-          <pc:docMk/>
-          <pc:sldMk cId="2668022557" sldId="257"/>
-        </pc:sldMkLst>
-        <pc:spChg chg="mod">
-          <ac:chgData name="Höflehner Julian" userId="5ffe66e3-a139-4b57-888c-3ea8e0375b23" providerId="ADAL" clId="{FF4AA1AB-31D8-456A-9813-4302D8D07322}" dt="2024-06-04T19:02:26.960" v="4"/>
-          <ac:spMkLst>
-            <pc:docMk/>
-            <pc:sldMk cId="2668022557" sldId="257"/>
-            <ac:spMk id="3" creationId="{F99579B8-744C-7908-3E34-3925B36AEF80}"/>
-          </ac:spMkLst>
-        </pc:spChg>
-      </pc:sldChg>
-      <pc:sldChg chg="modSp mod">
-        <pc:chgData name="Höflehner Julian" userId="5ffe66e3-a139-4b57-888c-3ea8e0375b23" providerId="ADAL" clId="{FF4AA1AB-31D8-456A-9813-4302D8D07322}" dt="2024-06-04T19:06:11.932" v="6" actId="207"/>
+      <pc:sldChg chg="modSp">
+        <pc:chgData name="Haslinger Samuel" userId="S::samuel.haslinger@htl-saalfelden.at::c9069ffe-0245-4413-8cd0-3e34027a2a6c" providerId="AD" clId="Web-{CA9B57BA-5A35-4D0C-87CB-B7B1F6DACF66}" dt="2024-06-05T05:20:31.100" v="32" actId="20577"/>
         <pc:sldMkLst>
           <pc:docMk/>
           <pc:sldMk cId="3855528893" sldId="260"/>
         </pc:sldMkLst>
         <pc:spChg chg="mod">
-          <ac:chgData name="Höflehner Julian" userId="5ffe66e3-a139-4b57-888c-3ea8e0375b23" providerId="ADAL" clId="{FF4AA1AB-31D8-456A-9813-4302D8D07322}" dt="2024-06-04T19:06:11.932" v="6" actId="207"/>
+          <ac:chgData name="Haslinger Samuel" userId="S::samuel.haslinger@htl-saalfelden.at::c9069ffe-0245-4413-8cd0-3e34027a2a6c" providerId="AD" clId="Web-{CA9B57BA-5A35-4D0C-87CB-B7B1F6DACF66}" dt="2024-06-05T05:20:31.100" v="32" actId="20577"/>
           <ac:spMkLst>
             <pc:docMk/>
             <pc:sldMk cId="3855528893" sldId="260"/>
@@ -260,18 +262,48 @@
           </ac:spMkLst>
         </pc:spChg>
       </pc:sldChg>
-      <pc:sldChg chg="modSp mod">
-        <pc:chgData name="Höflehner Julian" userId="5ffe66e3-a139-4b57-888c-3ea8e0375b23" providerId="ADAL" clId="{FF4AA1AB-31D8-456A-9813-4302D8D07322}" dt="2024-06-04T19:09:06.124" v="9" actId="20577"/>
+      <pc:sldChg chg="modSp">
+        <pc:chgData name="Haslinger Samuel" userId="S::samuel.haslinger@htl-saalfelden.at::c9069ffe-0245-4413-8cd0-3e34027a2a6c" providerId="AD" clId="Web-{CA9B57BA-5A35-4D0C-87CB-B7B1F6DACF66}" dt="2024-06-05T05:21:01.633" v="35" actId="20577"/>
         <pc:sldMkLst>
           <pc:docMk/>
-          <pc:sldMk cId="414410644" sldId="265"/>
+          <pc:sldMk cId="70910024" sldId="261"/>
         </pc:sldMkLst>
         <pc:spChg chg="mod">
-          <ac:chgData name="Höflehner Julian" userId="5ffe66e3-a139-4b57-888c-3ea8e0375b23" providerId="ADAL" clId="{FF4AA1AB-31D8-456A-9813-4302D8D07322}" dt="2024-06-04T19:09:06.124" v="9" actId="20577"/>
+          <ac:chgData name="Haslinger Samuel" userId="S::samuel.haslinger@htl-saalfelden.at::c9069ffe-0245-4413-8cd0-3e34027a2a6c" providerId="AD" clId="Web-{CA9B57BA-5A35-4D0C-87CB-B7B1F6DACF66}" dt="2024-06-05T05:21:01.633" v="35" actId="20577"/>
           <ac:spMkLst>
             <pc:docMk/>
-            <pc:sldMk cId="414410644" sldId="265"/>
-            <ac:spMk id="3" creationId="{1EC80749-B280-577F-A5C7-71AC6E368477}"/>
+            <pc:sldMk cId="70910024" sldId="261"/>
+            <ac:spMk id="3" creationId="{6E8FF11F-8385-D701-53C1-B3CFF364A656}"/>
+          </ac:spMkLst>
+        </pc:spChg>
+      </pc:sldChg>
+      <pc:sldChg chg="addSp delSp">
+        <pc:chgData name="Haslinger Samuel" userId="S::samuel.haslinger@htl-saalfelden.at::c9069ffe-0245-4413-8cd0-3e34027a2a6c" providerId="AD" clId="Web-{CA9B57BA-5A35-4D0C-87CB-B7B1F6DACF66}" dt="2024-06-05T05:39:12.816" v="37"/>
+        <pc:sldMkLst>
+          <pc:docMk/>
+          <pc:sldMk cId="4231141096" sldId="263"/>
+        </pc:sldMkLst>
+        <pc:picChg chg="add del">
+          <ac:chgData name="Haslinger Samuel" userId="S::samuel.haslinger@htl-saalfelden.at::c9069ffe-0245-4413-8cd0-3e34027a2a6c" providerId="AD" clId="Web-{CA9B57BA-5A35-4D0C-87CB-B7B1F6DACF66}" dt="2024-06-05T05:39:12.816" v="37"/>
+          <ac:picMkLst>
+            <pc:docMk/>
+            <pc:sldMk cId="4231141096" sldId="263"/>
+            <ac:picMk id="5" creationId="{3E571578-8B01-DE01-10E2-3645022161AC}"/>
+          </ac:picMkLst>
+        </pc:picChg>
+      </pc:sldChg>
+      <pc:sldChg chg="modSp">
+        <pc:chgData name="Haslinger Samuel" userId="S::samuel.haslinger@htl-saalfelden.at::c9069ffe-0245-4413-8cd0-3e34027a2a6c" providerId="AD" clId="Web-{CA9B57BA-5A35-4D0C-87CB-B7B1F6DACF66}" dt="2024-06-05T05:19:35.926" v="23" actId="20577"/>
+        <pc:sldMkLst>
+          <pc:docMk/>
+          <pc:sldMk cId="2830231666" sldId="266"/>
+        </pc:sldMkLst>
+        <pc:spChg chg="mod">
+          <ac:chgData name="Haslinger Samuel" userId="S::samuel.haslinger@htl-saalfelden.at::c9069ffe-0245-4413-8cd0-3e34027a2a6c" providerId="AD" clId="Web-{CA9B57BA-5A35-4D0C-87CB-B7B1F6DACF66}" dt="2024-06-05T05:19:35.926" v="23" actId="20577"/>
+          <ac:spMkLst>
+            <pc:docMk/>
+            <pc:sldMk cId="2830231666" sldId="266"/>
+            <ac:spMk id="3" creationId="{6BF42EBC-5E68-5FB9-25AA-1AEFC6DAB116}"/>
           </ac:spMkLst>
         </pc:spChg>
       </pc:sldChg>
@@ -304,45 +336,6 @@
             <pc:docMk/>
             <pc:sldMk cId="1918144357" sldId="256"/>
             <ac:spMk id="3" creationId="{82914DD1-5BE6-3A08-FBD5-84640B602594}"/>
-          </ac:spMkLst>
-        </pc:spChg>
-      </pc:sldChg>
-    </pc:docChg>
-  </pc:docChgLst>
-  <pc:docChgLst>
-    <pc:chgData name="Haslinger Samuel" userId="S::samuel.haslinger@htl-saalfelden.at::c9069ffe-0245-4413-8cd0-3e34027a2a6c" providerId="AD" clId="Web-{E65B2261-0A49-4F4A-A39A-F092A53D2B19}"/>
-    <pc:docChg chg="modSld">
-      <pc:chgData name="Haslinger Samuel" userId="S::samuel.haslinger@htl-saalfelden.at::c9069ffe-0245-4413-8cd0-3e34027a2a6c" providerId="AD" clId="Web-{E65B2261-0A49-4F4A-A39A-F092A53D2B19}" dt="2024-06-04T19:14:11.494" v="31" actId="20577"/>
-      <pc:docMkLst>
-        <pc:docMk/>
-      </pc:docMkLst>
-      <pc:sldChg chg="modSp">
-        <pc:chgData name="Haslinger Samuel" userId="S::samuel.haslinger@htl-saalfelden.at::c9069ffe-0245-4413-8cd0-3e34027a2a6c" providerId="AD" clId="Web-{E65B2261-0A49-4F4A-A39A-F092A53D2B19}" dt="2024-06-04T19:09:19.103" v="1" actId="20577"/>
-        <pc:sldMkLst>
-          <pc:docMk/>
-          <pc:sldMk cId="414410644" sldId="265"/>
-        </pc:sldMkLst>
-        <pc:spChg chg="mod">
-          <ac:chgData name="Haslinger Samuel" userId="S::samuel.haslinger@htl-saalfelden.at::c9069ffe-0245-4413-8cd0-3e34027a2a6c" providerId="AD" clId="Web-{E65B2261-0A49-4F4A-A39A-F092A53D2B19}" dt="2024-06-04T19:09:19.103" v="1" actId="20577"/>
-          <ac:spMkLst>
-            <pc:docMk/>
-            <pc:sldMk cId="414410644" sldId="265"/>
-            <ac:spMk id="3" creationId="{1EC80749-B280-577F-A5C7-71AC6E368477}"/>
-          </ac:spMkLst>
-        </pc:spChg>
-      </pc:sldChg>
-      <pc:sldChg chg="modSp">
-        <pc:chgData name="Haslinger Samuel" userId="S::samuel.haslinger@htl-saalfelden.at::c9069ffe-0245-4413-8cd0-3e34027a2a6c" providerId="AD" clId="Web-{E65B2261-0A49-4F4A-A39A-F092A53D2B19}" dt="2024-06-04T19:14:11.494" v="31" actId="20577"/>
-        <pc:sldMkLst>
-          <pc:docMk/>
-          <pc:sldMk cId="2830231666" sldId="266"/>
-        </pc:sldMkLst>
-        <pc:spChg chg="mod">
-          <ac:chgData name="Haslinger Samuel" userId="S::samuel.haslinger@htl-saalfelden.at::c9069ffe-0245-4413-8cd0-3e34027a2a6c" providerId="AD" clId="Web-{E65B2261-0A49-4F4A-A39A-F092A53D2B19}" dt="2024-06-04T19:14:11.494" v="31" actId="20577"/>
-          <ac:spMkLst>
-            <pc:docMk/>
-            <pc:sldMk cId="2830231666" sldId="266"/>
-            <ac:spMk id="3" creationId="{6BF42EBC-5E68-5FB9-25AA-1AEFC6DAB116}"/>
           </ac:spMkLst>
         </pc:spChg>
       </pc:sldChg>
@@ -459,20 +452,177 @@
     </pc:docChg>
   </pc:docChgLst>
   <pc:docChgLst>
-    <pc:chgData name="Haslinger Samuel" userId="S::samuel.haslinger@htl-saalfelden.at::c9069ffe-0245-4413-8cd0-3e34027a2a6c" providerId="AD" clId="Web-{CA9B57BA-5A35-4D0C-87CB-B7B1F6DACF66}"/>
+    <pc:chgData name="Haslinger Samuel" userId="S::samuel.haslinger@htl-saalfelden.at::c9069ffe-0245-4413-8cd0-3e34027a2a6c" providerId="AD" clId="Web-{D0212CD6-1D7F-4147-9D4D-7C9822C2F0BF}"/>
     <pc:docChg chg="modSld">
-      <pc:chgData name="Haslinger Samuel" userId="S::samuel.haslinger@htl-saalfelden.at::c9069ffe-0245-4413-8cd0-3e34027a2a6c" providerId="AD" clId="Web-{CA9B57BA-5A35-4D0C-87CB-B7B1F6DACF66}" dt="2024-06-05T05:39:12.816" v="37"/>
+      <pc:chgData name="Haslinger Samuel" userId="S::samuel.haslinger@htl-saalfelden.at::c9069ffe-0245-4413-8cd0-3e34027a2a6c" providerId="AD" clId="Web-{D0212CD6-1D7F-4147-9D4D-7C9822C2F0BF}" dt="2024-06-05T03:54:51.651" v="8" actId="20577"/>
       <pc:docMkLst>
         <pc:docMk/>
       </pc:docMkLst>
       <pc:sldChg chg="modSp">
-        <pc:chgData name="Haslinger Samuel" userId="S::samuel.haslinger@htl-saalfelden.at::c9069ffe-0245-4413-8cd0-3e34027a2a6c" providerId="AD" clId="Web-{CA9B57BA-5A35-4D0C-87CB-B7B1F6DACF66}" dt="2024-06-05T05:20:00.302" v="29" actId="20577"/>
+        <pc:chgData name="Haslinger Samuel" userId="S::samuel.haslinger@htl-saalfelden.at::c9069ffe-0245-4413-8cd0-3e34027a2a6c" providerId="AD" clId="Web-{D0212CD6-1D7F-4147-9D4D-7C9822C2F0BF}" dt="2024-06-05T03:54:51.651" v="8" actId="20577"/>
+        <pc:sldMkLst>
+          <pc:docMk/>
+          <pc:sldMk cId="414410644" sldId="265"/>
+        </pc:sldMkLst>
+        <pc:spChg chg="mod">
+          <ac:chgData name="Haslinger Samuel" userId="S::samuel.haslinger@htl-saalfelden.at::c9069ffe-0245-4413-8cd0-3e34027a2a6c" providerId="AD" clId="Web-{D0212CD6-1D7F-4147-9D4D-7C9822C2F0BF}" dt="2024-06-05T03:54:51.651" v="8" actId="20577"/>
+          <ac:spMkLst>
+            <pc:docMk/>
+            <pc:sldMk cId="414410644" sldId="265"/>
+            <ac:spMk id="3" creationId="{1EC80749-B280-577F-A5C7-71AC6E368477}"/>
+          </ac:spMkLst>
+        </pc:spChg>
+      </pc:sldChg>
+    </pc:docChg>
+  </pc:docChgLst>
+  <pc:docChgLst>
+    <pc:chgData name="Höflehner Julian" userId="S::julian.hoeflehner@htl-saalfelden.at::5ffe66e3-a139-4b57-888c-3ea8e0375b23" providerId="AD" clId="Web-{D45E7D39-C1E8-4C39-AAA0-D45D71BEA717}"/>
+    <pc:docChg chg="modSld">
+      <pc:chgData name="Höflehner Julian" userId="S::julian.hoeflehner@htl-saalfelden.at::5ffe66e3-a139-4b57-888c-3ea8e0375b23" providerId="AD" clId="Web-{D45E7D39-C1E8-4C39-AAA0-D45D71BEA717}" dt="2024-06-05T06:33:54.598" v="37" actId="20577"/>
+      <pc:docMkLst>
+        <pc:docMk/>
+      </pc:docMkLst>
+      <pc:sldChg chg="modSp">
+        <pc:chgData name="Höflehner Julian" userId="S::julian.hoeflehner@htl-saalfelden.at::5ffe66e3-a139-4b57-888c-3ea8e0375b23" providerId="AD" clId="Web-{D45E7D39-C1E8-4C39-AAA0-D45D71BEA717}" dt="2024-06-05T06:33:54.598" v="37" actId="20577"/>
         <pc:sldMkLst>
           <pc:docMk/>
           <pc:sldMk cId="3469512878" sldId="259"/>
         </pc:sldMkLst>
         <pc:spChg chg="mod">
-          <ac:chgData name="Haslinger Samuel" userId="S::samuel.haslinger@htl-saalfelden.at::c9069ffe-0245-4413-8cd0-3e34027a2a6c" providerId="AD" clId="Web-{CA9B57BA-5A35-4D0C-87CB-B7B1F6DACF66}" dt="2024-06-05T05:20:00.302" v="29" actId="20577"/>
+          <ac:chgData name="Höflehner Julian" userId="S::julian.hoeflehner@htl-saalfelden.at::5ffe66e3-a139-4b57-888c-3ea8e0375b23" providerId="AD" clId="Web-{D45E7D39-C1E8-4C39-AAA0-D45D71BEA717}" dt="2024-06-05T06:33:54.598" v="37" actId="20577"/>
+          <ac:spMkLst>
+            <pc:docMk/>
+            <pc:sldMk cId="3469512878" sldId="259"/>
+            <ac:spMk id="3" creationId="{28EBEBEF-4B3B-2BCA-368E-BB6C7406680E}"/>
+          </ac:spMkLst>
+        </pc:spChg>
+      </pc:sldChg>
+    </pc:docChg>
+  </pc:docChgLst>
+  <pc:docChgLst>
+    <pc:chgData clId="Web-{8B2AA871-3A18-4378-806B-A2DB54EFB5DA}"/>
+    <pc:docChg chg="delSld">
+      <pc:chgData name="" userId="" providerId="" clId="Web-{8B2AA871-3A18-4378-806B-A2DB54EFB5DA}" dt="2024-06-05T03:36:43.394" v="0"/>
+      <pc:docMkLst>
+        <pc:docMk/>
+      </pc:docMkLst>
+      <pc:sldChg chg="del">
+        <pc:chgData name="" userId="" providerId="" clId="Web-{8B2AA871-3A18-4378-806B-A2DB54EFB5DA}" dt="2024-06-05T03:36:43.394" v="0"/>
+        <pc:sldMkLst>
+          <pc:docMk/>
+          <pc:sldMk cId="1918144357" sldId="256"/>
+        </pc:sldMkLst>
+      </pc:sldChg>
+    </pc:docChg>
+  </pc:docChgLst>
+  <pc:docChgLst>
+    <pc:chgData name="Höflehner Julian" userId="5ffe66e3-a139-4b57-888c-3ea8e0375b23" providerId="ADAL" clId="{6BC5CF01-A64E-412B-B3CE-5014EBA14001}"/>
+    <pc:docChg chg="custSel modSld">
+      <pc:chgData name="Höflehner Julian" userId="5ffe66e3-a139-4b57-888c-3ea8e0375b23" providerId="ADAL" clId="{6BC5CF01-A64E-412B-B3CE-5014EBA14001}" dt="2024-06-05T07:16:44.390" v="67" actId="20577"/>
+      <pc:docMkLst>
+        <pc:docMk/>
+      </pc:docMkLst>
+      <pc:sldChg chg="modSp mod">
+        <pc:chgData name="Höflehner Julian" userId="5ffe66e3-a139-4b57-888c-3ea8e0375b23" providerId="ADAL" clId="{6BC5CF01-A64E-412B-B3CE-5014EBA14001}" dt="2024-06-05T07:16:44.390" v="67" actId="20577"/>
+        <pc:sldMkLst>
+          <pc:docMk/>
+          <pc:sldMk cId="2668022557" sldId="257"/>
+        </pc:sldMkLst>
+        <pc:spChg chg="mod">
+          <ac:chgData name="Höflehner Julian" userId="5ffe66e3-a139-4b57-888c-3ea8e0375b23" providerId="ADAL" clId="{6BC5CF01-A64E-412B-B3CE-5014EBA14001}" dt="2024-06-05T07:16:44.390" v="67" actId="20577"/>
+          <ac:spMkLst>
+            <pc:docMk/>
+            <pc:sldMk cId="2668022557" sldId="257"/>
+            <ac:spMk id="3" creationId="{F99579B8-744C-7908-3E34-3925B36AEF80}"/>
+          </ac:spMkLst>
+        </pc:spChg>
+      </pc:sldChg>
+      <pc:sldChg chg="modSp mod">
+        <pc:chgData name="Höflehner Julian" userId="5ffe66e3-a139-4b57-888c-3ea8e0375b23" providerId="ADAL" clId="{6BC5CF01-A64E-412B-B3CE-5014EBA14001}" dt="2024-06-05T06:57:28.947" v="27" actId="20577"/>
+        <pc:sldMkLst>
+          <pc:docMk/>
+          <pc:sldMk cId="3469512878" sldId="259"/>
+        </pc:sldMkLst>
+        <pc:spChg chg="mod">
+          <ac:chgData name="Höflehner Julian" userId="5ffe66e3-a139-4b57-888c-3ea8e0375b23" providerId="ADAL" clId="{6BC5CF01-A64E-412B-B3CE-5014EBA14001}" dt="2024-06-05T06:57:28.947" v="27" actId="20577"/>
+          <ac:spMkLst>
+            <pc:docMk/>
+            <pc:sldMk cId="3469512878" sldId="259"/>
+            <ac:spMk id="3" creationId="{28EBEBEF-4B3B-2BCA-368E-BB6C7406680E}"/>
+          </ac:spMkLst>
+        </pc:spChg>
+      </pc:sldChg>
+    </pc:docChg>
+  </pc:docChgLst>
+  <pc:docChgLst>
+    <pc:chgData name="Höflehner Julian" userId="5ffe66e3-a139-4b57-888c-3ea8e0375b23" providerId="ADAL" clId="{FF4AA1AB-31D8-456A-9813-4302D8D07322}"/>
+    <pc:docChg chg="modSld">
+      <pc:chgData name="Höflehner Julian" userId="5ffe66e3-a139-4b57-888c-3ea8e0375b23" providerId="ADAL" clId="{FF4AA1AB-31D8-456A-9813-4302D8D07322}" dt="2024-06-04T19:09:06.124" v="9" actId="20577"/>
+      <pc:docMkLst>
+        <pc:docMk/>
+      </pc:docMkLst>
+      <pc:sldChg chg="modSp mod">
+        <pc:chgData name="Höflehner Julian" userId="5ffe66e3-a139-4b57-888c-3ea8e0375b23" providerId="ADAL" clId="{FF4AA1AB-31D8-456A-9813-4302D8D07322}" dt="2024-06-04T19:02:26.960" v="4"/>
+        <pc:sldMkLst>
+          <pc:docMk/>
+          <pc:sldMk cId="2668022557" sldId="257"/>
+        </pc:sldMkLst>
+        <pc:spChg chg="mod">
+          <ac:chgData name="Höflehner Julian" userId="5ffe66e3-a139-4b57-888c-3ea8e0375b23" providerId="ADAL" clId="{FF4AA1AB-31D8-456A-9813-4302D8D07322}" dt="2024-06-04T19:02:26.960" v="4"/>
+          <ac:spMkLst>
+            <pc:docMk/>
+            <pc:sldMk cId="2668022557" sldId="257"/>
+            <ac:spMk id="3" creationId="{F99579B8-744C-7908-3E34-3925B36AEF80}"/>
+          </ac:spMkLst>
+        </pc:spChg>
+      </pc:sldChg>
+      <pc:sldChg chg="modSp mod">
+        <pc:chgData name="Höflehner Julian" userId="5ffe66e3-a139-4b57-888c-3ea8e0375b23" providerId="ADAL" clId="{FF4AA1AB-31D8-456A-9813-4302D8D07322}" dt="2024-06-04T19:06:11.932" v="6" actId="207"/>
+        <pc:sldMkLst>
+          <pc:docMk/>
+          <pc:sldMk cId="3855528893" sldId="260"/>
+        </pc:sldMkLst>
+        <pc:spChg chg="mod">
+          <ac:chgData name="Höflehner Julian" userId="5ffe66e3-a139-4b57-888c-3ea8e0375b23" providerId="ADAL" clId="{FF4AA1AB-31D8-456A-9813-4302D8D07322}" dt="2024-06-04T19:06:11.932" v="6" actId="207"/>
+          <ac:spMkLst>
+            <pc:docMk/>
+            <pc:sldMk cId="3855528893" sldId="260"/>
+            <ac:spMk id="3" creationId="{21FFF8EF-AD80-19BA-F72A-DEC1ACA36782}"/>
+          </ac:spMkLst>
+        </pc:spChg>
+      </pc:sldChg>
+      <pc:sldChg chg="modSp mod">
+        <pc:chgData name="Höflehner Julian" userId="5ffe66e3-a139-4b57-888c-3ea8e0375b23" providerId="ADAL" clId="{FF4AA1AB-31D8-456A-9813-4302D8D07322}" dt="2024-06-04T19:09:06.124" v="9" actId="20577"/>
+        <pc:sldMkLst>
+          <pc:docMk/>
+          <pc:sldMk cId="414410644" sldId="265"/>
+        </pc:sldMkLst>
+        <pc:spChg chg="mod">
+          <ac:chgData name="Höflehner Julian" userId="5ffe66e3-a139-4b57-888c-3ea8e0375b23" providerId="ADAL" clId="{FF4AA1AB-31D8-456A-9813-4302D8D07322}" dt="2024-06-04T19:09:06.124" v="9" actId="20577"/>
+          <ac:spMkLst>
+            <pc:docMk/>
+            <pc:sldMk cId="414410644" sldId="265"/>
+            <ac:spMk id="3" creationId="{1EC80749-B280-577F-A5C7-71AC6E368477}"/>
+          </ac:spMkLst>
+        </pc:spChg>
+      </pc:sldChg>
+    </pc:docChg>
+  </pc:docChgLst>
+  <pc:docChgLst>
+    <pc:chgData name="Haslinger Samuel" userId="S::samuel.haslinger@htl-saalfelden.at::c9069ffe-0245-4413-8cd0-3e34027a2a6c" providerId="AD" clId="Web-{B8E26F5A-6EC8-4882-B44F-9B214147B7A8}"/>
+    <pc:docChg chg="modSld">
+      <pc:chgData name="Haslinger Samuel" userId="S::samuel.haslinger@htl-saalfelden.at::c9069ffe-0245-4413-8cd0-3e34027a2a6c" providerId="AD" clId="Web-{B8E26F5A-6EC8-4882-B44F-9B214147B7A8}" dt="2024-06-05T06:53:42.333" v="4" actId="14100"/>
+      <pc:docMkLst>
+        <pc:docMk/>
+      </pc:docMkLst>
+      <pc:sldChg chg="modSp">
+        <pc:chgData name="Haslinger Samuel" userId="S::samuel.haslinger@htl-saalfelden.at::c9069ffe-0245-4413-8cd0-3e34027a2a6c" providerId="AD" clId="Web-{B8E26F5A-6EC8-4882-B44F-9B214147B7A8}" dt="2024-06-05T06:29:50.802" v="2" actId="20577"/>
+        <pc:sldMkLst>
+          <pc:docMk/>
+          <pc:sldMk cId="3469512878" sldId="259"/>
+        </pc:sldMkLst>
+        <pc:spChg chg="mod">
+          <ac:chgData name="Haslinger Samuel" userId="S::samuel.haslinger@htl-saalfelden.at::c9069ffe-0245-4413-8cd0-3e34027a2a6c" providerId="AD" clId="Web-{B8E26F5A-6EC8-4882-B44F-9B214147B7A8}" dt="2024-06-05T06:29:50.802" v="2" actId="20577"/>
           <ac:spMkLst>
             <pc:docMk/>
             <pc:sldMk cId="3469512878" sldId="259"/>
@@ -481,64 +631,19 @@
         </pc:spChg>
       </pc:sldChg>
       <pc:sldChg chg="modSp">
-        <pc:chgData name="Haslinger Samuel" userId="S::samuel.haslinger@htl-saalfelden.at::c9069ffe-0245-4413-8cd0-3e34027a2a6c" providerId="AD" clId="Web-{CA9B57BA-5A35-4D0C-87CB-B7B1F6DACF66}" dt="2024-06-05T05:20:31.100" v="32" actId="20577"/>
-        <pc:sldMkLst>
-          <pc:docMk/>
-          <pc:sldMk cId="3855528893" sldId="260"/>
-        </pc:sldMkLst>
-        <pc:spChg chg="mod">
-          <ac:chgData name="Haslinger Samuel" userId="S::samuel.haslinger@htl-saalfelden.at::c9069ffe-0245-4413-8cd0-3e34027a2a6c" providerId="AD" clId="Web-{CA9B57BA-5A35-4D0C-87CB-B7B1F6DACF66}" dt="2024-06-05T05:20:31.100" v="32" actId="20577"/>
-          <ac:spMkLst>
-            <pc:docMk/>
-            <pc:sldMk cId="3855528893" sldId="260"/>
-            <ac:spMk id="3" creationId="{21FFF8EF-AD80-19BA-F72A-DEC1ACA36782}"/>
-          </ac:spMkLst>
-        </pc:spChg>
-      </pc:sldChg>
-      <pc:sldChg chg="modSp">
-        <pc:chgData name="Haslinger Samuel" userId="S::samuel.haslinger@htl-saalfelden.at::c9069ffe-0245-4413-8cd0-3e34027a2a6c" providerId="AD" clId="Web-{CA9B57BA-5A35-4D0C-87CB-B7B1F6DACF66}" dt="2024-06-05T05:21:01.633" v="35" actId="20577"/>
-        <pc:sldMkLst>
-          <pc:docMk/>
-          <pc:sldMk cId="70910024" sldId="261"/>
-        </pc:sldMkLst>
-        <pc:spChg chg="mod">
-          <ac:chgData name="Haslinger Samuel" userId="S::samuel.haslinger@htl-saalfelden.at::c9069ffe-0245-4413-8cd0-3e34027a2a6c" providerId="AD" clId="Web-{CA9B57BA-5A35-4D0C-87CB-B7B1F6DACF66}" dt="2024-06-05T05:21:01.633" v="35" actId="20577"/>
-          <ac:spMkLst>
-            <pc:docMk/>
-            <pc:sldMk cId="70910024" sldId="261"/>
-            <ac:spMk id="3" creationId="{6E8FF11F-8385-D701-53C1-B3CFF364A656}"/>
-          </ac:spMkLst>
-        </pc:spChg>
-      </pc:sldChg>
-      <pc:sldChg chg="addSp delSp">
-        <pc:chgData name="Haslinger Samuel" userId="S::samuel.haslinger@htl-saalfelden.at::c9069ffe-0245-4413-8cd0-3e34027a2a6c" providerId="AD" clId="Web-{CA9B57BA-5A35-4D0C-87CB-B7B1F6DACF66}" dt="2024-06-05T05:39:12.816" v="37"/>
+        <pc:chgData name="Haslinger Samuel" userId="S::samuel.haslinger@htl-saalfelden.at::c9069ffe-0245-4413-8cd0-3e34027a2a6c" providerId="AD" clId="Web-{B8E26F5A-6EC8-4882-B44F-9B214147B7A8}" dt="2024-06-05T06:53:42.333" v="4" actId="14100"/>
         <pc:sldMkLst>
           <pc:docMk/>
           <pc:sldMk cId="4231141096" sldId="263"/>
         </pc:sldMkLst>
-        <pc:picChg chg="add del">
-          <ac:chgData name="Haslinger Samuel" userId="S::samuel.haslinger@htl-saalfelden.at::c9069ffe-0245-4413-8cd0-3e34027a2a6c" providerId="AD" clId="Web-{CA9B57BA-5A35-4D0C-87CB-B7B1F6DACF66}" dt="2024-06-05T05:39:12.816" v="37"/>
+        <pc:picChg chg="mod">
+          <ac:chgData name="Haslinger Samuel" userId="S::samuel.haslinger@htl-saalfelden.at::c9069ffe-0245-4413-8cd0-3e34027a2a6c" providerId="AD" clId="Web-{B8E26F5A-6EC8-4882-B44F-9B214147B7A8}" dt="2024-06-05T06:53:42.333" v="4" actId="14100"/>
           <ac:picMkLst>
             <pc:docMk/>
             <pc:sldMk cId="4231141096" sldId="263"/>
-            <ac:picMk id="5" creationId="{3E571578-8B01-DE01-10E2-3645022161AC}"/>
+            <ac:picMk id="4" creationId="{22CE099A-D551-67B2-FB75-D040810D392A}"/>
           </ac:picMkLst>
         </pc:picChg>
-      </pc:sldChg>
-      <pc:sldChg chg="modSp">
-        <pc:chgData name="Haslinger Samuel" userId="S::samuel.haslinger@htl-saalfelden.at::c9069ffe-0245-4413-8cd0-3e34027a2a6c" providerId="AD" clId="Web-{CA9B57BA-5A35-4D0C-87CB-B7B1F6DACF66}" dt="2024-06-05T05:19:35.926" v="23" actId="20577"/>
-        <pc:sldMkLst>
-          <pc:docMk/>
-          <pc:sldMk cId="2830231666" sldId="266"/>
-        </pc:sldMkLst>
-        <pc:spChg chg="mod">
-          <ac:chgData name="Haslinger Samuel" userId="S::samuel.haslinger@htl-saalfelden.at::c9069ffe-0245-4413-8cd0-3e34027a2a6c" providerId="AD" clId="Web-{CA9B57BA-5A35-4D0C-87CB-B7B1F6DACF66}" dt="2024-06-05T05:19:35.926" v="23" actId="20577"/>
-          <ac:spMkLst>
-            <pc:docMk/>
-            <pc:sldMk cId="2830231666" sldId="266"/>
-            <ac:spMk id="3" creationId="{6BF42EBC-5E68-5FB9-25AA-1AEFC6DAB116}"/>
-          </ac:spMkLst>
-        </pc:spChg>
       </pc:sldChg>
     </pc:docChg>
   </pc:docChgLst>
@@ -713,7 +818,7 @@
           <a:p>
             <a:fld id="{A65C15A1-A2F9-4CB9-92C2-B7D8E039DD61}" type="datetimeFigureOut">
               <a:rPr lang="en-US" smtClean="0"/>
-              <a:t>6/4/2024</a:t>
+              <a:t>6/5/2024</a:t>
             </a:fld>
             <a:endParaRPr lang="en-US"/>
           </a:p>
@@ -941,7 +1046,7 @@
           <a:p>
             <a:fld id="{A65C15A1-A2F9-4CB9-92C2-B7D8E039DD61}" type="datetimeFigureOut">
               <a:rPr lang="en-US" smtClean="0"/>
-              <a:t>6/4/2024</a:t>
+              <a:t>6/5/2024</a:t>
             </a:fld>
             <a:endParaRPr lang="en-US"/>
           </a:p>
@@ -1121,7 +1226,7 @@
           <a:p>
             <a:fld id="{A65C15A1-A2F9-4CB9-92C2-B7D8E039DD61}" type="datetimeFigureOut">
               <a:rPr lang="en-US" smtClean="0"/>
-              <a:t>6/4/2024</a:t>
+              <a:t>6/5/2024</a:t>
             </a:fld>
             <a:endParaRPr lang="en-US"/>
           </a:p>
@@ -1291,7 +1396,7 @@
           <a:p>
             <a:fld id="{A65C15A1-A2F9-4CB9-92C2-B7D8E039DD61}" type="datetimeFigureOut">
               <a:rPr lang="en-US" smtClean="0"/>
-              <a:t>6/4/2024</a:t>
+              <a:t>6/5/2024</a:t>
             </a:fld>
             <a:endParaRPr lang="en-US"/>
           </a:p>
@@ -1545,7 +1650,7 @@
           <a:p>
             <a:fld id="{A65C15A1-A2F9-4CB9-92C2-B7D8E039DD61}" type="datetimeFigureOut">
               <a:rPr lang="en-US" smtClean="0"/>
-              <a:t>6/4/2024</a:t>
+              <a:t>6/5/2024</a:t>
             </a:fld>
             <a:endParaRPr lang="en-US"/>
           </a:p>
@@ -1871,7 +1976,7 @@
           <a:p>
             <a:fld id="{A65C15A1-A2F9-4CB9-92C2-B7D8E039DD61}" type="datetimeFigureOut">
               <a:rPr lang="en-US" smtClean="0"/>
-              <a:t>6/4/2024</a:t>
+              <a:t>6/5/2024</a:t>
             </a:fld>
             <a:endParaRPr lang="en-US"/>
           </a:p>
@@ -2322,7 +2427,7 @@
           <a:p>
             <a:fld id="{A65C15A1-A2F9-4CB9-92C2-B7D8E039DD61}" type="datetimeFigureOut">
               <a:rPr lang="en-US" smtClean="0"/>
-              <a:t>6/4/2024</a:t>
+              <a:t>6/5/2024</a:t>
             </a:fld>
             <a:endParaRPr lang="en-US"/>
           </a:p>
@@ -2440,7 +2545,7 @@
           <a:p>
             <a:fld id="{A65C15A1-A2F9-4CB9-92C2-B7D8E039DD61}" type="datetimeFigureOut">
               <a:rPr lang="en-US" smtClean="0"/>
-              <a:t>6/4/2024</a:t>
+              <a:t>6/5/2024</a:t>
             </a:fld>
             <a:endParaRPr lang="en-US"/>
           </a:p>
@@ -2535,7 +2640,7 @@
           <a:p>
             <a:fld id="{A65C15A1-A2F9-4CB9-92C2-B7D8E039DD61}" type="datetimeFigureOut">
               <a:rPr lang="en-US" smtClean="0"/>
-              <a:t>6/4/2024</a:t>
+              <a:t>6/5/2024</a:t>
             </a:fld>
             <a:endParaRPr lang="en-US"/>
           </a:p>
@@ -2822,7 +2927,7 @@
           <a:p>
             <a:fld id="{A65C15A1-A2F9-4CB9-92C2-B7D8E039DD61}" type="datetimeFigureOut">
               <a:rPr lang="en-US" smtClean="0"/>
-              <a:t>6/4/2024</a:t>
+              <a:t>6/5/2024</a:t>
             </a:fld>
             <a:endParaRPr lang="en-US"/>
           </a:p>
@@ -3144,7 +3249,7 @@
           <a:p>
             <a:fld id="{A65C15A1-A2F9-4CB9-92C2-B7D8E039DD61}" type="datetimeFigureOut">
               <a:rPr lang="en-US" smtClean="0"/>
-              <a:t>6/4/2024</a:t>
+              <a:t>6/5/2024</a:t>
             </a:fld>
             <a:endParaRPr lang="en-US"/>
           </a:p>
@@ -3398,7 +3503,7 @@
           <a:p>
             <a:fld id="{A65C15A1-A2F9-4CB9-92C2-B7D8E039DD61}" type="datetimeFigureOut">
               <a:rPr lang="en-US" smtClean="0"/>
-              <a:t>6/4/2024</a:t>
+              <a:t>6/5/2024</a:t>
             </a:fld>
             <a:endParaRPr lang="en-US"/>
           </a:p>
@@ -4194,8 +4299,16 @@
           <a:p>
             <a:r>
               <a:rPr lang="de-AT"/>
-              <a:t>Interessante Codeausschnitte + Probleme</a:t>
-            </a:r>
+              <a:t>Coding</a:t>
+            </a:r>
+          </a:p>
+          <a:p>
+            <a:r>
+              <a:rPr lang="de-AT"/>
+              <a:t>Finalisierung</a:t>
+            </a:r>
+          </a:p>
+          <a:p>
             <a:endParaRPr lang="en-US"/>
           </a:p>
           <a:p>
@@ -4846,7 +4959,7 @@
         <p:spPr>
           <a:xfrm>
             <a:off x="111" y="674"/>
-            <a:ext cx="15315259" cy="7419926"/>
+            <a:ext cx="12188091" cy="6855849"/>
           </a:xfrm>
           <a:prstGeom prst="rect">
             <a:avLst/>

--- a/MenschAergereDichNicht.pptx
+++ b/MenschAergereDichNicht.pptx
@@ -7,14 +7,19 @@
   <p:sldIdLst>
     <p:sldId id="256" r:id="rId2"/>
     <p:sldId id="257" r:id="rId3"/>
-    <p:sldId id="258" r:id="rId4"/>
-    <p:sldId id="259" r:id="rId5"/>
-    <p:sldId id="264" r:id="rId6"/>
-    <p:sldId id="263" r:id="rId7"/>
-    <p:sldId id="260" r:id="rId8"/>
-    <p:sldId id="265" r:id="rId9"/>
-    <p:sldId id="266" r:id="rId10"/>
-    <p:sldId id="261" r:id="rId11"/>
+    <p:sldId id="267" r:id="rId4"/>
+    <p:sldId id="258" r:id="rId5"/>
+    <p:sldId id="259" r:id="rId6"/>
+    <p:sldId id="264" r:id="rId7"/>
+    <p:sldId id="270" r:id="rId8"/>
+    <p:sldId id="268" r:id="rId9"/>
+    <p:sldId id="269" r:id="rId10"/>
+    <p:sldId id="271" r:id="rId11"/>
+    <p:sldId id="272" r:id="rId12"/>
+    <p:sldId id="260" r:id="rId13"/>
+    <p:sldId id="266" r:id="rId14"/>
+    <p:sldId id="265" r:id="rId15"/>
+    <p:sldId id="261" r:id="rId16"/>
   </p:sldIdLst>
   <p:sldSz cx="12192000" cy="6858000"/>
   <p:notesSz cx="6858000" cy="9144000"/>
@@ -124,15 +129,8 @@
 <file path=ppt/revisionInfo.xml><?xml version="1.0" encoding="utf-8"?>
 <p1510:revInfo xmlns:a="http://schemas.openxmlformats.org/drawingml/2006/main" xmlns:r="http://schemas.openxmlformats.org/officeDocument/2006/relationships" xmlns:p1510="http://schemas.microsoft.com/office/powerpoint/2015/10/main">
   <p1510:revLst>
-    <p1510:client id="{6BC5CF01-A64E-412B-B3CE-5014EBA14001}" v="68" dt="2024-06-05T07:16:44.390"/>
-    <p1510:client id="{6E64B558-A6DB-4145-B71A-2C5041A152E6}" v="49" dt="2024-06-05T05:50:37.240"/>
-    <p1510:client id="{8B2AA871-3A18-4378-806B-A2DB54EFB5DA}" v="17" dt="2024-06-05T03:37:50.302"/>
-    <p1510:client id="{B8E26F5A-6EC8-4882-B44F-9B214147B7A8}" v="5" dt="2024-06-05T06:53:42.333"/>
-    <p1510:client id="{CA9B57BA-5A35-4D0C-87CB-B7B1F6DACF66}" v="40" dt="2024-06-05T05:39:12.816"/>
-    <p1510:client id="{D0212CD6-1D7F-4147-9D4D-7C9822C2F0BF}" v="9" dt="2024-06-05T03:54:51.651"/>
-    <p1510:client id="{D45E7D39-C1E8-4C39-AAA0-D45D71BEA717}" v="39" dt="2024-06-05T06:33:54.598"/>
-    <p1510:client id="{E65B2261-0A49-4F4A-A39A-F092A53D2B19}" v="33" dt="2024-06-04T19:14:11.494"/>
-    <p1510:client id="{FF4AA1AB-31D8-456A-9813-4302D8D07322}" v="10" dt="2024-06-04T19:09:06.123"/>
+    <p1510:client id="{36DC78D8-3A19-6402-211A-24D2010AA813}" v="184" dt="2024-06-10T15:09:34.897"/>
+    <p1510:client id="{3A16CC37-F7DF-84C5-31C6-5F2B6E5F5C21}" v="395" dt="2024-06-10T13:46:50.045"/>
   </p1510:revLst>
 </p1510:revInfo>
 </file>
@@ -342,6 +340,30 @@
     </pc:docChg>
   </pc:docChgLst>
   <pc:docChgLst>
+    <pc:chgData name="Haslinger Samuel" userId="S::samuel.haslinger@htl-saalfelden.at::c9069ffe-0245-4413-8cd0-3e34027a2a6c" providerId="AD" clId="Web-{D0212CD6-1D7F-4147-9D4D-7C9822C2F0BF}"/>
+    <pc:docChg chg="modSld">
+      <pc:chgData name="Haslinger Samuel" userId="S::samuel.haslinger@htl-saalfelden.at::c9069ffe-0245-4413-8cd0-3e34027a2a6c" providerId="AD" clId="Web-{D0212CD6-1D7F-4147-9D4D-7C9822C2F0BF}" dt="2024-06-05T03:54:51.651" v="8" actId="20577"/>
+      <pc:docMkLst>
+        <pc:docMk/>
+      </pc:docMkLst>
+      <pc:sldChg chg="modSp">
+        <pc:chgData name="Haslinger Samuel" userId="S::samuel.haslinger@htl-saalfelden.at::c9069ffe-0245-4413-8cd0-3e34027a2a6c" providerId="AD" clId="Web-{D0212CD6-1D7F-4147-9D4D-7C9822C2F0BF}" dt="2024-06-05T03:54:51.651" v="8" actId="20577"/>
+        <pc:sldMkLst>
+          <pc:docMk/>
+          <pc:sldMk cId="414410644" sldId="265"/>
+        </pc:sldMkLst>
+        <pc:spChg chg="mod">
+          <ac:chgData name="Haslinger Samuel" userId="S::samuel.haslinger@htl-saalfelden.at::c9069ffe-0245-4413-8cd0-3e34027a2a6c" providerId="AD" clId="Web-{D0212CD6-1D7F-4147-9D4D-7C9822C2F0BF}" dt="2024-06-05T03:54:51.651" v="8" actId="20577"/>
+          <ac:spMkLst>
+            <pc:docMk/>
+            <pc:sldMk cId="414410644" sldId="265"/>
+            <ac:spMk id="3" creationId="{1EC80749-B280-577F-A5C7-71AC6E368477}"/>
+          </ac:spMkLst>
+        </pc:spChg>
+      </pc:sldChg>
+    </pc:docChg>
+  </pc:docChgLst>
+  <pc:docChgLst>
     <pc:chgData name="Höflehner Julian" userId="S::julian.hoeflehner@htl-saalfelden.at::5ffe66e3-a139-4b57-888c-3ea8e0375b23" providerId="AD" clId="Web-{6E64B558-A6DB-4145-B71A-2C5041A152E6}"/>
     <pc:docChg chg="delSld modSld">
       <pc:chgData name="Höflehner Julian" userId="S::julian.hoeflehner@htl-saalfelden.at::5ffe66e3-a139-4b57-888c-3ea8e0375b23" providerId="AD" clId="Web-{6E64B558-A6DB-4145-B71A-2C5041A152E6}" dt="2024-06-05T05:50:37.240" v="46"/>
@@ -448,30 +470,6 @@
             <ac:picMk id="5" creationId="{21833EE3-5739-597D-664C-CA51CCD605EE}"/>
           </ac:picMkLst>
         </pc:picChg>
-      </pc:sldChg>
-    </pc:docChg>
-  </pc:docChgLst>
-  <pc:docChgLst>
-    <pc:chgData name="Haslinger Samuel" userId="S::samuel.haslinger@htl-saalfelden.at::c9069ffe-0245-4413-8cd0-3e34027a2a6c" providerId="AD" clId="Web-{D0212CD6-1D7F-4147-9D4D-7C9822C2F0BF}"/>
-    <pc:docChg chg="modSld">
-      <pc:chgData name="Haslinger Samuel" userId="S::samuel.haslinger@htl-saalfelden.at::c9069ffe-0245-4413-8cd0-3e34027a2a6c" providerId="AD" clId="Web-{D0212CD6-1D7F-4147-9D4D-7C9822C2F0BF}" dt="2024-06-05T03:54:51.651" v="8" actId="20577"/>
-      <pc:docMkLst>
-        <pc:docMk/>
-      </pc:docMkLst>
-      <pc:sldChg chg="modSp">
-        <pc:chgData name="Haslinger Samuel" userId="S::samuel.haslinger@htl-saalfelden.at::c9069ffe-0245-4413-8cd0-3e34027a2a6c" providerId="AD" clId="Web-{D0212CD6-1D7F-4147-9D4D-7C9822C2F0BF}" dt="2024-06-05T03:54:51.651" v="8" actId="20577"/>
-        <pc:sldMkLst>
-          <pc:docMk/>
-          <pc:sldMk cId="414410644" sldId="265"/>
-        </pc:sldMkLst>
-        <pc:spChg chg="mod">
-          <ac:chgData name="Haslinger Samuel" userId="S::samuel.haslinger@htl-saalfelden.at::c9069ffe-0245-4413-8cd0-3e34027a2a6c" providerId="AD" clId="Web-{D0212CD6-1D7F-4147-9D4D-7C9822C2F0BF}" dt="2024-06-05T03:54:51.651" v="8" actId="20577"/>
-          <ac:spMkLst>
-            <pc:docMk/>
-            <pc:sldMk cId="414410644" sldId="265"/>
-            <ac:spMk id="3" creationId="{1EC80749-B280-577F-A5C7-71AC6E368477}"/>
-          </ac:spMkLst>
-        </pc:spChg>
       </pc:sldChg>
     </pc:docChg>
   </pc:docChgLst>
@@ -497,6 +495,323 @@
           </ac:spMkLst>
         </pc:spChg>
       </pc:sldChg>
+    </pc:docChg>
+  </pc:docChgLst>
+  <pc:docChgLst>
+    <pc:chgData name="Höflehner Julian" userId="S::julian.hoeflehner@htl-saalfelden.at::5ffe66e3-a139-4b57-888c-3ea8e0375b23" providerId="AD" clId="Web-{3A16CC37-F7DF-84C5-31C6-5F2B6E5F5C21}"/>
+    <pc:docChg chg="mod addSld modSld modMainMaster">
+      <pc:chgData name="Höflehner Julian" userId="S::julian.hoeflehner@htl-saalfelden.at::5ffe66e3-a139-4b57-888c-3ea8e0375b23" providerId="AD" clId="Web-{3A16CC37-F7DF-84C5-31C6-5F2B6E5F5C21}" dt="2024-06-10T13:46:50.045" v="389" actId="20577"/>
+      <pc:docMkLst>
+        <pc:docMk/>
+      </pc:docMkLst>
+      <pc:sldChg chg="addSp modSp">
+        <pc:chgData name="Höflehner Julian" userId="S::julian.hoeflehner@htl-saalfelden.at::5ffe66e3-a139-4b57-888c-3ea8e0375b23" providerId="AD" clId="Web-{3A16CC37-F7DF-84C5-31C6-5F2B6E5F5C21}" dt="2024-06-10T13:38:27.434" v="102" actId="20577"/>
+        <pc:sldMkLst>
+          <pc:docMk/>
+          <pc:sldMk cId="1918144357" sldId="256"/>
+        </pc:sldMkLst>
+        <pc:spChg chg="mod">
+          <ac:chgData name="Höflehner Julian" userId="S::julian.hoeflehner@htl-saalfelden.at::5ffe66e3-a139-4b57-888c-3ea8e0375b23" providerId="AD" clId="Web-{3A16CC37-F7DF-84C5-31C6-5F2B6E5F5C21}" dt="2024-06-10T13:38:27.434" v="102" actId="20577"/>
+          <ac:spMkLst>
+            <pc:docMk/>
+            <pc:sldMk cId="1918144357" sldId="256"/>
+            <ac:spMk id="2" creationId="{D7BEB82E-09D7-3BC9-3D30-5019C3642B67}"/>
+          </ac:spMkLst>
+        </pc:spChg>
+        <pc:spChg chg="add mod">
+          <ac:chgData name="Höflehner Julian" userId="S::julian.hoeflehner@htl-saalfelden.at::5ffe66e3-a139-4b57-888c-3ea8e0375b23" providerId="AD" clId="Web-{3A16CC37-F7DF-84C5-31C6-5F2B6E5F5C21}" dt="2024-06-10T13:32:18.077" v="30"/>
+          <ac:spMkLst>
+            <pc:docMk/>
+            <pc:sldMk cId="1918144357" sldId="256"/>
+            <ac:spMk id="4" creationId="{68B9F75E-9478-2FD1-40A9-C275A7FEBCAC}"/>
+          </ac:spMkLst>
+        </pc:spChg>
+      </pc:sldChg>
+      <pc:sldChg chg="addSp delSp modSp">
+        <pc:chgData name="Höflehner Julian" userId="S::julian.hoeflehner@htl-saalfelden.at::5ffe66e3-a139-4b57-888c-3ea8e0375b23" providerId="AD" clId="Web-{3A16CC37-F7DF-84C5-31C6-5F2B6E5F5C21}" dt="2024-06-10T13:35:20.755" v="41" actId="20577"/>
+        <pc:sldMkLst>
+          <pc:docMk/>
+          <pc:sldMk cId="2668022557" sldId="257"/>
+        </pc:sldMkLst>
+        <pc:spChg chg="mod">
+          <ac:chgData name="Höflehner Julian" userId="S::julian.hoeflehner@htl-saalfelden.at::5ffe66e3-a139-4b57-888c-3ea8e0375b23" providerId="AD" clId="Web-{3A16CC37-F7DF-84C5-31C6-5F2B6E5F5C21}" dt="2024-06-10T13:35:20.755" v="41" actId="20577"/>
+          <ac:spMkLst>
+            <pc:docMk/>
+            <pc:sldMk cId="2668022557" sldId="257"/>
+            <ac:spMk id="3" creationId="{F99579B8-744C-7908-3E34-3925B36AEF80}"/>
+          </ac:spMkLst>
+        </pc:spChg>
+        <pc:spChg chg="add del mod">
+          <ac:chgData name="Höflehner Julian" userId="S::julian.hoeflehner@htl-saalfelden.at::5ffe66e3-a139-4b57-888c-3ea8e0375b23" providerId="AD" clId="Web-{3A16CC37-F7DF-84C5-31C6-5F2B6E5F5C21}" dt="2024-06-10T13:32:16.374" v="28"/>
+          <ac:spMkLst>
+            <pc:docMk/>
+            <pc:sldMk cId="2668022557" sldId="257"/>
+            <ac:spMk id="4" creationId="{EE9F3A0A-33BA-45EE-908B-00CA4F7195AE}"/>
+          </ac:spMkLst>
+        </pc:spChg>
+        <pc:spChg chg="add del mod">
+          <ac:chgData name="Höflehner Julian" userId="S::julian.hoeflehner@htl-saalfelden.at::5ffe66e3-a139-4b57-888c-3ea8e0375b23" providerId="AD" clId="Web-{3A16CC37-F7DF-84C5-31C6-5F2B6E5F5C21}" dt="2024-06-10T13:32:12.749" v="25"/>
+          <ac:spMkLst>
+            <pc:docMk/>
+            <pc:sldMk cId="2668022557" sldId="257"/>
+            <ac:spMk id="5" creationId="{9D2D4EC8-CD7D-2A70-698A-BF60E04E8E5B}"/>
+          </ac:spMkLst>
+        </pc:spChg>
+        <pc:spChg chg="add mod">
+          <ac:chgData name="Höflehner Julian" userId="S::julian.hoeflehner@htl-saalfelden.at::5ffe66e3-a139-4b57-888c-3ea8e0375b23" providerId="AD" clId="Web-{3A16CC37-F7DF-84C5-31C6-5F2B6E5F5C21}" dt="2024-06-10T13:32:17.014" v="29"/>
+          <ac:spMkLst>
+            <pc:docMk/>
+            <pc:sldMk cId="2668022557" sldId="257"/>
+            <ac:spMk id="6" creationId="{FC2D2FBA-A97E-07DA-6D33-D1B558337FBE}"/>
+          </ac:spMkLst>
+        </pc:spChg>
+      </pc:sldChg>
+      <pc:sldChg chg="addSp modSp">
+        <pc:chgData name="Höflehner Julian" userId="S::julian.hoeflehner@htl-saalfelden.at::5ffe66e3-a139-4b57-888c-3ea8e0375b23" providerId="AD" clId="Web-{3A16CC37-F7DF-84C5-31C6-5F2B6E5F5C21}" dt="2024-06-10T13:32:18.077" v="30"/>
+        <pc:sldMkLst>
+          <pc:docMk/>
+          <pc:sldMk cId="1888607500" sldId="258"/>
+        </pc:sldMkLst>
+        <pc:spChg chg="add mod">
+          <ac:chgData name="Höflehner Julian" userId="S::julian.hoeflehner@htl-saalfelden.at::5ffe66e3-a139-4b57-888c-3ea8e0375b23" providerId="AD" clId="Web-{3A16CC37-F7DF-84C5-31C6-5F2B6E5F5C21}" dt="2024-06-10T13:32:18.077" v="30"/>
+          <ac:spMkLst>
+            <pc:docMk/>
+            <pc:sldMk cId="1888607500" sldId="258"/>
+            <ac:spMk id="3" creationId="{315CC726-AE3F-1A3C-CD2A-1434CDCFFE2A}"/>
+          </ac:spMkLst>
+        </pc:spChg>
+      </pc:sldChg>
+      <pc:sldChg chg="addSp modSp">
+        <pc:chgData name="Höflehner Julian" userId="S::julian.hoeflehner@htl-saalfelden.at::5ffe66e3-a139-4b57-888c-3ea8e0375b23" providerId="AD" clId="Web-{3A16CC37-F7DF-84C5-31C6-5F2B6E5F5C21}" dt="2024-06-10T13:32:18.077" v="30"/>
+        <pc:sldMkLst>
+          <pc:docMk/>
+          <pc:sldMk cId="3469512878" sldId="259"/>
+        </pc:sldMkLst>
+        <pc:spChg chg="add mod">
+          <ac:chgData name="Höflehner Julian" userId="S::julian.hoeflehner@htl-saalfelden.at::5ffe66e3-a139-4b57-888c-3ea8e0375b23" providerId="AD" clId="Web-{3A16CC37-F7DF-84C5-31C6-5F2B6E5F5C21}" dt="2024-06-10T13:32:18.077" v="30"/>
+          <ac:spMkLst>
+            <pc:docMk/>
+            <pc:sldMk cId="3469512878" sldId="259"/>
+            <ac:spMk id="4" creationId="{B5C26CEA-941F-21B2-48A2-11AA7707E3C4}"/>
+          </ac:spMkLst>
+        </pc:spChg>
+      </pc:sldChg>
+      <pc:sldChg chg="addSp modSp">
+        <pc:chgData name="Höflehner Julian" userId="S::julian.hoeflehner@htl-saalfelden.at::5ffe66e3-a139-4b57-888c-3ea8e0375b23" providerId="AD" clId="Web-{3A16CC37-F7DF-84C5-31C6-5F2B6E5F5C21}" dt="2024-06-10T13:32:18.077" v="30"/>
+        <pc:sldMkLst>
+          <pc:docMk/>
+          <pc:sldMk cId="3855528893" sldId="260"/>
+        </pc:sldMkLst>
+        <pc:spChg chg="add mod">
+          <ac:chgData name="Höflehner Julian" userId="S::julian.hoeflehner@htl-saalfelden.at::5ffe66e3-a139-4b57-888c-3ea8e0375b23" providerId="AD" clId="Web-{3A16CC37-F7DF-84C5-31C6-5F2B6E5F5C21}" dt="2024-06-10T13:32:18.077" v="30"/>
+          <ac:spMkLst>
+            <pc:docMk/>
+            <pc:sldMk cId="3855528893" sldId="260"/>
+            <ac:spMk id="4" creationId="{086CE38C-7CEF-5DB6-F9DE-D56CA2757212}"/>
+          </ac:spMkLst>
+        </pc:spChg>
+      </pc:sldChg>
+      <pc:sldChg chg="addSp modSp">
+        <pc:chgData name="Höflehner Julian" userId="S::julian.hoeflehner@htl-saalfelden.at::5ffe66e3-a139-4b57-888c-3ea8e0375b23" providerId="AD" clId="Web-{3A16CC37-F7DF-84C5-31C6-5F2B6E5F5C21}" dt="2024-06-10T13:32:18.077" v="30"/>
+        <pc:sldMkLst>
+          <pc:docMk/>
+          <pc:sldMk cId="70910024" sldId="261"/>
+        </pc:sldMkLst>
+        <pc:spChg chg="add mod">
+          <ac:chgData name="Höflehner Julian" userId="S::julian.hoeflehner@htl-saalfelden.at::5ffe66e3-a139-4b57-888c-3ea8e0375b23" providerId="AD" clId="Web-{3A16CC37-F7DF-84C5-31C6-5F2B6E5F5C21}" dt="2024-06-10T13:32:18.077" v="30"/>
+          <ac:spMkLst>
+            <pc:docMk/>
+            <pc:sldMk cId="70910024" sldId="261"/>
+            <ac:spMk id="4" creationId="{7276C08C-7D31-9964-060A-C3BBD2C9D270}"/>
+          </ac:spMkLst>
+        </pc:spChg>
+      </pc:sldChg>
+      <pc:sldChg chg="addSp modSp">
+        <pc:chgData name="Höflehner Julian" userId="S::julian.hoeflehner@htl-saalfelden.at::5ffe66e3-a139-4b57-888c-3ea8e0375b23" providerId="AD" clId="Web-{3A16CC37-F7DF-84C5-31C6-5F2B6E5F5C21}" dt="2024-06-10T13:32:18.077" v="30"/>
+        <pc:sldMkLst>
+          <pc:docMk/>
+          <pc:sldMk cId="4231141096" sldId="263"/>
+        </pc:sldMkLst>
+        <pc:spChg chg="add mod">
+          <ac:chgData name="Höflehner Julian" userId="S::julian.hoeflehner@htl-saalfelden.at::5ffe66e3-a139-4b57-888c-3ea8e0375b23" providerId="AD" clId="Web-{3A16CC37-F7DF-84C5-31C6-5F2B6E5F5C21}" dt="2024-06-10T13:32:18.077" v="30"/>
+          <ac:spMkLst>
+            <pc:docMk/>
+            <pc:sldMk cId="4231141096" sldId="263"/>
+            <ac:spMk id="2" creationId="{193608DE-D666-4D30-2C84-7A261984430E}"/>
+          </ac:spMkLst>
+        </pc:spChg>
+      </pc:sldChg>
+      <pc:sldChg chg="addSp modSp">
+        <pc:chgData name="Höflehner Julian" userId="S::julian.hoeflehner@htl-saalfelden.at::5ffe66e3-a139-4b57-888c-3ea8e0375b23" providerId="AD" clId="Web-{3A16CC37-F7DF-84C5-31C6-5F2B6E5F5C21}" dt="2024-06-10T13:32:18.077" v="30"/>
+        <pc:sldMkLst>
+          <pc:docMk/>
+          <pc:sldMk cId="1960193212" sldId="264"/>
+        </pc:sldMkLst>
+        <pc:spChg chg="add mod">
+          <ac:chgData name="Höflehner Julian" userId="S::julian.hoeflehner@htl-saalfelden.at::5ffe66e3-a139-4b57-888c-3ea8e0375b23" providerId="AD" clId="Web-{3A16CC37-F7DF-84C5-31C6-5F2B6E5F5C21}" dt="2024-06-10T13:32:18.077" v="30"/>
+          <ac:spMkLst>
+            <pc:docMk/>
+            <pc:sldMk cId="1960193212" sldId="264"/>
+            <ac:spMk id="2" creationId="{FC0C3FAF-B949-00B7-075E-0F2454A8B5C4}"/>
+          </ac:spMkLst>
+        </pc:spChg>
+      </pc:sldChg>
+      <pc:sldChg chg="addSp modSp">
+        <pc:chgData name="Höflehner Julian" userId="S::julian.hoeflehner@htl-saalfelden.at::5ffe66e3-a139-4b57-888c-3ea8e0375b23" providerId="AD" clId="Web-{3A16CC37-F7DF-84C5-31C6-5F2B6E5F5C21}" dt="2024-06-10T13:32:18.077" v="30"/>
+        <pc:sldMkLst>
+          <pc:docMk/>
+          <pc:sldMk cId="414410644" sldId="265"/>
+        </pc:sldMkLst>
+        <pc:spChg chg="mod">
+          <ac:chgData name="Höflehner Julian" userId="S::julian.hoeflehner@htl-saalfelden.at::5ffe66e3-a139-4b57-888c-3ea8e0375b23" providerId="AD" clId="Web-{3A16CC37-F7DF-84C5-31C6-5F2B6E5F5C21}" dt="2024-06-10T13:30:55.449" v="22" actId="20577"/>
+          <ac:spMkLst>
+            <pc:docMk/>
+            <pc:sldMk cId="414410644" sldId="265"/>
+            <ac:spMk id="3" creationId="{1EC80749-B280-577F-A5C7-71AC6E368477}"/>
+          </ac:spMkLst>
+        </pc:spChg>
+        <pc:spChg chg="add mod">
+          <ac:chgData name="Höflehner Julian" userId="S::julian.hoeflehner@htl-saalfelden.at::5ffe66e3-a139-4b57-888c-3ea8e0375b23" providerId="AD" clId="Web-{3A16CC37-F7DF-84C5-31C6-5F2B6E5F5C21}" dt="2024-06-10T13:32:18.077" v="30"/>
+          <ac:spMkLst>
+            <pc:docMk/>
+            <pc:sldMk cId="414410644" sldId="265"/>
+            <ac:spMk id="4" creationId="{4F75DF94-C1E1-E696-7AE7-E8E258B50BBD}"/>
+          </ac:spMkLst>
+        </pc:spChg>
+      </pc:sldChg>
+      <pc:sldChg chg="addSp modSp">
+        <pc:chgData name="Höflehner Julian" userId="S::julian.hoeflehner@htl-saalfelden.at::5ffe66e3-a139-4b57-888c-3ea8e0375b23" providerId="AD" clId="Web-{3A16CC37-F7DF-84C5-31C6-5F2B6E5F5C21}" dt="2024-06-10T13:32:18.077" v="30"/>
+        <pc:sldMkLst>
+          <pc:docMk/>
+          <pc:sldMk cId="2830231666" sldId="266"/>
+        </pc:sldMkLst>
+        <pc:spChg chg="add mod">
+          <ac:chgData name="Höflehner Julian" userId="S::julian.hoeflehner@htl-saalfelden.at::5ffe66e3-a139-4b57-888c-3ea8e0375b23" providerId="AD" clId="Web-{3A16CC37-F7DF-84C5-31C6-5F2B6E5F5C21}" dt="2024-06-10T13:32:18.077" v="30"/>
+          <ac:spMkLst>
+            <pc:docMk/>
+            <pc:sldMk cId="2830231666" sldId="266"/>
+            <ac:spMk id="4" creationId="{46CC268B-2CBD-6F91-406B-63DC086A4330}"/>
+          </ac:spMkLst>
+        </pc:spChg>
+      </pc:sldChg>
+      <pc:sldChg chg="modSp new">
+        <pc:chgData name="Höflehner Julian" userId="S::julian.hoeflehner@htl-saalfelden.at::5ffe66e3-a139-4b57-888c-3ea8e0375b23" providerId="AD" clId="Web-{3A16CC37-F7DF-84C5-31C6-5F2B6E5F5C21}" dt="2024-06-10T13:46:50.045" v="389" actId="20577"/>
+        <pc:sldMkLst>
+          <pc:docMk/>
+          <pc:sldMk cId="3368743083" sldId="267"/>
+        </pc:sldMkLst>
+        <pc:spChg chg="mod">
+          <ac:chgData name="Höflehner Julian" userId="S::julian.hoeflehner@htl-saalfelden.at::5ffe66e3-a139-4b57-888c-3ea8e0375b23" providerId="AD" clId="Web-{3A16CC37-F7DF-84C5-31C6-5F2B6E5F5C21}" dt="2024-06-10T13:35:54.866" v="45" actId="20577"/>
+          <ac:spMkLst>
+            <pc:docMk/>
+            <pc:sldMk cId="3368743083" sldId="267"/>
+            <ac:spMk id="2" creationId="{7BB42814-5672-F7A2-EBF9-2B2F18C6B687}"/>
+          </ac:spMkLst>
+        </pc:spChg>
+        <pc:spChg chg="mod">
+          <ac:chgData name="Höflehner Julian" userId="S::julian.hoeflehner@htl-saalfelden.at::5ffe66e3-a139-4b57-888c-3ea8e0375b23" providerId="AD" clId="Web-{3A16CC37-F7DF-84C5-31C6-5F2B6E5F5C21}" dt="2024-06-10T13:46:50.045" v="389" actId="20577"/>
+          <ac:spMkLst>
+            <pc:docMk/>
+            <pc:sldMk cId="3368743083" sldId="267"/>
+            <ac:spMk id="3" creationId="{E769BEB7-02F4-DD74-5979-7AE5A01284BF}"/>
+          </ac:spMkLst>
+        </pc:spChg>
+      </pc:sldChg>
+      <pc:sldMasterChg chg="mod modSldLayout">
+        <pc:chgData name="Höflehner Julian" userId="S::julian.hoeflehner@htl-saalfelden.at::5ffe66e3-a139-4b57-888c-3ea8e0375b23" providerId="AD" clId="Web-{3A16CC37-F7DF-84C5-31C6-5F2B6E5F5C21}" dt="2024-06-10T13:32:42.922" v="33"/>
+        <pc:sldMasterMkLst>
+          <pc:docMk/>
+          <pc:sldMasterMk cId="2019302197" sldId="2147483736"/>
+        </pc:sldMasterMkLst>
+        <pc:sldLayoutChg chg="mod">
+          <pc:chgData name="Höflehner Julian" userId="S::julian.hoeflehner@htl-saalfelden.at::5ffe66e3-a139-4b57-888c-3ea8e0375b23" providerId="AD" clId="Web-{3A16CC37-F7DF-84C5-31C6-5F2B6E5F5C21}" dt="2024-06-10T13:32:42.922" v="33"/>
+          <pc:sldLayoutMkLst>
+            <pc:docMk/>
+            <pc:sldMasterMk cId="2019302197" sldId="2147483736"/>
+            <pc:sldLayoutMk cId="259218132" sldId="2147483737"/>
+          </pc:sldLayoutMkLst>
+        </pc:sldLayoutChg>
+        <pc:sldLayoutChg chg="mod">
+          <pc:chgData name="Höflehner Julian" userId="S::julian.hoeflehner@htl-saalfelden.at::5ffe66e3-a139-4b57-888c-3ea8e0375b23" providerId="AD" clId="Web-{3A16CC37-F7DF-84C5-31C6-5F2B6E5F5C21}" dt="2024-06-10T13:32:42.922" v="33"/>
+          <pc:sldLayoutMkLst>
+            <pc:docMk/>
+            <pc:sldMasterMk cId="2019302197" sldId="2147483736"/>
+            <pc:sldLayoutMk cId="3462283863" sldId="2147483738"/>
+          </pc:sldLayoutMkLst>
+        </pc:sldLayoutChg>
+        <pc:sldLayoutChg chg="mod">
+          <pc:chgData name="Höflehner Julian" userId="S::julian.hoeflehner@htl-saalfelden.at::5ffe66e3-a139-4b57-888c-3ea8e0375b23" providerId="AD" clId="Web-{3A16CC37-F7DF-84C5-31C6-5F2B6E5F5C21}" dt="2024-06-10T13:32:42.922" v="33"/>
+          <pc:sldLayoutMkLst>
+            <pc:docMk/>
+            <pc:sldMasterMk cId="2019302197" sldId="2147483736"/>
+            <pc:sldLayoutMk cId="1233590057" sldId="2147483739"/>
+          </pc:sldLayoutMkLst>
+        </pc:sldLayoutChg>
+        <pc:sldLayoutChg chg="mod">
+          <pc:chgData name="Höflehner Julian" userId="S::julian.hoeflehner@htl-saalfelden.at::5ffe66e3-a139-4b57-888c-3ea8e0375b23" providerId="AD" clId="Web-{3A16CC37-F7DF-84C5-31C6-5F2B6E5F5C21}" dt="2024-06-10T13:32:42.922" v="33"/>
+          <pc:sldLayoutMkLst>
+            <pc:docMk/>
+            <pc:sldMasterMk cId="2019302197" sldId="2147483736"/>
+            <pc:sldLayoutMk cId="952166656" sldId="2147483740"/>
+          </pc:sldLayoutMkLst>
+        </pc:sldLayoutChg>
+        <pc:sldLayoutChg chg="mod">
+          <pc:chgData name="Höflehner Julian" userId="S::julian.hoeflehner@htl-saalfelden.at::5ffe66e3-a139-4b57-888c-3ea8e0375b23" providerId="AD" clId="Web-{3A16CC37-F7DF-84C5-31C6-5F2B6E5F5C21}" dt="2024-06-10T13:32:42.922" v="33"/>
+          <pc:sldLayoutMkLst>
+            <pc:docMk/>
+            <pc:sldMasterMk cId="2019302197" sldId="2147483736"/>
+            <pc:sldLayoutMk cId="4116314831" sldId="2147483741"/>
+          </pc:sldLayoutMkLst>
+        </pc:sldLayoutChg>
+        <pc:sldLayoutChg chg="mod">
+          <pc:chgData name="Höflehner Julian" userId="S::julian.hoeflehner@htl-saalfelden.at::5ffe66e3-a139-4b57-888c-3ea8e0375b23" providerId="AD" clId="Web-{3A16CC37-F7DF-84C5-31C6-5F2B6E5F5C21}" dt="2024-06-10T13:32:42.922" v="33"/>
+          <pc:sldLayoutMkLst>
+            <pc:docMk/>
+            <pc:sldMasterMk cId="2019302197" sldId="2147483736"/>
+            <pc:sldLayoutMk cId="2266991351" sldId="2147483742"/>
+          </pc:sldLayoutMkLst>
+        </pc:sldLayoutChg>
+        <pc:sldLayoutChg chg="mod">
+          <pc:chgData name="Höflehner Julian" userId="S::julian.hoeflehner@htl-saalfelden.at::5ffe66e3-a139-4b57-888c-3ea8e0375b23" providerId="AD" clId="Web-{3A16CC37-F7DF-84C5-31C6-5F2B6E5F5C21}" dt="2024-06-10T13:32:42.922" v="33"/>
+          <pc:sldLayoutMkLst>
+            <pc:docMk/>
+            <pc:sldMasterMk cId="2019302197" sldId="2147483736"/>
+            <pc:sldLayoutMk cId="933821113" sldId="2147483743"/>
+          </pc:sldLayoutMkLst>
+        </pc:sldLayoutChg>
+        <pc:sldLayoutChg chg="mod">
+          <pc:chgData name="Höflehner Julian" userId="S::julian.hoeflehner@htl-saalfelden.at::5ffe66e3-a139-4b57-888c-3ea8e0375b23" providerId="AD" clId="Web-{3A16CC37-F7DF-84C5-31C6-5F2B6E5F5C21}" dt="2024-06-10T13:32:42.922" v="33"/>
+          <pc:sldLayoutMkLst>
+            <pc:docMk/>
+            <pc:sldMasterMk cId="2019302197" sldId="2147483736"/>
+            <pc:sldLayoutMk cId="61534805" sldId="2147483744"/>
+          </pc:sldLayoutMkLst>
+        </pc:sldLayoutChg>
+        <pc:sldLayoutChg chg="mod">
+          <pc:chgData name="Höflehner Julian" userId="S::julian.hoeflehner@htl-saalfelden.at::5ffe66e3-a139-4b57-888c-3ea8e0375b23" providerId="AD" clId="Web-{3A16CC37-F7DF-84C5-31C6-5F2B6E5F5C21}" dt="2024-06-10T13:32:42.922" v="33"/>
+          <pc:sldLayoutMkLst>
+            <pc:docMk/>
+            <pc:sldMasterMk cId="2019302197" sldId="2147483736"/>
+            <pc:sldLayoutMk cId="4264026742" sldId="2147483745"/>
+          </pc:sldLayoutMkLst>
+        </pc:sldLayoutChg>
+        <pc:sldLayoutChg chg="mod">
+          <pc:chgData name="Höflehner Julian" userId="S::julian.hoeflehner@htl-saalfelden.at::5ffe66e3-a139-4b57-888c-3ea8e0375b23" providerId="AD" clId="Web-{3A16CC37-F7DF-84C5-31C6-5F2B6E5F5C21}" dt="2024-06-10T13:32:42.922" v="33"/>
+          <pc:sldLayoutMkLst>
+            <pc:docMk/>
+            <pc:sldMasterMk cId="2019302197" sldId="2147483736"/>
+            <pc:sldLayoutMk cId="3919719651" sldId="2147483746"/>
+          </pc:sldLayoutMkLst>
+        </pc:sldLayoutChg>
+        <pc:sldLayoutChg chg="mod">
+          <pc:chgData name="Höflehner Julian" userId="S::julian.hoeflehner@htl-saalfelden.at::5ffe66e3-a139-4b57-888c-3ea8e0375b23" providerId="AD" clId="Web-{3A16CC37-F7DF-84C5-31C6-5F2B6E5F5C21}" dt="2024-06-10T13:32:42.922" v="33"/>
+          <pc:sldLayoutMkLst>
+            <pc:docMk/>
+            <pc:sldMasterMk cId="2019302197" sldId="2147483736"/>
+            <pc:sldLayoutMk cId="525999544" sldId="2147483747"/>
+          </pc:sldLayoutMkLst>
+        </pc:sldLayoutChg>
+      </pc:sldMasterChg>
     </pc:docChg>
   </pc:docChgLst>
   <pc:docChgLst>
@@ -642,6 +957,390 @@
             <pc:docMk/>
             <pc:sldMk cId="4231141096" sldId="263"/>
             <ac:picMk id="4" creationId="{22CE099A-D551-67B2-FB75-D040810D392A}"/>
+          </ac:picMkLst>
+        </pc:picChg>
+      </pc:sldChg>
+    </pc:docChg>
+  </pc:docChgLst>
+  <pc:docChgLst>
+    <pc:chgData name="Gastbenutzer" userId="S::urn:spo:anon#cab0b09d8722aafc91d3b6dc1087bd790aac18f504152c3258bcca8b8007c499::" providerId="AD" clId="Web-{36DC78D8-3A19-6402-211A-24D2010AA813}"/>
+    <pc:docChg chg="addSld delSld modSld sldOrd">
+      <pc:chgData name="Gastbenutzer" userId="S::urn:spo:anon#cab0b09d8722aafc91d3b6dc1087bd790aac18f504152c3258bcca8b8007c499::" providerId="AD" clId="Web-{36DC78D8-3A19-6402-211A-24D2010AA813}" dt="2024-06-10T15:09:34.897" v="162"/>
+      <pc:docMkLst>
+        <pc:docMk/>
+      </pc:docMkLst>
+      <pc:sldChg chg="modSp">
+        <pc:chgData name="Gastbenutzer" userId="S::urn:spo:anon#cab0b09d8722aafc91d3b6dc1087bd790aac18f504152c3258bcca8b8007c499::" providerId="AD" clId="Web-{36DC78D8-3A19-6402-211A-24D2010AA813}" dt="2024-06-10T15:09:07.035" v="161" actId="20577"/>
+        <pc:sldMkLst>
+          <pc:docMk/>
+          <pc:sldMk cId="3855528893" sldId="260"/>
+        </pc:sldMkLst>
+        <pc:spChg chg="mod">
+          <ac:chgData name="Gastbenutzer" userId="S::urn:spo:anon#cab0b09d8722aafc91d3b6dc1087bd790aac18f504152c3258bcca8b8007c499::" providerId="AD" clId="Web-{36DC78D8-3A19-6402-211A-24D2010AA813}" dt="2024-06-10T15:09:07.035" v="161" actId="20577"/>
+          <ac:spMkLst>
+            <pc:docMk/>
+            <pc:sldMk cId="3855528893" sldId="260"/>
+            <ac:spMk id="3" creationId="{21FFF8EF-AD80-19BA-F72A-DEC1ACA36782}"/>
+          </ac:spMkLst>
+        </pc:spChg>
+      </pc:sldChg>
+      <pc:sldChg chg="addSp delSp modSp del mod setBg">
+        <pc:chgData name="Gastbenutzer" userId="S::urn:spo:anon#cab0b09d8722aafc91d3b6dc1087bd790aac18f504152c3258bcca8b8007c499::" providerId="AD" clId="Web-{36DC78D8-3A19-6402-211A-24D2010AA813}" dt="2024-06-10T15:00:25.498" v="85"/>
+        <pc:sldMkLst>
+          <pc:docMk/>
+          <pc:sldMk cId="4231141096" sldId="263"/>
+        </pc:sldMkLst>
+        <pc:spChg chg="mod ord">
+          <ac:chgData name="Gastbenutzer" userId="S::urn:spo:anon#cab0b09d8722aafc91d3b6dc1087bd790aac18f504152c3258bcca8b8007c499::" providerId="AD" clId="Web-{36DC78D8-3A19-6402-211A-24D2010AA813}" dt="2024-06-10T14:59:46.027" v="78"/>
+          <ac:spMkLst>
+            <pc:docMk/>
+            <pc:sldMk cId="4231141096" sldId="263"/>
+            <ac:spMk id="2" creationId="{193608DE-D666-4D30-2C84-7A261984430E}"/>
+          </ac:spMkLst>
+        </pc:spChg>
+        <pc:spChg chg="add ord">
+          <ac:chgData name="Gastbenutzer" userId="S::urn:spo:anon#cab0b09d8722aafc91d3b6dc1087bd790aac18f504152c3258bcca8b8007c499::" providerId="AD" clId="Web-{36DC78D8-3A19-6402-211A-24D2010AA813}" dt="2024-06-10T15:00:03.215" v="81"/>
+          <ac:spMkLst>
+            <pc:docMk/>
+            <pc:sldMk cId="4231141096" sldId="263"/>
+            <ac:spMk id="16" creationId="{21FFDA05-9640-4040-B33E-D46FD04434DB}"/>
+          </ac:spMkLst>
+        </pc:spChg>
+        <pc:picChg chg="add del mod ord">
+          <ac:chgData name="Gastbenutzer" userId="S::urn:spo:anon#cab0b09d8722aafc91d3b6dc1087bd790aac18f504152c3258bcca8b8007c499::" providerId="AD" clId="Web-{36DC78D8-3A19-6402-211A-24D2010AA813}" dt="2024-06-10T14:35:17.719" v="7"/>
+          <ac:picMkLst>
+            <pc:docMk/>
+            <pc:sldMk cId="4231141096" sldId="263"/>
+            <ac:picMk id="3" creationId="{B08A9662-B8C4-8F64-18A2-6A0743F2F9CE}"/>
+          </ac:picMkLst>
+        </pc:picChg>
+        <pc:picChg chg="del">
+          <ac:chgData name="Gastbenutzer" userId="S::urn:spo:anon#cab0b09d8722aafc91d3b6dc1087bd790aac18f504152c3258bcca8b8007c499::" providerId="AD" clId="Web-{36DC78D8-3A19-6402-211A-24D2010AA813}" dt="2024-06-10T14:34:35.060" v="0"/>
+          <ac:picMkLst>
+            <pc:docMk/>
+            <pc:sldMk cId="4231141096" sldId="263"/>
+            <ac:picMk id="4" creationId="{22CE099A-D551-67B2-FB75-D040810D392A}"/>
+          </ac:picMkLst>
+        </pc:picChg>
+        <pc:picChg chg="add del mod ord">
+          <ac:chgData name="Gastbenutzer" userId="S::urn:spo:anon#cab0b09d8722aafc91d3b6dc1087bd790aac18f504152c3258bcca8b8007c499::" providerId="AD" clId="Web-{36DC78D8-3A19-6402-211A-24D2010AA813}" dt="2024-06-10T14:36:25.130" v="13"/>
+          <ac:picMkLst>
+            <pc:docMk/>
+            <pc:sldMk cId="4231141096" sldId="263"/>
+            <ac:picMk id="5" creationId="{91EFE1F9-03BA-3F7A-6977-8B8EA1C0A1FE}"/>
+          </ac:picMkLst>
+        </pc:picChg>
+        <pc:picChg chg="add del mod">
+          <ac:chgData name="Gastbenutzer" userId="S::urn:spo:anon#cab0b09d8722aafc91d3b6dc1087bd790aac18f504152c3258bcca8b8007c499::" providerId="AD" clId="Web-{36DC78D8-3A19-6402-211A-24D2010AA813}" dt="2024-06-10T14:44:06.694" v="30"/>
+          <ac:picMkLst>
+            <pc:docMk/>
+            <pc:sldMk cId="4231141096" sldId="263"/>
+            <ac:picMk id="6" creationId="{B38C34C7-DC00-E149-7299-605473A0389C}"/>
+          </ac:picMkLst>
+        </pc:picChg>
+        <pc:picChg chg="add del mod ord">
+          <ac:chgData name="Gastbenutzer" userId="S::urn:spo:anon#cab0b09d8722aafc91d3b6dc1087bd790aac18f504152c3258bcca8b8007c499::" providerId="AD" clId="Web-{36DC78D8-3A19-6402-211A-24D2010AA813}" dt="2024-06-10T14:48:06.477" v="46"/>
+          <ac:picMkLst>
+            <pc:docMk/>
+            <pc:sldMk cId="4231141096" sldId="263"/>
+            <ac:picMk id="7" creationId="{BE4C6E4D-BEE2-20BA-0581-76D910B6594C}"/>
+          </ac:picMkLst>
+        </pc:picChg>
+        <pc:picChg chg="add del mod ord">
+          <ac:chgData name="Gastbenutzer" userId="S::urn:spo:anon#cab0b09d8722aafc91d3b6dc1087bd790aac18f504152c3258bcca8b8007c499::" providerId="AD" clId="Web-{36DC78D8-3A19-6402-211A-24D2010AA813}" dt="2024-06-10T14:49:46.797" v="51"/>
+          <ac:picMkLst>
+            <pc:docMk/>
+            <pc:sldMk cId="4231141096" sldId="263"/>
+            <ac:picMk id="8" creationId="{64ECCB2E-7F69-85A9-7AB9-00DC1DADB1DB}"/>
+          </ac:picMkLst>
+        </pc:picChg>
+        <pc:picChg chg="add del mod">
+          <ac:chgData name="Gastbenutzer" userId="S::urn:spo:anon#cab0b09d8722aafc91d3b6dc1087bd790aac18f504152c3258bcca8b8007c499::" providerId="AD" clId="Web-{36DC78D8-3A19-6402-211A-24D2010AA813}" dt="2024-06-10T14:53:27.594" v="59"/>
+          <ac:picMkLst>
+            <pc:docMk/>
+            <pc:sldMk cId="4231141096" sldId="263"/>
+            <ac:picMk id="9" creationId="{6DF5A01F-2450-F763-4DCB-03BFCBFE22EF}"/>
+          </ac:picMkLst>
+        </pc:picChg>
+        <pc:picChg chg="add del mod ord">
+          <ac:chgData name="Gastbenutzer" userId="S::urn:spo:anon#cab0b09d8722aafc91d3b6dc1087bd790aac18f504152c3258bcca8b8007c499::" providerId="AD" clId="Web-{36DC78D8-3A19-6402-211A-24D2010AA813}" dt="2024-06-10T14:59:14.462" v="75"/>
+          <ac:picMkLst>
+            <pc:docMk/>
+            <pc:sldMk cId="4231141096" sldId="263"/>
+            <ac:picMk id="10" creationId="{46D2459B-5511-C891-B534-18E444CE61C8}"/>
+          </ac:picMkLst>
+        </pc:picChg>
+        <pc:picChg chg="add del mod ord">
+          <ac:chgData name="Gastbenutzer" userId="S::urn:spo:anon#cab0b09d8722aafc91d3b6dc1087bd790aac18f504152c3258bcca8b8007c499::" providerId="AD" clId="Web-{36DC78D8-3A19-6402-211A-24D2010AA813}" dt="2024-06-10T15:00:06.091" v="83"/>
+          <ac:picMkLst>
+            <pc:docMk/>
+            <pc:sldMk cId="4231141096" sldId="263"/>
+            <ac:picMk id="11" creationId="{B2DD2C61-48B8-4BAC-1271-55A4B3A6E61D}"/>
+          </ac:picMkLst>
+        </pc:picChg>
+      </pc:sldChg>
+      <pc:sldChg chg="ord">
+        <pc:chgData name="Gastbenutzer" userId="S::urn:spo:anon#cab0b09d8722aafc91d3b6dc1087bd790aac18f504152c3258bcca8b8007c499::" providerId="AD" clId="Web-{36DC78D8-3A19-6402-211A-24D2010AA813}" dt="2024-06-10T15:09:34.897" v="162"/>
+        <pc:sldMkLst>
+          <pc:docMk/>
+          <pc:sldMk cId="414410644" sldId="265"/>
+        </pc:sldMkLst>
+      </pc:sldChg>
+      <pc:sldChg chg="modSp">
+        <pc:chgData name="Gastbenutzer" userId="S::urn:spo:anon#cab0b09d8722aafc91d3b6dc1087bd790aac18f504152c3258bcca8b8007c499::" providerId="AD" clId="Web-{36DC78D8-3A19-6402-211A-24D2010AA813}" dt="2024-06-10T14:39:16.111" v="28" actId="20577"/>
+        <pc:sldMkLst>
+          <pc:docMk/>
+          <pc:sldMk cId="3368743083" sldId="267"/>
+        </pc:sldMkLst>
+        <pc:spChg chg="mod">
+          <ac:chgData name="Gastbenutzer" userId="S::urn:spo:anon#cab0b09d8722aafc91d3b6dc1087bd790aac18f504152c3258bcca8b8007c499::" providerId="AD" clId="Web-{36DC78D8-3A19-6402-211A-24D2010AA813}" dt="2024-06-10T14:39:16.111" v="28" actId="20577"/>
+          <ac:spMkLst>
+            <pc:docMk/>
+            <pc:sldMk cId="3368743083" sldId="267"/>
+            <ac:spMk id="2" creationId="{7BB42814-5672-F7A2-EBF9-2B2F18C6B687}"/>
+          </ac:spMkLst>
+        </pc:spChg>
+        <pc:spChg chg="mod">
+          <ac:chgData name="Gastbenutzer" userId="S::urn:spo:anon#cab0b09d8722aafc91d3b6dc1087bd790aac18f504152c3258bcca8b8007c499::" providerId="AD" clId="Web-{36DC78D8-3A19-6402-211A-24D2010AA813}" dt="2024-06-10T14:39:12.236" v="27" actId="20577"/>
+          <ac:spMkLst>
+            <pc:docMk/>
+            <pc:sldMk cId="3368743083" sldId="267"/>
+            <ac:spMk id="3" creationId="{E769BEB7-02F4-DD74-5979-7AE5A01284BF}"/>
+          </ac:spMkLst>
+        </pc:spChg>
+      </pc:sldChg>
+      <pc:sldChg chg="addSp delSp modSp new">
+        <pc:chgData name="Gastbenutzer" userId="S::urn:spo:anon#cab0b09d8722aafc91d3b6dc1087bd790aac18f504152c3258bcca8b8007c499::" providerId="AD" clId="Web-{36DC78D8-3A19-6402-211A-24D2010AA813}" dt="2024-06-10T15:03:41.122" v="107" actId="14100"/>
+        <pc:sldMkLst>
+          <pc:docMk/>
+          <pc:sldMk cId="2439681817" sldId="268"/>
+        </pc:sldMkLst>
+        <pc:spChg chg="add del mod">
+          <ac:chgData name="Gastbenutzer" userId="S::urn:spo:anon#cab0b09d8722aafc91d3b6dc1087bd790aac18f504152c3258bcca8b8007c499::" providerId="AD" clId="Web-{36DC78D8-3A19-6402-211A-24D2010AA813}" dt="2024-06-10T14:38:28.889" v="24"/>
+          <ac:spMkLst>
+            <pc:docMk/>
+            <pc:sldMk cId="2439681817" sldId="268"/>
+            <ac:spMk id="2" creationId="{772150F2-165E-B101-0525-F324CF9073A3}"/>
+          </ac:spMkLst>
+        </pc:spChg>
+        <pc:spChg chg="del">
+          <ac:chgData name="Gastbenutzer" userId="S::urn:spo:anon#cab0b09d8722aafc91d3b6dc1087bd790aac18f504152c3258bcca8b8007c499::" providerId="AD" clId="Web-{36DC78D8-3A19-6402-211A-24D2010AA813}" dt="2024-06-10T14:37:27.025" v="17"/>
+          <ac:spMkLst>
+            <pc:docMk/>
+            <pc:sldMk cId="2439681817" sldId="268"/>
+            <ac:spMk id="3" creationId="{253F570C-4B59-C822-9C28-F5B1558CF1C0}"/>
+          </ac:spMkLst>
+        </pc:spChg>
+        <pc:spChg chg="add del mod">
+          <ac:chgData name="Gastbenutzer" userId="S::urn:spo:anon#cab0b09d8722aafc91d3b6dc1087bd790aac18f504152c3258bcca8b8007c499::" providerId="AD" clId="Web-{36DC78D8-3A19-6402-211A-24D2010AA813}" dt="2024-06-10T14:45:25.997" v="36"/>
+          <ac:spMkLst>
+            <pc:docMk/>
+            <pc:sldMk cId="2439681817" sldId="268"/>
+            <ac:spMk id="7" creationId="{0CF14695-4786-86CB-863A-AE53280EAA4F}"/>
+          </ac:spMkLst>
+        </pc:spChg>
+        <pc:picChg chg="add del mod ord">
+          <ac:chgData name="Gastbenutzer" userId="S::urn:spo:anon#cab0b09d8722aafc91d3b6dc1087bd790aac18f504152c3258bcca8b8007c499::" providerId="AD" clId="Web-{36DC78D8-3A19-6402-211A-24D2010AA813}" dt="2024-06-10T14:44:04.085" v="29"/>
+          <ac:picMkLst>
+            <pc:docMk/>
+            <pc:sldMk cId="2439681817" sldId="268"/>
+            <ac:picMk id="5" creationId="{D61CC96C-41B8-12D4-443B-8C5AD169932F}"/>
+          </ac:picMkLst>
+        </pc:picChg>
+        <pc:picChg chg="add del mod ord">
+          <ac:chgData name="Gastbenutzer" userId="S::urn:spo:anon#cab0b09d8722aafc91d3b6dc1087bd790aac18f504152c3258bcca8b8007c499::" providerId="AD" clId="Web-{36DC78D8-3A19-6402-211A-24D2010AA813}" dt="2024-06-10T14:53:14.733" v="58"/>
+          <ac:picMkLst>
+            <pc:docMk/>
+            <pc:sldMk cId="2439681817" sldId="268"/>
+            <ac:picMk id="8" creationId="{0E118D93-1B50-88F0-CFB6-63C43394E15F}"/>
+          </ac:picMkLst>
+        </pc:picChg>
+        <pc:picChg chg="add mod ord">
+          <ac:chgData name="Gastbenutzer" userId="S::urn:spo:anon#cab0b09d8722aafc91d3b6dc1087bd790aac18f504152c3258bcca8b8007c499::" providerId="AD" clId="Web-{36DC78D8-3A19-6402-211A-24D2010AA813}" dt="2024-06-10T15:03:41.122" v="107" actId="14100"/>
+          <ac:picMkLst>
+            <pc:docMk/>
+            <pc:sldMk cId="2439681817" sldId="268"/>
+            <ac:picMk id="9" creationId="{248DB389-DD1B-F888-BEDB-26AA079D39AF}"/>
+          </ac:picMkLst>
+        </pc:picChg>
+      </pc:sldChg>
+      <pc:sldChg chg="addSp delSp modSp new">
+        <pc:chgData name="Gastbenutzer" userId="S::urn:spo:anon#cab0b09d8722aafc91d3b6dc1087bd790aac18f504152c3258bcca8b8007c499::" providerId="AD" clId="Web-{36DC78D8-3A19-6402-211A-24D2010AA813}" dt="2024-06-10T15:04:18.749" v="114"/>
+        <pc:sldMkLst>
+          <pc:docMk/>
+          <pc:sldMk cId="3995468737" sldId="269"/>
+        </pc:sldMkLst>
+        <pc:spChg chg="del">
+          <ac:chgData name="Gastbenutzer" userId="S::urn:spo:anon#cab0b09d8722aafc91d3b6dc1087bd790aac18f504152c3258bcca8b8007c499::" providerId="AD" clId="Web-{36DC78D8-3A19-6402-211A-24D2010AA813}" dt="2024-06-10T14:55:09.804" v="68"/>
+          <ac:spMkLst>
+            <pc:docMk/>
+            <pc:sldMk cId="3995468737" sldId="269"/>
+            <ac:spMk id="2" creationId="{7795F561-B672-B89F-BC3B-B1C7FF466034}"/>
+          </ac:spMkLst>
+        </pc:spChg>
+        <pc:spChg chg="del">
+          <ac:chgData name="Gastbenutzer" userId="S::urn:spo:anon#cab0b09d8722aafc91d3b6dc1087bd790aac18f504152c3258bcca8b8007c499::" providerId="AD" clId="Web-{36DC78D8-3A19-6402-211A-24D2010AA813}" dt="2024-06-10T14:55:14.070" v="69"/>
+          <ac:spMkLst>
+            <pc:docMk/>
+            <pc:sldMk cId="3995468737" sldId="269"/>
+            <ac:spMk id="3" creationId="{B4A21DE1-C9ED-3B6D-E499-219B6EF78210}"/>
+          </ac:spMkLst>
+        </pc:spChg>
+        <pc:picChg chg="add del mod ord">
+          <ac:chgData name="Gastbenutzer" userId="S::urn:spo:anon#cab0b09d8722aafc91d3b6dc1087bd790aac18f504152c3258bcca8b8007c499::" providerId="AD" clId="Web-{36DC78D8-3A19-6402-211A-24D2010AA813}" dt="2024-06-10T14:59:06.915" v="74"/>
+          <ac:picMkLst>
+            <pc:docMk/>
+            <pc:sldMk cId="3995468737" sldId="269"/>
+            <ac:picMk id="5" creationId="{15CCB510-0F74-C4C9-5A85-8C1998467672}"/>
+          </ac:picMkLst>
+        </pc:picChg>
+        <pc:picChg chg="add del mod ord">
+          <ac:chgData name="Gastbenutzer" userId="S::urn:spo:anon#cab0b09d8722aafc91d3b6dc1087bd790aac18f504152c3258bcca8b8007c499::" providerId="AD" clId="Web-{36DC78D8-3A19-6402-211A-24D2010AA813}" dt="2024-06-10T15:03:48.263" v="108"/>
+          <ac:picMkLst>
+            <pc:docMk/>
+            <pc:sldMk cId="3995468737" sldId="269"/>
+            <ac:picMk id="6" creationId="{6ED039C4-B154-D2FB-1853-3A918C5844A7}"/>
+          </ac:picMkLst>
+        </pc:picChg>
+        <pc:picChg chg="add mod ord">
+          <ac:chgData name="Gastbenutzer" userId="S::urn:spo:anon#cab0b09d8722aafc91d3b6dc1087bd790aac18f504152c3258bcca8b8007c499::" providerId="AD" clId="Web-{36DC78D8-3A19-6402-211A-24D2010AA813}" dt="2024-06-10T15:04:18.749" v="114"/>
+          <ac:picMkLst>
+            <pc:docMk/>
+            <pc:sldMk cId="3995468737" sldId="269"/>
+            <ac:picMk id="7" creationId="{7B32D67D-5B01-CC0F-1990-A3C44288858C}"/>
+          </ac:picMkLst>
+        </pc:picChg>
+      </pc:sldChg>
+      <pc:sldChg chg="addSp delSp modSp new">
+        <pc:chgData name="Gastbenutzer" userId="S::urn:spo:anon#cab0b09d8722aafc91d3b6dc1087bd790aac18f504152c3258bcca8b8007c499::" providerId="AD" clId="Web-{36DC78D8-3A19-6402-211A-24D2010AA813}" dt="2024-06-10T15:01:05.689" v="97"/>
+        <pc:sldMkLst>
+          <pc:docMk/>
+          <pc:sldMk cId="1621874281" sldId="270"/>
+        </pc:sldMkLst>
+        <pc:spChg chg="del">
+          <ac:chgData name="Gastbenutzer" userId="S::urn:spo:anon#cab0b09d8722aafc91d3b6dc1087bd790aac18f504152c3258bcca8b8007c499::" providerId="AD" clId="Web-{36DC78D8-3A19-6402-211A-24D2010AA813}" dt="2024-06-10T15:00:36.327" v="88"/>
+          <ac:spMkLst>
+            <pc:docMk/>
+            <pc:sldMk cId="1621874281" sldId="270"/>
+            <ac:spMk id="2" creationId="{52305B62-B888-7558-8ABD-9A15D6CDC9C7}"/>
+          </ac:spMkLst>
+        </pc:spChg>
+        <pc:spChg chg="del mod">
+          <ac:chgData name="Gastbenutzer" userId="S::urn:spo:anon#cab0b09d8722aafc91d3b6dc1087bd790aac18f504152c3258bcca8b8007c499::" providerId="AD" clId="Web-{36DC78D8-3A19-6402-211A-24D2010AA813}" dt="2024-06-10T15:00:30.796" v="87"/>
+          <ac:spMkLst>
+            <pc:docMk/>
+            <pc:sldMk cId="1621874281" sldId="270"/>
+            <ac:spMk id="3" creationId="{0CBA7EB2-7562-2D34-618B-3364C553BEDA}"/>
+          </ac:spMkLst>
+        </pc:spChg>
+        <pc:picChg chg="add mod ord">
+          <ac:chgData name="Gastbenutzer" userId="S::urn:spo:anon#cab0b09d8722aafc91d3b6dc1087bd790aac18f504152c3258bcca8b8007c499::" providerId="AD" clId="Web-{36DC78D8-3A19-6402-211A-24D2010AA813}" dt="2024-06-10T15:01:05.689" v="97"/>
+          <ac:picMkLst>
+            <pc:docMk/>
+            <pc:sldMk cId="1621874281" sldId="270"/>
+            <ac:picMk id="5" creationId="{BEC97F0C-F97C-0CC1-5E93-CEEFC48BE0D9}"/>
+          </ac:picMkLst>
+        </pc:picChg>
+      </pc:sldChg>
+      <pc:sldChg chg="addSp delSp modSp new">
+        <pc:chgData name="Gastbenutzer" userId="S::urn:spo:anon#cab0b09d8722aafc91d3b6dc1087bd790aac18f504152c3258bcca8b8007c499::" providerId="AD" clId="Web-{36DC78D8-3A19-6402-211A-24D2010AA813}" dt="2024-06-10T15:07:02.792" v="134"/>
+        <pc:sldMkLst>
+          <pc:docMk/>
+          <pc:sldMk cId="466492134" sldId="271"/>
+        </pc:sldMkLst>
+        <pc:spChg chg="del">
+          <ac:chgData name="Gastbenutzer" userId="S::urn:spo:anon#cab0b09d8722aafc91d3b6dc1087bd790aac18f504152c3258bcca8b8007c499::" providerId="AD" clId="Web-{36DC78D8-3A19-6402-211A-24D2010AA813}" dt="2024-06-10T15:02:16.787" v="103"/>
+          <ac:spMkLst>
+            <pc:docMk/>
+            <pc:sldMk cId="466492134" sldId="271"/>
+            <ac:spMk id="2" creationId="{95880645-4E48-1B85-04CE-A9CF6CC285A5}"/>
+          </ac:spMkLst>
+        </pc:spChg>
+        <pc:spChg chg="del mod">
+          <ac:chgData name="Gastbenutzer" userId="S::urn:spo:anon#cab0b09d8722aafc91d3b6dc1087bd790aac18f504152c3258bcca8b8007c499::" providerId="AD" clId="Web-{36DC78D8-3A19-6402-211A-24D2010AA813}" dt="2024-06-10T15:02:22.382" v="105"/>
+          <ac:spMkLst>
+            <pc:docMk/>
+            <pc:sldMk cId="466492134" sldId="271"/>
+            <ac:spMk id="3" creationId="{4FD6CDA3-CEA4-3863-7538-14646CD5B508}"/>
+          </ac:spMkLst>
+        </pc:spChg>
+        <pc:picChg chg="add del mod">
+          <ac:chgData name="Gastbenutzer" userId="S::urn:spo:anon#cab0b09d8722aafc91d3b6dc1087bd790aac18f504152c3258bcca8b8007c499::" providerId="AD" clId="Web-{36DC78D8-3A19-6402-211A-24D2010AA813}" dt="2024-06-10T15:05:34.833" v="124"/>
+          <ac:picMkLst>
+            <pc:docMk/>
+            <pc:sldMk cId="466492134" sldId="271"/>
+            <ac:picMk id="5" creationId="{C6163335-800F-4AB7-5FF1-B844CF66853B}"/>
+          </ac:picMkLst>
+        </pc:picChg>
+        <pc:picChg chg="add del mod">
+          <ac:chgData name="Gastbenutzer" userId="S::urn:spo:anon#cab0b09d8722aafc91d3b6dc1087bd790aac18f504152c3258bcca8b8007c499::" providerId="AD" clId="Web-{36DC78D8-3A19-6402-211A-24D2010AA813}" dt="2024-06-10T15:05:18.941" v="122"/>
+          <ac:picMkLst>
+            <pc:docMk/>
+            <pc:sldMk cId="466492134" sldId="271"/>
+            <ac:picMk id="6" creationId="{0DD3447F-409D-9DA4-2A04-C656AF8ABE35}"/>
+          </ac:picMkLst>
+        </pc:picChg>
+        <pc:picChg chg="add del mod">
+          <ac:chgData name="Gastbenutzer" userId="S::urn:spo:anon#cab0b09d8722aafc91d3b6dc1087bd790aac18f504152c3258bcca8b8007c499::" providerId="AD" clId="Web-{36DC78D8-3A19-6402-211A-24D2010AA813}" dt="2024-06-10T15:06:12.382" v="127"/>
+          <ac:picMkLst>
+            <pc:docMk/>
+            <pc:sldMk cId="466492134" sldId="271"/>
+            <ac:picMk id="7" creationId="{A14D5BDE-0FBD-21D7-1D30-262C7906DBE3}"/>
+          </ac:picMkLst>
+        </pc:picChg>
+        <pc:picChg chg="add del mod">
+          <ac:chgData name="Gastbenutzer" userId="S::urn:spo:anon#cab0b09d8722aafc91d3b6dc1087bd790aac18f504152c3258bcca8b8007c499::" providerId="AD" clId="Web-{36DC78D8-3A19-6402-211A-24D2010AA813}" dt="2024-06-10T15:06:40.400" v="130"/>
+          <ac:picMkLst>
+            <pc:docMk/>
+            <pc:sldMk cId="466492134" sldId="271"/>
+            <ac:picMk id="8" creationId="{978690C6-74D6-FCA6-0EB8-3761F0A2F58F}"/>
+          </ac:picMkLst>
+        </pc:picChg>
+        <pc:picChg chg="add mod ord">
+          <ac:chgData name="Gastbenutzer" userId="S::urn:spo:anon#cab0b09d8722aafc91d3b6dc1087bd790aac18f504152c3258bcca8b8007c499::" providerId="AD" clId="Web-{36DC78D8-3A19-6402-211A-24D2010AA813}" dt="2024-06-10T15:07:02.792" v="134"/>
+          <ac:picMkLst>
+            <pc:docMk/>
+            <pc:sldMk cId="466492134" sldId="271"/>
+            <ac:picMk id="9" creationId="{0D194189-FFB6-A3F6-0991-DACAC3A06AA9}"/>
+          </ac:picMkLst>
+        </pc:picChg>
+      </pc:sldChg>
+      <pc:sldChg chg="addSp delSp modSp new">
+        <pc:chgData name="Gastbenutzer" userId="S::urn:spo:anon#cab0b09d8722aafc91d3b6dc1087bd790aac18f504152c3258bcca8b8007c499::" providerId="AD" clId="Web-{36DC78D8-3A19-6402-211A-24D2010AA813}" dt="2024-06-10T15:08:32.611" v="151"/>
+        <pc:sldMkLst>
+          <pc:docMk/>
+          <pc:sldMk cId="815536622" sldId="272"/>
+        </pc:sldMkLst>
+        <pc:spChg chg="del">
+          <ac:chgData name="Gastbenutzer" userId="S::urn:spo:anon#cab0b09d8722aafc91d3b6dc1087bd790aac18f504152c3258bcca8b8007c499::" providerId="AD" clId="Web-{36DC78D8-3A19-6402-211A-24D2010AA813}" dt="2024-06-10T15:07:09.746" v="136"/>
+          <ac:spMkLst>
+            <pc:docMk/>
+            <pc:sldMk cId="815536622" sldId="272"/>
+            <ac:spMk id="2" creationId="{FFAE840A-A887-2049-2171-C7A338DDE652}"/>
+          </ac:spMkLst>
+        </pc:spChg>
+        <pc:spChg chg="del">
+          <ac:chgData name="Gastbenutzer" userId="S::urn:spo:anon#cab0b09d8722aafc91d3b6dc1087bd790aac18f504152c3258bcca8b8007c499::" providerId="AD" clId="Web-{36DC78D8-3A19-6402-211A-24D2010AA813}" dt="2024-06-10T15:07:12.184" v="137"/>
+          <ac:spMkLst>
+            <pc:docMk/>
+            <pc:sldMk cId="815536622" sldId="272"/>
+            <ac:spMk id="3" creationId="{A74EFB66-E028-FD8C-97A9-FB216687DCEC}"/>
+          </ac:spMkLst>
+        </pc:spChg>
+        <pc:picChg chg="add mod ord">
+          <ac:chgData name="Gastbenutzer" userId="S::urn:spo:anon#cab0b09d8722aafc91d3b6dc1087bd790aac18f504152c3258bcca8b8007c499::" providerId="AD" clId="Web-{36DC78D8-3A19-6402-211A-24D2010AA813}" dt="2024-06-10T15:08:32.611" v="151"/>
+          <ac:picMkLst>
+            <pc:docMk/>
+            <pc:sldMk cId="815536622" sldId="272"/>
+            <ac:picMk id="5" creationId="{0D17F5D9-8A28-3016-4AA1-6C73C4BA80EB}"/>
+          </ac:picMkLst>
+        </pc:picChg>
+        <pc:picChg chg="add mod ord">
+          <ac:chgData name="Gastbenutzer" userId="S::urn:spo:anon#cab0b09d8722aafc91d3b6dc1087bd790aac18f504152c3258bcca8b8007c499::" providerId="AD" clId="Web-{36DC78D8-3A19-6402-211A-24D2010AA813}" dt="2024-06-10T15:08:29.361" v="150"/>
+          <ac:picMkLst>
+            <pc:docMk/>
+            <pc:sldMk cId="815536622" sldId="272"/>
+            <ac:picMk id="6" creationId="{89DF9B38-3A6F-BC95-F175-785CF5D6E62F}"/>
           </ac:picMkLst>
         </pc:picChg>
       </pc:sldChg>
@@ -818,7 +1517,7 @@
           <a:p>
             <a:fld id="{A65C15A1-A2F9-4CB9-92C2-B7D8E039DD61}" type="datetimeFigureOut">
               <a:rPr lang="en-US" smtClean="0"/>
-              <a:t>6/5/2024</a:t>
+              <a:t>6/10/2024</a:t>
             </a:fld>
             <a:endParaRPr lang="en-US"/>
           </a:p>
@@ -880,7 +1579,7 @@
           <a:p>
             <a:fld id="{6EC76C34-FA7A-48FF-865C-8ECF604905C8}" type="slidenum">
               <a:rPr lang="en-US" smtClean="0"/>
-              <a:t>‹#›</a:t>
+              <a:t>‹Nr.›</a:t>
             </a:fld>
             <a:endParaRPr lang="en-US"/>
           </a:p>
@@ -934,6 +1633,7 @@
   <p:clrMapOvr>
     <a:overrideClrMapping bg1="dk1" tx1="lt1" bg2="dk2" tx2="lt2" accent1="accent1" accent2="accent2" accent3="accent3" accent4="accent4" accent5="accent5" accent6="accent6" hlink="hlink" folHlink="folHlink"/>
   </p:clrMapOvr>
+  <p:hf hdr="0" ftr="0" dt="0"/>
 </p:sldLayout>
 </file>
 
@@ -1046,7 +1746,7 @@
           <a:p>
             <a:fld id="{A65C15A1-A2F9-4CB9-92C2-B7D8E039DD61}" type="datetimeFigureOut">
               <a:rPr lang="en-US" smtClean="0"/>
-              <a:t>6/5/2024</a:t>
+              <a:t>6/10/2024</a:t>
             </a:fld>
             <a:endParaRPr lang="en-US"/>
           </a:p>
@@ -1088,7 +1788,7 @@
           <a:p>
             <a:fld id="{6EC76C34-FA7A-48FF-865C-8ECF604905C8}" type="slidenum">
               <a:rPr lang="en-US" smtClean="0"/>
-              <a:t>‹#›</a:t>
+              <a:t>‹Nr.›</a:t>
             </a:fld>
             <a:endParaRPr lang="en-US"/>
           </a:p>
@@ -1104,6 +1804,7 @@
   <p:clrMapOvr>
     <a:masterClrMapping/>
   </p:clrMapOvr>
+  <p:hf hdr="0" ftr="0" dt="0"/>
 </p:sldLayout>
 </file>
 
@@ -1226,7 +1927,7 @@
           <a:p>
             <a:fld id="{A65C15A1-A2F9-4CB9-92C2-B7D8E039DD61}" type="datetimeFigureOut">
               <a:rPr lang="en-US" smtClean="0"/>
-              <a:t>6/5/2024</a:t>
+              <a:t>6/10/2024</a:t>
             </a:fld>
             <a:endParaRPr lang="en-US"/>
           </a:p>
@@ -1268,7 +1969,7 @@
           <a:p>
             <a:fld id="{6EC76C34-FA7A-48FF-865C-8ECF604905C8}" type="slidenum">
               <a:rPr lang="en-US" smtClean="0"/>
-              <a:t>‹#›</a:t>
+              <a:t>‹Nr.›</a:t>
             </a:fld>
             <a:endParaRPr lang="en-US"/>
           </a:p>
@@ -1284,6 +1985,7 @@
   <p:clrMapOvr>
     <a:masterClrMapping/>
   </p:clrMapOvr>
+  <p:hf hdr="0" ftr="0" dt="0"/>
 </p:sldLayout>
 </file>
 
@@ -1396,7 +2098,7 @@
           <a:p>
             <a:fld id="{A65C15A1-A2F9-4CB9-92C2-B7D8E039DD61}" type="datetimeFigureOut">
               <a:rPr lang="en-US" smtClean="0"/>
-              <a:t>6/5/2024</a:t>
+              <a:t>6/10/2024</a:t>
             </a:fld>
             <a:endParaRPr lang="en-US"/>
           </a:p>
@@ -1438,7 +2140,7 @@
           <a:p>
             <a:fld id="{6EC76C34-FA7A-48FF-865C-8ECF604905C8}" type="slidenum">
               <a:rPr lang="en-US" smtClean="0"/>
-              <a:t>‹#›</a:t>
+              <a:t>‹Nr.›</a:t>
             </a:fld>
             <a:endParaRPr lang="en-US"/>
           </a:p>
@@ -1454,6 +2156,7 @@
   <p:clrMapOvr>
     <a:masterClrMapping/>
   </p:clrMapOvr>
+  <p:hf hdr="0" ftr="0" dt="0"/>
 </p:sldLayout>
 </file>
 
@@ -1650,7 +2353,7 @@
           <a:p>
             <a:fld id="{A65C15A1-A2F9-4CB9-92C2-B7D8E039DD61}" type="datetimeFigureOut">
               <a:rPr lang="en-US" smtClean="0"/>
-              <a:t>6/5/2024</a:t>
+              <a:t>6/10/2024</a:t>
             </a:fld>
             <a:endParaRPr lang="en-US"/>
           </a:p>
@@ -1692,7 +2395,7 @@
           <a:p>
             <a:fld id="{6EC76C34-FA7A-48FF-865C-8ECF604905C8}" type="slidenum">
               <a:rPr lang="en-US" smtClean="0"/>
-              <a:t>‹#›</a:t>
+              <a:t>‹Nr.›</a:t>
             </a:fld>
             <a:endParaRPr lang="en-US"/>
           </a:p>
@@ -1746,6 +2449,7 @@
   <p:clrMapOvr>
     <a:masterClrMapping/>
   </p:clrMapOvr>
+  <p:hf hdr="0" ftr="0" dt="0"/>
 </p:sldLayout>
 </file>
 
@@ -1976,7 +2680,7 @@
           <a:p>
             <a:fld id="{A65C15A1-A2F9-4CB9-92C2-B7D8E039DD61}" type="datetimeFigureOut">
               <a:rPr lang="en-US" smtClean="0"/>
-              <a:t>6/5/2024</a:t>
+              <a:t>6/10/2024</a:t>
             </a:fld>
             <a:endParaRPr lang="en-US"/>
           </a:p>
@@ -2018,7 +2722,7 @@
           <a:p>
             <a:fld id="{6EC76C34-FA7A-48FF-865C-8ECF604905C8}" type="slidenum">
               <a:rPr lang="en-US" smtClean="0"/>
-              <a:t>‹#›</a:t>
+              <a:t>‹Nr.›</a:t>
             </a:fld>
             <a:endParaRPr lang="en-US"/>
           </a:p>
@@ -2034,6 +2738,7 @@
   <p:clrMapOvr>
     <a:masterClrMapping/>
   </p:clrMapOvr>
+  <p:hf hdr="0" ftr="0" dt="0"/>
 </p:sldLayout>
 </file>
 
@@ -2427,7 +3132,7 @@
           <a:p>
             <a:fld id="{A65C15A1-A2F9-4CB9-92C2-B7D8E039DD61}" type="datetimeFigureOut">
               <a:rPr lang="en-US" smtClean="0"/>
-              <a:t>6/5/2024</a:t>
+              <a:t>6/10/2024</a:t>
             </a:fld>
             <a:endParaRPr lang="en-US"/>
           </a:p>
@@ -2469,7 +3174,7 @@
           <a:p>
             <a:fld id="{6EC76C34-FA7A-48FF-865C-8ECF604905C8}" type="slidenum">
               <a:rPr lang="en-US" smtClean="0"/>
-              <a:t>‹#›</a:t>
+              <a:t>‹Nr.›</a:t>
             </a:fld>
             <a:endParaRPr lang="en-US"/>
           </a:p>
@@ -2485,6 +3190,7 @@
   <p:clrMapOvr>
     <a:masterClrMapping/>
   </p:clrMapOvr>
+  <p:hf hdr="0" ftr="0" dt="0"/>
 </p:sldLayout>
 </file>
 
@@ -2545,7 +3251,7 @@
           <a:p>
             <a:fld id="{A65C15A1-A2F9-4CB9-92C2-B7D8E039DD61}" type="datetimeFigureOut">
               <a:rPr lang="en-US" smtClean="0"/>
-              <a:t>6/5/2024</a:t>
+              <a:t>6/10/2024</a:t>
             </a:fld>
             <a:endParaRPr lang="en-US"/>
           </a:p>
@@ -2587,7 +3293,7 @@
           <a:p>
             <a:fld id="{6EC76C34-FA7A-48FF-865C-8ECF604905C8}" type="slidenum">
               <a:rPr lang="en-US" smtClean="0"/>
-              <a:t>‹#›</a:t>
+              <a:t>‹Nr.›</a:t>
             </a:fld>
             <a:endParaRPr lang="en-US"/>
           </a:p>
@@ -2603,6 +3309,7 @@
   <p:clrMapOvr>
     <a:masterClrMapping/>
   </p:clrMapOvr>
+  <p:hf hdr="0" ftr="0" dt="0"/>
 </p:sldLayout>
 </file>
 
@@ -2640,7 +3347,7 @@
           <a:p>
             <a:fld id="{A65C15A1-A2F9-4CB9-92C2-B7D8E039DD61}" type="datetimeFigureOut">
               <a:rPr lang="en-US" smtClean="0"/>
-              <a:t>6/5/2024</a:t>
+              <a:t>6/10/2024</a:t>
             </a:fld>
             <a:endParaRPr lang="en-US"/>
           </a:p>
@@ -2682,7 +3389,7 @@
           <a:p>
             <a:fld id="{6EC76C34-FA7A-48FF-865C-8ECF604905C8}" type="slidenum">
               <a:rPr lang="en-US" smtClean="0"/>
-              <a:t>‹#›</a:t>
+              <a:t>‹Nr.›</a:t>
             </a:fld>
             <a:endParaRPr lang="en-US"/>
           </a:p>
@@ -2698,6 +3405,7 @@
   <p:clrMapOvr>
     <a:masterClrMapping/>
   </p:clrMapOvr>
+  <p:hf hdr="0" ftr="0" dt="0"/>
 </p:sldLayout>
 </file>
 
@@ -2927,7 +3635,7 @@
           <a:p>
             <a:fld id="{A65C15A1-A2F9-4CB9-92C2-B7D8E039DD61}" type="datetimeFigureOut">
               <a:rPr lang="en-US" smtClean="0"/>
-              <a:t>6/5/2024</a:t>
+              <a:t>6/10/2024</a:t>
             </a:fld>
             <a:endParaRPr lang="en-US"/>
           </a:p>
@@ -2969,7 +3677,7 @@
           <a:p>
             <a:fld id="{6EC76C34-FA7A-48FF-865C-8ECF604905C8}" type="slidenum">
               <a:rPr lang="en-US" smtClean="0"/>
-              <a:t>‹#›</a:t>
+              <a:t>‹Nr.›</a:t>
             </a:fld>
             <a:endParaRPr lang="en-US"/>
           </a:p>
@@ -2985,6 +3693,7 @@
   <p:clrMapOvr>
     <a:masterClrMapping/>
   </p:clrMapOvr>
+  <p:hf hdr="0" ftr="0" dt="0"/>
 </p:sldLayout>
 </file>
 
@@ -3249,7 +3958,7 @@
           <a:p>
             <a:fld id="{A65C15A1-A2F9-4CB9-92C2-B7D8E039DD61}" type="datetimeFigureOut">
               <a:rPr lang="en-US" smtClean="0"/>
-              <a:t>6/5/2024</a:t>
+              <a:t>6/10/2024</a:t>
             </a:fld>
             <a:endParaRPr lang="en-US"/>
           </a:p>
@@ -3291,7 +4000,7 @@
           <a:p>
             <a:fld id="{6EC76C34-FA7A-48FF-865C-8ECF604905C8}" type="slidenum">
               <a:rPr lang="en-US" smtClean="0"/>
-              <a:t>‹#›</a:t>
+              <a:t>‹Nr.›</a:t>
             </a:fld>
             <a:endParaRPr lang="en-US"/>
           </a:p>
@@ -3307,6 +4016,7 @@
   <p:clrMapOvr>
     <a:masterClrMapping/>
   </p:clrMapOvr>
+  <p:hf hdr="0" ftr="0" dt="0"/>
 </p:sldLayout>
 </file>
 
@@ -3503,7 +4213,7 @@
           <a:p>
             <a:fld id="{A65C15A1-A2F9-4CB9-92C2-B7D8E039DD61}" type="datetimeFigureOut">
               <a:rPr lang="en-US" smtClean="0"/>
-              <a:t>6/5/2024</a:t>
+              <a:t>6/10/2024</a:t>
             </a:fld>
             <a:endParaRPr lang="en-US"/>
           </a:p>
@@ -3585,7 +4295,7 @@
           <a:p>
             <a:fld id="{6EC76C34-FA7A-48FF-865C-8ECF604905C8}" type="slidenum">
               <a:rPr lang="en-US" smtClean="0"/>
-              <a:t>‹#›</a:t>
+              <a:t>‹Nr.›</a:t>
             </a:fld>
             <a:endParaRPr lang="en-US"/>
           </a:p>
@@ -3612,6 +4322,7 @@
     <p:sldLayoutId id="2147483746" r:id="rId10"/>
     <p:sldLayoutId id="2147483747" r:id="rId11"/>
   </p:sldLayoutIdLst>
+  <p:hf hdr="0" ftr="0" dt="0"/>
   <p:txStyles>
     <p:titleStyle>
       <a:lvl1pPr algn="l" defTabSz="914400" rtl="0" eaLnBrk="1" latinLnBrk="0" hangingPunct="1">
@@ -4013,10 +4724,10 @@
           <a:lstStyle/>
           <a:p>
             <a:r>
-              <a:rPr lang="de-AT" sz="6000"/>
-              <a:t>Mensch Ärgere Dich Nicht</a:t>
-            </a:r>
-            <a:endParaRPr lang="en-US" sz="6000"/>
+              <a:rPr lang="de-AT" sz="6000" dirty="0"/>
+              <a:t>Mensch ärgere Dich nicht</a:t>
+            </a:r>
+            <a:endParaRPr lang="en-US" sz="6000" dirty="0"/>
           </a:p>
         </p:txBody>
       </p:sp>
@@ -4056,6 +4767,35 @@
               <a:t> und Samuel Haslinger</a:t>
             </a:r>
             <a:endParaRPr lang="en-US"/>
+          </a:p>
+        </p:txBody>
+      </p:sp>
+      <p:sp>
+        <p:nvSpPr>
+          <p:cNvPr id="4" name="Foliennummernplatzhalter 3">
+            <a:extLst>
+              <a:ext uri="{FF2B5EF4-FFF2-40B4-BE49-F238E27FC236}">
+                <a16:creationId xmlns:a16="http://schemas.microsoft.com/office/drawing/2014/main" id="{68B9F75E-9478-2FD1-40A9-C275A7FEBCAC}"/>
+              </a:ext>
+            </a:extLst>
+          </p:cNvPr>
+          <p:cNvSpPr>
+            <a:spLocks noGrp="1"/>
+          </p:cNvSpPr>
+          <p:nvPr>
+            <p:ph type="sldNum" sz="quarter" idx="12"/>
+          </p:nvPr>
+        </p:nvSpPr>
+        <p:spPr/>
+        <p:txBody>
+          <a:bodyPr/>
+          <a:lstStyle/>
+          <a:p>
+            <a:fld id="{6EC76C34-FA7A-48FF-865C-8ECF604905C8}" type="slidenum">
+              <a:rPr lang="en-US" smtClean="0"/>
+              <a:t>1</a:t>
+            </a:fld>
+            <a:endParaRPr lang="de-DE"/>
           </a:p>
         </p:txBody>
       </p:sp>
@@ -4089,6 +4829,829 @@
           <a:chExt cx="0" cy="0"/>
         </a:xfrm>
       </p:grpSpPr>
+      <p:pic>
+        <p:nvPicPr>
+          <p:cNvPr id="9" name="Grafik 8" descr="Ein Bild, das Text, Screenshot, Schrift, Diagramm enthält.&#10;&#10;Beschreibung automatisch generiert.">
+            <a:extLst>
+              <a:ext uri="{FF2B5EF4-FFF2-40B4-BE49-F238E27FC236}">
+                <a16:creationId xmlns:a16="http://schemas.microsoft.com/office/drawing/2014/main" id="{0D194189-FFB6-A3F6-0991-DACAC3A06AA9}"/>
+              </a:ext>
+            </a:extLst>
+          </p:cNvPr>
+          <p:cNvPicPr>
+            <a:picLocks noChangeAspect="1"/>
+          </p:cNvPicPr>
+          <p:nvPr/>
+        </p:nvPicPr>
+        <p:blipFill>
+          <a:blip r:embed="rId2"/>
+          <a:stretch>
+            <a:fillRect/>
+          </a:stretch>
+        </p:blipFill>
+        <p:spPr>
+          <a:xfrm>
+            <a:off x="1946" y="0"/>
+            <a:ext cx="12192538" cy="6858000"/>
+          </a:xfrm>
+          <a:prstGeom prst="rect">
+            <a:avLst/>
+          </a:prstGeom>
+        </p:spPr>
+      </p:pic>
+      <p:sp>
+        <p:nvSpPr>
+          <p:cNvPr id="4" name="Foliennummernplatzhalter 3">
+            <a:extLst>
+              <a:ext uri="{FF2B5EF4-FFF2-40B4-BE49-F238E27FC236}">
+                <a16:creationId xmlns:a16="http://schemas.microsoft.com/office/drawing/2014/main" id="{0959C9B0-DE69-DAC1-7F22-6044DE85D2A1}"/>
+              </a:ext>
+            </a:extLst>
+          </p:cNvPr>
+          <p:cNvSpPr>
+            <a:spLocks noGrp="1"/>
+          </p:cNvSpPr>
+          <p:nvPr>
+            <p:ph type="sldNum" sz="quarter" idx="12"/>
+          </p:nvPr>
+        </p:nvSpPr>
+        <p:spPr/>
+        <p:txBody>
+          <a:bodyPr/>
+          <a:lstStyle/>
+          <a:p>
+            <a:fld id="{6EC76C34-FA7A-48FF-865C-8ECF604905C8}" type="slidenum">
+              <a:rPr lang="en-US" smtClean="0"/>
+              <a:t>10</a:t>
+            </a:fld>
+            <a:endParaRPr lang="en-US"/>
+          </a:p>
+        </p:txBody>
+      </p:sp>
+    </p:spTree>
+    <p:extLst>
+      <p:ext uri="{BB962C8B-B14F-4D97-AF65-F5344CB8AC3E}">
+        <p14:creationId xmlns:p14="http://schemas.microsoft.com/office/powerpoint/2010/main" val="466492134"/>
+      </p:ext>
+    </p:extLst>
+  </p:cSld>
+  <p:clrMapOvr>
+    <a:masterClrMapping/>
+  </p:clrMapOvr>
+</p:sld>
+</file>
+
+<file path=ppt/slides/slide11.xml><?xml version="1.0" encoding="utf-8"?>
+<p:sld xmlns:a="http://schemas.openxmlformats.org/drawingml/2006/main" xmlns:r="http://schemas.openxmlformats.org/officeDocument/2006/relationships" xmlns:p="http://schemas.openxmlformats.org/presentationml/2006/main">
+  <p:cSld>
+    <p:spTree>
+      <p:nvGrpSpPr>
+        <p:cNvPr id="1" name=""/>
+        <p:cNvGrpSpPr/>
+        <p:nvPr/>
+      </p:nvGrpSpPr>
+      <p:grpSpPr>
+        <a:xfrm>
+          <a:off x="0" y="0"/>
+          <a:ext cx="0" cy="0"/>
+          <a:chOff x="0" y="0"/>
+          <a:chExt cx="0" cy="0"/>
+        </a:xfrm>
+      </p:grpSpPr>
+      <p:pic>
+        <p:nvPicPr>
+          <p:cNvPr id="5" name="Grafik 4" descr="Ein Bild, das Text, Screenshot, Diagramm, Schrift enthält.&#10;&#10;Beschreibung automatisch generiert.">
+            <a:extLst>
+              <a:ext uri="{FF2B5EF4-FFF2-40B4-BE49-F238E27FC236}">
+                <a16:creationId xmlns:a16="http://schemas.microsoft.com/office/drawing/2014/main" id="{0D17F5D9-8A28-3016-4AA1-6C73C4BA80EB}"/>
+              </a:ext>
+            </a:extLst>
+          </p:cNvPr>
+          <p:cNvPicPr>
+            <a:picLocks noChangeAspect="1"/>
+          </p:cNvPicPr>
+          <p:nvPr/>
+        </p:nvPicPr>
+        <p:blipFill>
+          <a:blip r:embed="rId2"/>
+          <a:stretch>
+            <a:fillRect/>
+          </a:stretch>
+        </p:blipFill>
+        <p:spPr>
+          <a:xfrm>
+            <a:off x="8861" y="2103"/>
+            <a:ext cx="12192000" cy="4758294"/>
+          </a:xfrm>
+          <a:prstGeom prst="rect">
+            <a:avLst/>
+          </a:prstGeom>
+        </p:spPr>
+      </p:pic>
+      <p:pic>
+        <p:nvPicPr>
+          <p:cNvPr id="6" name="Grafik 5" descr="Ein Bild, das weiß, Design enthält.&#10;&#10;Beschreibung automatisch generiert.">
+            <a:extLst>
+              <a:ext uri="{FF2B5EF4-FFF2-40B4-BE49-F238E27FC236}">
+                <a16:creationId xmlns:a16="http://schemas.microsoft.com/office/drawing/2014/main" id="{89DF9B38-3A6F-BC95-F175-785CF5D6E62F}"/>
+              </a:ext>
+            </a:extLst>
+          </p:cNvPr>
+          <p:cNvPicPr>
+            <a:picLocks noChangeAspect="1"/>
+          </p:cNvPicPr>
+          <p:nvPr/>
+        </p:nvPicPr>
+        <p:blipFill>
+          <a:blip r:embed="rId3"/>
+          <a:stretch>
+            <a:fillRect/>
+          </a:stretch>
+        </p:blipFill>
+        <p:spPr>
+          <a:xfrm>
+            <a:off x="3323" y="4614973"/>
+            <a:ext cx="12207506" cy="2257646"/>
+          </a:xfrm>
+          <a:prstGeom prst="rect">
+            <a:avLst/>
+          </a:prstGeom>
+        </p:spPr>
+      </p:pic>
+      <p:sp>
+        <p:nvSpPr>
+          <p:cNvPr id="4" name="Foliennummernplatzhalter 3">
+            <a:extLst>
+              <a:ext uri="{FF2B5EF4-FFF2-40B4-BE49-F238E27FC236}">
+                <a16:creationId xmlns:a16="http://schemas.microsoft.com/office/drawing/2014/main" id="{C5A5D70C-57E1-D447-B264-9B480AA6EE4A}"/>
+              </a:ext>
+            </a:extLst>
+          </p:cNvPr>
+          <p:cNvSpPr>
+            <a:spLocks noGrp="1"/>
+          </p:cNvSpPr>
+          <p:nvPr>
+            <p:ph type="sldNum" sz="quarter" idx="12"/>
+          </p:nvPr>
+        </p:nvSpPr>
+        <p:spPr/>
+        <p:txBody>
+          <a:bodyPr/>
+          <a:lstStyle/>
+          <a:p>
+            <a:fld id="{6EC76C34-FA7A-48FF-865C-8ECF604905C8}" type="slidenum">
+              <a:rPr lang="en-US" smtClean="0"/>
+              <a:t>11</a:t>
+            </a:fld>
+            <a:endParaRPr lang="en-US"/>
+          </a:p>
+        </p:txBody>
+      </p:sp>
+    </p:spTree>
+    <p:extLst>
+      <p:ext uri="{BB962C8B-B14F-4D97-AF65-F5344CB8AC3E}">
+        <p14:creationId xmlns:p14="http://schemas.microsoft.com/office/powerpoint/2010/main" val="815536622"/>
+      </p:ext>
+    </p:extLst>
+  </p:cSld>
+  <p:clrMapOvr>
+    <a:masterClrMapping/>
+  </p:clrMapOvr>
+</p:sld>
+</file>
+
+<file path=ppt/slides/slide12.xml><?xml version="1.0" encoding="utf-8"?>
+<p:sld xmlns:a="http://schemas.openxmlformats.org/drawingml/2006/main" xmlns:r="http://schemas.openxmlformats.org/officeDocument/2006/relationships" xmlns:p="http://schemas.openxmlformats.org/presentationml/2006/main">
+  <p:cSld>
+    <p:spTree>
+      <p:nvGrpSpPr>
+        <p:cNvPr id="1" name=""/>
+        <p:cNvGrpSpPr/>
+        <p:nvPr/>
+      </p:nvGrpSpPr>
+      <p:grpSpPr>
+        <a:xfrm>
+          <a:off x="0" y="0"/>
+          <a:ext cx="0" cy="0"/>
+          <a:chOff x="0" y="0"/>
+          <a:chExt cx="0" cy="0"/>
+        </a:xfrm>
+      </p:grpSpPr>
+      <p:sp>
+        <p:nvSpPr>
+          <p:cNvPr id="2" name="Titel 1">
+            <a:extLst>
+              <a:ext uri="{FF2B5EF4-FFF2-40B4-BE49-F238E27FC236}">
+                <a16:creationId xmlns:a16="http://schemas.microsoft.com/office/drawing/2014/main" id="{120227E1-EC10-0073-4FB5-B5266F890AFB}"/>
+              </a:ext>
+            </a:extLst>
+          </p:cNvPr>
+          <p:cNvSpPr>
+            <a:spLocks noGrp="1"/>
+          </p:cNvSpPr>
+          <p:nvPr>
+            <p:ph type="title"/>
+          </p:nvPr>
+        </p:nvSpPr>
+        <p:spPr/>
+        <p:txBody>
+          <a:bodyPr/>
+          <a:lstStyle/>
+          <a:p>
+            <a:r>
+              <a:rPr lang="de-AT"/>
+              <a:t>Coding</a:t>
+            </a:r>
+            <a:endParaRPr lang="en-US"/>
+          </a:p>
+        </p:txBody>
+      </p:sp>
+      <p:sp>
+        <p:nvSpPr>
+          <p:cNvPr id="3" name="Inhaltsplatzhalter 2">
+            <a:extLst>
+              <a:ext uri="{FF2B5EF4-FFF2-40B4-BE49-F238E27FC236}">
+                <a16:creationId xmlns:a16="http://schemas.microsoft.com/office/drawing/2014/main" id="{21FFF8EF-AD80-19BA-F72A-DEC1ACA36782}"/>
+              </a:ext>
+            </a:extLst>
+          </p:cNvPr>
+          <p:cNvSpPr>
+            <a:spLocks noGrp="1"/>
+          </p:cNvSpPr>
+          <p:nvPr>
+            <p:ph idx="1"/>
+          </p:nvPr>
+        </p:nvSpPr>
+        <p:spPr/>
+        <p:txBody>
+          <a:bodyPr vert="horz" lIns="91440" tIns="45720" rIns="91440" bIns="45720" rtlCol="0" anchor="t">
+            <a:normAutofit/>
+          </a:bodyPr>
+          <a:lstStyle/>
+          <a:p>
+            <a:r>
+              <a:rPr lang="de-AT" dirty="0"/>
+              <a:t>Julian</a:t>
+            </a:r>
+          </a:p>
+          <a:p>
+            <a:pPr lvl="1"/>
+            <a:r>
+              <a:rPr lang="de-AT" dirty="0" err="1">
+                <a:sym typeface="Wingdings" panose="05000000000000000000" pitchFamily="2" charset="2"/>
+              </a:rPr>
+              <a:t>Exception</a:t>
+            </a:r>
+            <a:r>
+              <a:rPr lang="de-AT" dirty="0">
+                <a:sym typeface="Wingdings" panose="05000000000000000000" pitchFamily="2" charset="2"/>
+              </a:rPr>
+              <a:t> Handling(eigene </a:t>
+            </a:r>
+            <a:r>
+              <a:rPr lang="de-AT" dirty="0" err="1">
+                <a:sym typeface="Wingdings" panose="05000000000000000000" pitchFamily="2" charset="2"/>
+              </a:rPr>
+              <a:t>Exceptions</a:t>
+            </a:r>
+            <a:r>
+              <a:rPr lang="de-AT" dirty="0">
+                <a:sym typeface="Wingdings" panose="05000000000000000000" pitchFamily="2" charset="2"/>
+              </a:rPr>
+              <a:t> + </a:t>
+            </a:r>
+            <a:r>
+              <a:rPr lang="de-AT" dirty="0" err="1">
+                <a:sym typeface="Wingdings" panose="05000000000000000000" pitchFamily="2" charset="2"/>
+              </a:rPr>
+              <a:t>vorhande</a:t>
+            </a:r>
+            <a:r>
+              <a:rPr lang="de-AT" dirty="0">
+                <a:sym typeface="Wingdings" panose="05000000000000000000" pitchFamily="2" charset="2"/>
+              </a:rPr>
+              <a:t> </a:t>
+            </a:r>
+            <a:r>
+              <a:rPr lang="de-AT" dirty="0" err="1">
+                <a:sym typeface="Wingdings" panose="05000000000000000000" pitchFamily="2" charset="2"/>
+              </a:rPr>
+              <a:t>Exceptions</a:t>
+            </a:r>
+            <a:r>
+              <a:rPr lang="de-AT" dirty="0">
+                <a:sym typeface="Wingdings" panose="05000000000000000000" pitchFamily="2" charset="2"/>
+              </a:rPr>
+              <a:t>)</a:t>
+            </a:r>
+            <a:endParaRPr lang="de-AT" dirty="0"/>
+          </a:p>
+          <a:p>
+            <a:pPr lvl="1"/>
+            <a:r>
+              <a:rPr lang="de-AT" dirty="0">
+                <a:sym typeface="Wingdings" panose="05000000000000000000" pitchFamily="2" charset="2"/>
+              </a:rPr>
+              <a:t>Bot(Zug Algorithmus)</a:t>
+            </a:r>
+            <a:endParaRPr lang="de-AT" dirty="0"/>
+          </a:p>
+          <a:p>
+            <a:pPr lvl="1"/>
+            <a:r>
+              <a:rPr lang="de-AT" dirty="0"/>
+              <a:t>Anmeldung</a:t>
+            </a:r>
+            <a:endParaRPr lang="de-AT" dirty="0">
+              <a:sym typeface="Wingdings" panose="05000000000000000000" pitchFamily="2" charset="2"/>
+            </a:endParaRPr>
+          </a:p>
+          <a:p>
+            <a:pPr lvl="1"/>
+            <a:r>
+              <a:rPr lang="de-AT" b="1" u="sng" dirty="0">
+                <a:sym typeface="Wingdings" panose="05000000000000000000" pitchFamily="2" charset="2"/>
+              </a:rPr>
+              <a:t>Ausgabe</a:t>
+            </a:r>
+            <a:endParaRPr lang="de-AT" b="1" u="sng" dirty="0"/>
+          </a:p>
+          <a:p>
+            <a:pPr lvl="1"/>
+            <a:r>
+              <a:rPr lang="de-AT" b="1" u="sng" dirty="0" err="1">
+                <a:solidFill>
+                  <a:schemeClr val="tx1"/>
+                </a:solidFill>
+                <a:sym typeface="Wingdings" panose="05000000000000000000" pitchFamily="2" charset="2"/>
+              </a:rPr>
+              <a:t>Wuerfel</a:t>
+            </a:r>
+            <a:r>
+              <a:rPr lang="de-AT" b="1" u="sng" dirty="0">
+                <a:sym typeface="Wingdings" panose="05000000000000000000" pitchFamily="2" charset="2"/>
+              </a:rPr>
+              <a:t> und Auswahlmethode betriebsfähig gemacht(Viele Überprüfungen, ob die Figur ziehen darf; Gewinnüberprüfung)</a:t>
+            </a:r>
+            <a:endParaRPr lang="de-AT" dirty="0">
+              <a:sym typeface="Wingdings" panose="05000000000000000000" pitchFamily="2" charset="2"/>
+            </a:endParaRPr>
+          </a:p>
+          <a:p>
+            <a:r>
+              <a:rPr lang="de-AT" dirty="0">
+                <a:sym typeface="Wingdings" panose="05000000000000000000" pitchFamily="2" charset="2"/>
+              </a:rPr>
+              <a:t>Samuel </a:t>
+            </a:r>
+            <a:endParaRPr lang="de-AT" dirty="0"/>
+          </a:p>
+          <a:p>
+            <a:pPr lvl="1"/>
+            <a:r>
+              <a:rPr lang="de-AT" dirty="0">
+                <a:sym typeface="Wingdings" panose="05000000000000000000" pitchFamily="2" charset="2"/>
+              </a:rPr>
+              <a:t> Anfang der </a:t>
+            </a:r>
+            <a:r>
+              <a:rPr lang="de-AT" dirty="0" err="1">
+                <a:sym typeface="Wingdings" panose="05000000000000000000" pitchFamily="2" charset="2"/>
+              </a:rPr>
+              <a:t>Wuerfel</a:t>
+            </a:r>
+            <a:r>
+              <a:rPr lang="de-AT" dirty="0">
+                <a:sym typeface="Wingdings" panose="05000000000000000000" pitchFamily="2" charset="2"/>
+              </a:rPr>
+              <a:t>- und Auswahlmethode</a:t>
+            </a:r>
+            <a:endParaRPr lang="de-AT" dirty="0"/>
+          </a:p>
+          <a:p>
+            <a:pPr lvl="1"/>
+            <a:r>
+              <a:rPr lang="en-US" dirty="0" err="1"/>
+              <a:t>Einleitung</a:t>
+            </a:r>
+            <a:r>
+              <a:rPr lang="en-US" dirty="0"/>
+              <a:t> ins Spiel</a:t>
+            </a:r>
+          </a:p>
+          <a:p>
+            <a:pPr lvl="1"/>
+            <a:r>
+              <a:rPr lang="en-US" dirty="0" err="1"/>
+              <a:t>Erstellung</a:t>
+            </a:r>
+            <a:r>
+              <a:rPr lang="en-US" dirty="0"/>
+              <a:t> der </a:t>
+            </a:r>
+            <a:r>
+              <a:rPr lang="en-US" dirty="0" err="1"/>
+              <a:t>Spielfiguren</a:t>
+            </a:r>
+            <a:r>
+              <a:rPr lang="en-US" dirty="0"/>
+              <a:t>, Häuser, etc.</a:t>
+            </a:r>
+          </a:p>
+          <a:p>
+            <a:pPr lvl="1"/>
+            <a:r>
+              <a:rPr lang="en-US" b="1" u="sng" dirty="0" err="1"/>
+              <a:t>Speicherung</a:t>
+            </a:r>
+            <a:r>
+              <a:rPr lang="en-US" b="1" u="sng" dirty="0"/>
+              <a:t> des Spiels</a:t>
+            </a:r>
+          </a:p>
+          <a:p>
+            <a:pPr lvl="1"/>
+            <a:r>
+              <a:rPr lang="en-US" b="1" u="sng" dirty="0" err="1"/>
+              <a:t>Speicherung</a:t>
+            </a:r>
+            <a:r>
+              <a:rPr lang="en-US" b="1" u="sng" dirty="0"/>
+              <a:t> der Spieler</a:t>
+            </a:r>
+          </a:p>
+        </p:txBody>
+      </p:sp>
+      <p:sp>
+        <p:nvSpPr>
+          <p:cNvPr id="4" name="Foliennummernplatzhalter 3">
+            <a:extLst>
+              <a:ext uri="{FF2B5EF4-FFF2-40B4-BE49-F238E27FC236}">
+                <a16:creationId xmlns:a16="http://schemas.microsoft.com/office/drawing/2014/main" id="{086CE38C-7CEF-5DB6-F9DE-D56CA2757212}"/>
+              </a:ext>
+            </a:extLst>
+          </p:cNvPr>
+          <p:cNvSpPr>
+            <a:spLocks noGrp="1"/>
+          </p:cNvSpPr>
+          <p:nvPr>
+            <p:ph type="sldNum" sz="quarter" idx="12"/>
+          </p:nvPr>
+        </p:nvSpPr>
+        <p:spPr/>
+        <p:txBody>
+          <a:bodyPr/>
+          <a:lstStyle/>
+          <a:p>
+            <a:fld id="{6EC76C34-FA7A-48FF-865C-8ECF604905C8}" type="slidenum">
+              <a:rPr lang="en-US" smtClean="0"/>
+              <a:t>12</a:t>
+            </a:fld>
+            <a:endParaRPr lang="de-DE"/>
+          </a:p>
+        </p:txBody>
+      </p:sp>
+    </p:spTree>
+    <p:extLst>
+      <p:ext uri="{BB962C8B-B14F-4D97-AF65-F5344CB8AC3E}">
+        <p14:creationId xmlns:p14="http://schemas.microsoft.com/office/powerpoint/2010/main" val="3855528893"/>
+      </p:ext>
+    </p:extLst>
+  </p:cSld>
+  <p:clrMapOvr>
+    <a:masterClrMapping/>
+  </p:clrMapOvr>
+</p:sld>
+</file>
+
+<file path=ppt/slides/slide13.xml><?xml version="1.0" encoding="utf-8"?>
+<p:sld xmlns:a="http://schemas.openxmlformats.org/drawingml/2006/main" xmlns:r="http://schemas.openxmlformats.org/officeDocument/2006/relationships" xmlns:p="http://schemas.openxmlformats.org/presentationml/2006/main">
+  <p:cSld>
+    <p:spTree>
+      <p:nvGrpSpPr>
+        <p:cNvPr id="1" name=""/>
+        <p:cNvGrpSpPr/>
+        <p:nvPr/>
+      </p:nvGrpSpPr>
+      <p:grpSpPr>
+        <a:xfrm>
+          <a:off x="0" y="0"/>
+          <a:ext cx="0" cy="0"/>
+          <a:chOff x="0" y="0"/>
+          <a:chExt cx="0" cy="0"/>
+        </a:xfrm>
+      </p:grpSpPr>
+      <p:sp>
+        <p:nvSpPr>
+          <p:cNvPr id="2" name="Titel 1">
+            <a:extLst>
+              <a:ext uri="{FF2B5EF4-FFF2-40B4-BE49-F238E27FC236}">
+                <a16:creationId xmlns:a16="http://schemas.microsoft.com/office/drawing/2014/main" id="{7494A230-990E-91C6-1260-37116A153A8C}"/>
+              </a:ext>
+            </a:extLst>
+          </p:cNvPr>
+          <p:cNvSpPr>
+            <a:spLocks noGrp="1"/>
+          </p:cNvSpPr>
+          <p:nvPr>
+            <p:ph type="title"/>
+          </p:nvPr>
+        </p:nvSpPr>
+        <p:spPr/>
+        <p:txBody>
+          <a:bodyPr/>
+          <a:lstStyle/>
+          <a:p>
+            <a:r>
+              <a:rPr lang="de-AT"/>
+              <a:t>Interessante Codeausschnitte + Probleme</a:t>
+            </a:r>
+            <a:endParaRPr lang="en-US"/>
+          </a:p>
+        </p:txBody>
+      </p:sp>
+      <p:sp>
+        <p:nvSpPr>
+          <p:cNvPr id="3" name="Inhaltsplatzhalter 2">
+            <a:extLst>
+              <a:ext uri="{FF2B5EF4-FFF2-40B4-BE49-F238E27FC236}">
+                <a16:creationId xmlns:a16="http://schemas.microsoft.com/office/drawing/2014/main" id="{6BF42EBC-5E68-5FB9-25AA-1AEFC6DAB116}"/>
+              </a:ext>
+            </a:extLst>
+          </p:cNvPr>
+          <p:cNvSpPr>
+            <a:spLocks noGrp="1"/>
+          </p:cNvSpPr>
+          <p:nvPr>
+            <p:ph idx="1"/>
+          </p:nvPr>
+        </p:nvSpPr>
+        <p:spPr/>
+        <p:txBody>
+          <a:bodyPr vert="horz" lIns="91440" tIns="45720" rIns="91440" bIns="45720" rtlCol="0" anchor="t">
+            <a:normAutofit/>
+          </a:bodyPr>
+          <a:lstStyle/>
+          <a:p>
+            <a:r>
+              <a:rPr lang="de-AT" err="1"/>
+              <a:t>auswaehlen</a:t>
+            </a:r>
+            <a:r>
+              <a:rPr lang="de-AT"/>
+              <a:t> Funktion + Print</a:t>
+            </a:r>
+          </a:p>
+          <a:p>
+            <a:r>
+              <a:rPr lang="de-AT"/>
+              <a:t>Erstellung der Spieler, Bots usw. + Speicherung der Siege</a:t>
+            </a:r>
+          </a:p>
+          <a:p>
+            <a:endParaRPr lang="de-AT"/>
+          </a:p>
+          <a:p>
+            <a:r>
+              <a:rPr lang="de-AT"/>
+              <a:t>Probleme: Speicherung / Aktualisierung der Save Files</a:t>
+            </a:r>
+          </a:p>
+          <a:p>
+            <a:endParaRPr lang="en-US"/>
+          </a:p>
+        </p:txBody>
+      </p:sp>
+      <p:sp>
+        <p:nvSpPr>
+          <p:cNvPr id="4" name="Foliennummernplatzhalter 3">
+            <a:extLst>
+              <a:ext uri="{FF2B5EF4-FFF2-40B4-BE49-F238E27FC236}">
+                <a16:creationId xmlns:a16="http://schemas.microsoft.com/office/drawing/2014/main" id="{46CC268B-2CBD-6F91-406B-63DC086A4330}"/>
+              </a:ext>
+            </a:extLst>
+          </p:cNvPr>
+          <p:cNvSpPr>
+            <a:spLocks noGrp="1"/>
+          </p:cNvSpPr>
+          <p:nvPr>
+            <p:ph type="sldNum" sz="quarter" idx="12"/>
+          </p:nvPr>
+        </p:nvSpPr>
+        <p:spPr/>
+        <p:txBody>
+          <a:bodyPr/>
+          <a:lstStyle/>
+          <a:p>
+            <a:fld id="{6EC76C34-FA7A-48FF-865C-8ECF604905C8}" type="slidenum">
+              <a:rPr lang="en-US" smtClean="0"/>
+              <a:t>13</a:t>
+            </a:fld>
+            <a:endParaRPr lang="de-DE"/>
+          </a:p>
+        </p:txBody>
+      </p:sp>
+    </p:spTree>
+    <p:extLst>
+      <p:ext uri="{BB962C8B-B14F-4D97-AF65-F5344CB8AC3E}">
+        <p14:creationId xmlns:p14="http://schemas.microsoft.com/office/powerpoint/2010/main" val="2830231666"/>
+      </p:ext>
+    </p:extLst>
+  </p:cSld>
+  <p:clrMapOvr>
+    <a:masterClrMapping/>
+  </p:clrMapOvr>
+</p:sld>
+</file>
+
+<file path=ppt/slides/slide14.xml><?xml version="1.0" encoding="utf-8"?>
+<p:sld xmlns:a="http://schemas.openxmlformats.org/drawingml/2006/main" xmlns:r="http://schemas.openxmlformats.org/officeDocument/2006/relationships" xmlns:p="http://schemas.openxmlformats.org/presentationml/2006/main">
+  <p:cSld>
+    <p:spTree>
+      <p:nvGrpSpPr>
+        <p:cNvPr id="1" name=""/>
+        <p:cNvGrpSpPr/>
+        <p:nvPr/>
+      </p:nvGrpSpPr>
+      <p:grpSpPr>
+        <a:xfrm>
+          <a:off x="0" y="0"/>
+          <a:ext cx="0" cy="0"/>
+          <a:chOff x="0" y="0"/>
+          <a:chExt cx="0" cy="0"/>
+        </a:xfrm>
+      </p:grpSpPr>
+      <p:sp>
+        <p:nvSpPr>
+          <p:cNvPr id="2" name="Titel 1">
+            <a:extLst>
+              <a:ext uri="{FF2B5EF4-FFF2-40B4-BE49-F238E27FC236}">
+                <a16:creationId xmlns:a16="http://schemas.microsoft.com/office/drawing/2014/main" id="{0E77063A-D783-E4B9-AB5B-C68CD6731980}"/>
+              </a:ext>
+            </a:extLst>
+          </p:cNvPr>
+          <p:cNvSpPr>
+            <a:spLocks noGrp="1"/>
+          </p:cNvSpPr>
+          <p:nvPr>
+            <p:ph type="title"/>
+          </p:nvPr>
+        </p:nvSpPr>
+        <p:spPr/>
+        <p:txBody>
+          <a:bodyPr/>
+          <a:lstStyle/>
+          <a:p>
+            <a:r>
+              <a:rPr lang="de-AT"/>
+              <a:t>Kriterien</a:t>
+            </a:r>
+            <a:endParaRPr lang="en-US"/>
+          </a:p>
+        </p:txBody>
+      </p:sp>
+      <p:sp>
+        <p:nvSpPr>
+          <p:cNvPr id="3" name="Inhaltsplatzhalter 2">
+            <a:extLst>
+              <a:ext uri="{FF2B5EF4-FFF2-40B4-BE49-F238E27FC236}">
+                <a16:creationId xmlns:a16="http://schemas.microsoft.com/office/drawing/2014/main" id="{1EC80749-B280-577F-A5C7-71AC6E368477}"/>
+              </a:ext>
+            </a:extLst>
+          </p:cNvPr>
+          <p:cNvSpPr>
+            <a:spLocks noGrp="1"/>
+          </p:cNvSpPr>
+          <p:nvPr>
+            <p:ph idx="1"/>
+          </p:nvPr>
+        </p:nvSpPr>
+        <p:spPr/>
+        <p:txBody>
+          <a:bodyPr vert="horz" lIns="91440" tIns="45720" rIns="91440" bIns="45720" rtlCol="0" anchor="t">
+            <a:normAutofit/>
+          </a:bodyPr>
+          <a:lstStyle/>
+          <a:p>
+            <a:r>
+              <a:rPr lang="de-AT" dirty="0"/>
+              <a:t>Vererbung: Klasse Spieler </a:t>
+            </a:r>
+            <a:r>
+              <a:rPr lang="de-AT" dirty="0">
+                <a:sym typeface="Wingdings" panose="05000000000000000000" pitchFamily="2" charset="2"/>
+              </a:rPr>
+              <a:t> Bot und Menschlicher Spieler</a:t>
+            </a:r>
+          </a:p>
+          <a:p>
+            <a:r>
+              <a:rPr lang="de-AT" dirty="0" err="1">
+                <a:sym typeface="Wingdings" panose="05000000000000000000" pitchFamily="2" charset="2"/>
+              </a:rPr>
+              <a:t>Exception</a:t>
+            </a:r>
+            <a:r>
+              <a:rPr lang="de-AT" dirty="0">
+                <a:sym typeface="Wingdings" panose="05000000000000000000" pitchFamily="2" charset="2"/>
+              </a:rPr>
+              <a:t> Handling  Methode </a:t>
+            </a:r>
+            <a:r>
+              <a:rPr lang="de-AT" dirty="0" err="1">
+                <a:sym typeface="Wingdings" panose="05000000000000000000" pitchFamily="2" charset="2"/>
+              </a:rPr>
+              <a:t>auswaehlen</a:t>
+            </a:r>
+            <a:endParaRPr lang="de-AT" dirty="0">
+              <a:sym typeface="Wingdings" panose="05000000000000000000" pitchFamily="2" charset="2"/>
+            </a:endParaRPr>
+          </a:p>
+          <a:p>
+            <a:r>
+              <a:rPr lang="de-AT" dirty="0" err="1">
+                <a:sym typeface="Wingdings" panose="05000000000000000000" pitchFamily="2" charset="2"/>
+              </a:rPr>
+              <a:t>Regex</a:t>
+            </a:r>
+            <a:r>
+              <a:rPr lang="de-AT" dirty="0">
+                <a:sym typeface="Wingdings" panose="05000000000000000000" pitchFamily="2" charset="2"/>
+              </a:rPr>
+              <a:t>  Anmeldung</a:t>
+            </a:r>
+            <a:endParaRPr lang="de-AT" dirty="0"/>
+          </a:p>
+          <a:p>
+            <a:r>
+              <a:rPr lang="de-AT" dirty="0">
+                <a:sym typeface="Wingdings" panose="05000000000000000000" pitchFamily="2" charset="2"/>
+              </a:rPr>
+              <a:t>Filehandling  Klasse Speicherung</a:t>
+            </a:r>
+            <a:endParaRPr lang="de-AT" dirty="0"/>
+          </a:p>
+        </p:txBody>
+      </p:sp>
+      <p:sp>
+        <p:nvSpPr>
+          <p:cNvPr id="4" name="Foliennummernplatzhalter 3">
+            <a:extLst>
+              <a:ext uri="{FF2B5EF4-FFF2-40B4-BE49-F238E27FC236}">
+                <a16:creationId xmlns:a16="http://schemas.microsoft.com/office/drawing/2014/main" id="{4F75DF94-C1E1-E696-7AE7-E8E258B50BBD}"/>
+              </a:ext>
+            </a:extLst>
+          </p:cNvPr>
+          <p:cNvSpPr>
+            <a:spLocks noGrp="1"/>
+          </p:cNvSpPr>
+          <p:nvPr>
+            <p:ph type="sldNum" sz="quarter" idx="12"/>
+          </p:nvPr>
+        </p:nvSpPr>
+        <p:spPr/>
+        <p:txBody>
+          <a:bodyPr/>
+          <a:lstStyle/>
+          <a:p>
+            <a:fld id="{6EC76C34-FA7A-48FF-865C-8ECF604905C8}" type="slidenum">
+              <a:rPr lang="en-US" smtClean="0"/>
+              <a:t>14</a:t>
+            </a:fld>
+            <a:endParaRPr lang="de-DE"/>
+          </a:p>
+        </p:txBody>
+      </p:sp>
+    </p:spTree>
+    <p:extLst>
+      <p:ext uri="{BB962C8B-B14F-4D97-AF65-F5344CB8AC3E}">
+        <p14:creationId xmlns:p14="http://schemas.microsoft.com/office/powerpoint/2010/main" val="414410644"/>
+      </p:ext>
+    </p:extLst>
+  </p:cSld>
+  <p:clrMapOvr>
+    <a:masterClrMapping/>
+  </p:clrMapOvr>
+</p:sld>
+</file>
+
+<file path=ppt/slides/slide15.xml><?xml version="1.0" encoding="utf-8"?>
+<p:sld xmlns:a="http://schemas.openxmlformats.org/drawingml/2006/main" xmlns:r="http://schemas.openxmlformats.org/officeDocument/2006/relationships" xmlns:p="http://schemas.openxmlformats.org/presentationml/2006/main">
+  <p:cSld>
+    <p:spTree>
+      <p:nvGrpSpPr>
+        <p:cNvPr id="1" name=""/>
+        <p:cNvGrpSpPr/>
+        <p:nvPr/>
+      </p:nvGrpSpPr>
+      <p:grpSpPr>
+        <a:xfrm>
+          <a:off x="0" y="0"/>
+          <a:ext cx="0" cy="0"/>
+          <a:chOff x="0" y="0"/>
+          <a:chExt cx="0" cy="0"/>
+        </a:xfrm>
+      </p:grpSpPr>
       <p:sp>
         <p:nvSpPr>
           <p:cNvPr id="2" name="Titel 1">
@@ -4202,6 +5765,35 @@
               <a:t>Beide</a:t>
             </a:r>
             <a:endParaRPr lang="en-US"/>
+          </a:p>
+        </p:txBody>
+      </p:sp>
+      <p:sp>
+        <p:nvSpPr>
+          <p:cNvPr id="4" name="Foliennummernplatzhalter 3">
+            <a:extLst>
+              <a:ext uri="{FF2B5EF4-FFF2-40B4-BE49-F238E27FC236}">
+                <a16:creationId xmlns:a16="http://schemas.microsoft.com/office/drawing/2014/main" id="{7276C08C-7D31-9964-060A-C3BBD2C9D270}"/>
+              </a:ext>
+            </a:extLst>
+          </p:cNvPr>
+          <p:cNvSpPr>
+            <a:spLocks noGrp="1"/>
+          </p:cNvSpPr>
+          <p:nvPr>
+            <p:ph type="sldNum" sz="quarter" idx="12"/>
+          </p:nvPr>
+        </p:nvSpPr>
+        <p:spPr/>
+        <p:txBody>
+          <a:bodyPr/>
+          <a:lstStyle/>
+          <a:p>
+            <a:fld id="{6EC76C34-FA7A-48FF-865C-8ECF604905C8}" type="slidenum">
+              <a:rPr lang="en-US" smtClean="0"/>
+              <a:t>15</a:t>
+            </a:fld>
+            <a:endParaRPr lang="de-DE"/>
           </a:p>
         </p:txBody>
       </p:sp>
@@ -4282,29 +5874,37 @@
         </p:nvSpPr>
         <p:spPr/>
         <p:txBody>
-          <a:bodyPr/>
-          <a:lstStyle/>
-          <a:p>
-            <a:r>
-              <a:rPr lang="de-AT"/>
+          <a:bodyPr vert="horz" lIns="91440" tIns="45720" rIns="91440" bIns="45720" rtlCol="0" anchor="t">
+            <a:normAutofit/>
+          </a:bodyPr>
+          <a:lstStyle/>
+          <a:p>
+            <a:r>
+              <a:rPr lang="de-AT" dirty="0"/>
+              <a:t>Projektvorstellung</a:t>
+            </a:r>
+          </a:p>
+          <a:p>
+            <a:r>
+              <a:rPr lang="de-AT" dirty="0"/>
               <a:t>Aufgabenteilung</a:t>
             </a:r>
           </a:p>
           <a:p>
             <a:r>
-              <a:rPr lang="de-AT"/>
+              <a:rPr lang="de-AT" dirty="0"/>
               <a:t>Planung</a:t>
             </a:r>
           </a:p>
           <a:p>
             <a:r>
-              <a:rPr lang="de-AT"/>
+              <a:rPr lang="de-AT" dirty="0"/>
               <a:t>Coding</a:t>
             </a:r>
           </a:p>
           <a:p>
             <a:r>
-              <a:rPr lang="de-AT"/>
+              <a:rPr lang="de-AT" dirty="0"/>
               <a:t>Finalisierung</a:t>
             </a:r>
           </a:p>
@@ -4319,6 +5919,35 @@
               <a:buNone/>
             </a:pPr>
             <a:endParaRPr lang="de-AT"/>
+          </a:p>
+        </p:txBody>
+      </p:sp>
+      <p:sp>
+        <p:nvSpPr>
+          <p:cNvPr id="6" name="Foliennummernplatzhalter 5">
+            <a:extLst>
+              <a:ext uri="{FF2B5EF4-FFF2-40B4-BE49-F238E27FC236}">
+                <a16:creationId xmlns:a16="http://schemas.microsoft.com/office/drawing/2014/main" id="{FC2D2FBA-A97E-07DA-6D33-D1B558337FBE}"/>
+              </a:ext>
+            </a:extLst>
+          </p:cNvPr>
+          <p:cNvSpPr>
+            <a:spLocks noGrp="1"/>
+          </p:cNvSpPr>
+          <p:nvPr>
+            <p:ph type="sldNum" sz="quarter" idx="12"/>
+          </p:nvPr>
+        </p:nvSpPr>
+        <p:spPr/>
+        <p:txBody>
+          <a:bodyPr/>
+          <a:lstStyle/>
+          <a:p>
+            <a:fld id="{6EC76C34-FA7A-48FF-865C-8ECF604905C8}" type="slidenum">
+              <a:rPr lang="en-US" smtClean="0"/>
+              <a:t>2</a:t>
+            </a:fld>
+            <a:endParaRPr lang="de-DE"/>
           </a:p>
         </p:txBody>
       </p:sp>
@@ -4357,6 +5986,276 @@
           <p:cNvPr id="2" name="Titel 1">
             <a:extLst>
               <a:ext uri="{FF2B5EF4-FFF2-40B4-BE49-F238E27FC236}">
+                <a16:creationId xmlns:a16="http://schemas.microsoft.com/office/drawing/2014/main" id="{7BB42814-5672-F7A2-EBF9-2B2F18C6B687}"/>
+              </a:ext>
+            </a:extLst>
+          </p:cNvPr>
+          <p:cNvSpPr>
+            <a:spLocks noGrp="1"/>
+          </p:cNvSpPr>
+          <p:nvPr>
+            <p:ph type="title"/>
+          </p:nvPr>
+        </p:nvSpPr>
+        <p:spPr/>
+        <p:txBody>
+          <a:bodyPr>
+            <a:normAutofit/>
+          </a:bodyPr>
+          <a:lstStyle/>
+          <a:p>
+            <a:r>
+              <a:rPr lang="de-DE" sz="5400" dirty="0"/>
+              <a:t>Projektvorstellung</a:t>
+            </a:r>
+          </a:p>
+        </p:txBody>
+      </p:sp>
+      <p:sp>
+        <p:nvSpPr>
+          <p:cNvPr id="3" name="Inhaltsplatzhalter 2">
+            <a:extLst>
+              <a:ext uri="{FF2B5EF4-FFF2-40B4-BE49-F238E27FC236}">
+                <a16:creationId xmlns:a16="http://schemas.microsoft.com/office/drawing/2014/main" id="{E769BEB7-02F4-DD74-5979-7AE5A01284BF}"/>
+              </a:ext>
+            </a:extLst>
+          </p:cNvPr>
+          <p:cNvSpPr>
+            <a:spLocks noGrp="1"/>
+          </p:cNvSpPr>
+          <p:nvPr>
+            <p:ph idx="1"/>
+          </p:nvPr>
+        </p:nvSpPr>
+        <p:spPr/>
+        <p:txBody>
+          <a:bodyPr vert="horz" lIns="91440" tIns="45720" rIns="91440" bIns="45720" rtlCol="0" anchor="t">
+            <a:normAutofit/>
+          </a:bodyPr>
+          <a:lstStyle/>
+          <a:p>
+            <a:r>
+              <a:rPr lang="de-DE" sz="2400" dirty="0">
+                <a:solidFill>
+                  <a:srgbClr val="000000"/>
+                </a:solidFill>
+                <a:latin typeface="Arial"/>
+                <a:cs typeface="Arial"/>
+              </a:rPr>
+              <a:t>Was wir Anfangs wollten:</a:t>
+            </a:r>
+          </a:p>
+          <a:p>
+            <a:pPr lvl="1">
+              <a:buFont typeface="Courier New,monospace" pitchFamily="34" charset="0"/>
+              <a:buChar char="o"/>
+            </a:pPr>
+            <a:r>
+              <a:rPr lang="de-DE" sz="2400" spc="10" dirty="0">
+                <a:solidFill>
+                  <a:srgbClr val="000000"/>
+                </a:solidFill>
+                <a:latin typeface="Arial"/>
+                <a:cs typeface="Arial"/>
+              </a:rPr>
+              <a:t>Normales Mensch Ärgere dich Nicht</a:t>
+            </a:r>
+            <a:endParaRPr lang="en-US" sz="2400" spc="10">
+              <a:solidFill>
+                <a:srgbClr val="000000"/>
+              </a:solidFill>
+              <a:latin typeface="Arial"/>
+              <a:cs typeface="Arial"/>
+            </a:endParaRPr>
+          </a:p>
+          <a:p>
+            <a:pPr lvl="1">
+              <a:buFont typeface="Courier New,monospace" pitchFamily="34" charset="0"/>
+              <a:buChar char="o"/>
+            </a:pPr>
+            <a:r>
+              <a:rPr lang="de-DE" sz="2400" spc="10" dirty="0">
+                <a:solidFill>
+                  <a:srgbClr val="000000"/>
+                </a:solidFill>
+                <a:latin typeface="Arial"/>
+                <a:cs typeface="Arial"/>
+              </a:rPr>
+              <a:t>Konsolenausgabe</a:t>
+            </a:r>
+          </a:p>
+          <a:p>
+            <a:pPr lvl="1">
+              <a:buFont typeface="Courier New,monospace" pitchFamily="34" charset="0"/>
+              <a:buChar char="o"/>
+            </a:pPr>
+            <a:r>
+              <a:rPr lang="de-DE" sz="2400" spc="10" dirty="0">
+                <a:solidFill>
+                  <a:srgbClr val="000000"/>
+                </a:solidFill>
+                <a:latin typeface="Arial"/>
+                <a:cs typeface="Arial"/>
+              </a:rPr>
+              <a:t>eventuell Bots</a:t>
+            </a:r>
+            <a:endParaRPr lang="en-US" sz="2400" spc="10">
+              <a:solidFill>
+                <a:srgbClr val="000000"/>
+              </a:solidFill>
+              <a:latin typeface="Arial"/>
+              <a:cs typeface="Arial"/>
+            </a:endParaRPr>
+          </a:p>
+          <a:p>
+            <a:pPr lvl="1">
+              <a:buFont typeface="Courier New,monospace" pitchFamily="34" charset="0"/>
+              <a:buChar char="o"/>
+            </a:pPr>
+            <a:r>
+              <a:rPr lang="de-DE" sz="2400" spc="10" dirty="0">
+                <a:solidFill>
+                  <a:srgbClr val="000000"/>
+                </a:solidFill>
+                <a:latin typeface="Arial"/>
+                <a:cs typeface="Arial"/>
+              </a:rPr>
+              <a:t>Speicherung in irgendeiner Form</a:t>
+            </a:r>
+            <a:endParaRPr lang="de-DE" sz="2400">
+              <a:solidFill>
+                <a:srgbClr val="000000"/>
+              </a:solidFill>
+              <a:latin typeface="Arial"/>
+              <a:cs typeface="Arial"/>
+            </a:endParaRPr>
+          </a:p>
+          <a:p>
+            <a:r>
+              <a:rPr lang="de-DE" sz="2400" dirty="0">
+                <a:solidFill>
+                  <a:srgbClr val="000000"/>
+                </a:solidFill>
+                <a:latin typeface="Arial"/>
+                <a:cs typeface="Arial"/>
+              </a:rPr>
+              <a:t>Was schlussendlich alles umgesetzt wurde:</a:t>
+            </a:r>
+          </a:p>
+          <a:p>
+            <a:pPr lvl="1">
+              <a:buFont typeface="Courier New" pitchFamily="34" charset="0"/>
+              <a:buChar char="o"/>
+            </a:pPr>
+            <a:r>
+              <a:rPr lang="de-DE" sz="2400" spc="10" dirty="0">
+                <a:solidFill>
+                  <a:srgbClr val="000000"/>
+                </a:solidFill>
+                <a:latin typeface="Arial"/>
+                <a:cs typeface="Arial"/>
+              </a:rPr>
+              <a:t>Alles oben genannte</a:t>
+            </a:r>
+          </a:p>
+          <a:p>
+            <a:pPr lvl="2">
+              <a:buFont typeface="Wingdings" pitchFamily="34" charset="0"/>
+              <a:buChar char="§"/>
+            </a:pPr>
+            <a:r>
+              <a:rPr lang="de-DE" sz="2400" spc="10" dirty="0">
+                <a:solidFill>
+                  <a:srgbClr val="000000"/>
+                </a:solidFill>
+                <a:latin typeface="Arial"/>
+                <a:cs typeface="Arial"/>
+              </a:rPr>
+              <a:t>Speicherung: Spielstand- und Benutzerspeicherung</a:t>
+            </a:r>
+          </a:p>
+          <a:p>
+            <a:pPr lvl="1">
+              <a:buFont typeface="Courier New" pitchFamily="34" charset="0"/>
+              <a:buChar char="o"/>
+            </a:pPr>
+            <a:r>
+              <a:rPr lang="de-DE" sz="2400" spc="10" dirty="0">
+                <a:solidFill>
+                  <a:srgbClr val="000000"/>
+                </a:solidFill>
+                <a:latin typeface="Arial"/>
+                <a:cs typeface="Arial"/>
+              </a:rPr>
+              <a:t>Anmeldung und Registrierung sowie Gastspieler</a:t>
+            </a:r>
+          </a:p>
+        </p:txBody>
+      </p:sp>
+      <p:sp>
+        <p:nvSpPr>
+          <p:cNvPr id="4" name="Foliennummernplatzhalter 3">
+            <a:extLst>
+              <a:ext uri="{FF2B5EF4-FFF2-40B4-BE49-F238E27FC236}">
+                <a16:creationId xmlns:a16="http://schemas.microsoft.com/office/drawing/2014/main" id="{B1364C07-4E42-B41B-EB2A-275E58F28591}"/>
+              </a:ext>
+            </a:extLst>
+          </p:cNvPr>
+          <p:cNvSpPr>
+            <a:spLocks noGrp="1"/>
+          </p:cNvSpPr>
+          <p:nvPr>
+            <p:ph type="sldNum" sz="quarter" idx="12"/>
+          </p:nvPr>
+        </p:nvSpPr>
+        <p:spPr/>
+        <p:txBody>
+          <a:bodyPr/>
+          <a:lstStyle/>
+          <a:p>
+            <a:fld id="{6EC76C34-FA7A-48FF-865C-8ECF604905C8}" type="slidenum">
+              <a:rPr lang="en-US" smtClean="0"/>
+              <a:t>3</a:t>
+            </a:fld>
+            <a:endParaRPr lang="en-US"/>
+          </a:p>
+        </p:txBody>
+      </p:sp>
+    </p:spTree>
+    <p:extLst>
+      <p:ext uri="{BB962C8B-B14F-4D97-AF65-F5344CB8AC3E}">
+        <p14:creationId xmlns:p14="http://schemas.microsoft.com/office/powerpoint/2010/main" val="3368743083"/>
+      </p:ext>
+    </p:extLst>
+  </p:cSld>
+  <p:clrMapOvr>
+    <a:masterClrMapping/>
+  </p:clrMapOvr>
+</p:sld>
+</file>
+
+<file path=ppt/slides/slide4.xml><?xml version="1.0" encoding="utf-8"?>
+<p:sld xmlns:a="http://schemas.openxmlformats.org/drawingml/2006/main" xmlns:r="http://schemas.openxmlformats.org/officeDocument/2006/relationships" xmlns:p="http://schemas.openxmlformats.org/presentationml/2006/main">
+  <p:cSld>
+    <p:spTree>
+      <p:nvGrpSpPr>
+        <p:cNvPr id="1" name=""/>
+        <p:cNvGrpSpPr/>
+        <p:nvPr/>
+      </p:nvGrpSpPr>
+      <p:grpSpPr>
+        <a:xfrm>
+          <a:off x="0" y="0"/>
+          <a:ext cx="0" cy="0"/>
+          <a:chOff x="0" y="0"/>
+          <a:chExt cx="0" cy="0"/>
+        </a:xfrm>
+      </p:grpSpPr>
+      <p:sp>
+        <p:nvSpPr>
+          <p:cNvPr id="2" name="Titel 1">
+            <a:extLst>
+              <a:ext uri="{FF2B5EF4-FFF2-40B4-BE49-F238E27FC236}">
                 <a16:creationId xmlns:a16="http://schemas.microsoft.com/office/drawing/2014/main" id="{4665D815-364B-8862-90C5-A6B72BE4D326}"/>
               </a:ext>
             </a:extLst>
@@ -4681,6 +6580,35 @@
           </a:p>
         </p:txBody>
       </p:sp>
+      <p:sp>
+        <p:nvSpPr>
+          <p:cNvPr id="3" name="Foliennummernplatzhalter 2">
+            <a:extLst>
+              <a:ext uri="{FF2B5EF4-FFF2-40B4-BE49-F238E27FC236}">
+                <a16:creationId xmlns:a16="http://schemas.microsoft.com/office/drawing/2014/main" id="{315CC726-AE3F-1A3C-CD2A-1434CDCFFE2A}"/>
+              </a:ext>
+            </a:extLst>
+          </p:cNvPr>
+          <p:cNvSpPr>
+            <a:spLocks noGrp="1"/>
+          </p:cNvSpPr>
+          <p:nvPr>
+            <p:ph type="sldNum" sz="quarter" idx="12"/>
+          </p:nvPr>
+        </p:nvSpPr>
+        <p:spPr/>
+        <p:txBody>
+          <a:bodyPr/>
+          <a:lstStyle/>
+          <a:p>
+            <a:fld id="{6EC76C34-FA7A-48FF-865C-8ECF604905C8}" type="slidenum">
+              <a:rPr lang="en-US" smtClean="0"/>
+              <a:t>4</a:t>
+            </a:fld>
+            <a:endParaRPr lang="de-DE"/>
+          </a:p>
+        </p:txBody>
+      </p:sp>
     </p:spTree>
     <p:extLst>
       <p:ext uri="{BB962C8B-B14F-4D97-AF65-F5344CB8AC3E}">
@@ -4694,7 +6622,7 @@
 </p:sld>
 </file>
 
-<file path=ppt/slides/slide4.xml><?xml version="1.0" encoding="utf-8"?>
+<file path=ppt/slides/slide5.xml><?xml version="1.0" encoding="utf-8"?>
 <p:sld xmlns:a="http://schemas.openxmlformats.org/drawingml/2006/main" xmlns:r="http://schemas.openxmlformats.org/officeDocument/2006/relationships" xmlns:p="http://schemas.openxmlformats.org/presentationml/2006/main">
   <p:cSld>
     <p:spTree>
@@ -4840,6 +6768,35 @@
           </a:p>
         </p:txBody>
       </p:sp>
+      <p:sp>
+        <p:nvSpPr>
+          <p:cNvPr id="4" name="Foliennummernplatzhalter 3">
+            <a:extLst>
+              <a:ext uri="{FF2B5EF4-FFF2-40B4-BE49-F238E27FC236}">
+                <a16:creationId xmlns:a16="http://schemas.microsoft.com/office/drawing/2014/main" id="{B5C26CEA-941F-21B2-48A2-11AA7707E3C4}"/>
+              </a:ext>
+            </a:extLst>
+          </p:cNvPr>
+          <p:cNvSpPr>
+            <a:spLocks noGrp="1"/>
+          </p:cNvSpPr>
+          <p:nvPr>
+            <p:ph type="sldNum" sz="quarter" idx="12"/>
+          </p:nvPr>
+        </p:nvSpPr>
+        <p:spPr/>
+        <p:txBody>
+          <a:bodyPr/>
+          <a:lstStyle/>
+          <a:p>
+            <a:fld id="{6EC76C34-FA7A-48FF-865C-8ECF604905C8}" type="slidenum">
+              <a:rPr lang="en-US" smtClean="0"/>
+              <a:t>5</a:t>
+            </a:fld>
+            <a:endParaRPr lang="de-DE"/>
+          </a:p>
+        </p:txBody>
+      </p:sp>
     </p:spTree>
     <p:extLst>
       <p:ext uri="{BB962C8B-B14F-4D97-AF65-F5344CB8AC3E}">
@@ -4853,7 +6810,7 @@
 </p:sld>
 </file>
 
-<file path=ppt/slides/slide5.xml><?xml version="1.0" encoding="utf-8"?>
+<file path=ppt/slides/slide6.xml><?xml version="1.0" encoding="utf-8"?>
 <p:sld xmlns:a="http://schemas.openxmlformats.org/drawingml/2006/main" xmlns:r="http://schemas.openxmlformats.org/officeDocument/2006/relationships" xmlns:p="http://schemas.openxmlformats.org/presentationml/2006/main">
   <p:cSld>
     <p:spTree>
@@ -4906,70 +6863,39 @@
           </a:prstGeom>
         </p:spPr>
       </p:pic>
+      <p:sp>
+        <p:nvSpPr>
+          <p:cNvPr id="2" name="Foliennummernplatzhalter 1">
+            <a:extLst>
+              <a:ext uri="{FF2B5EF4-FFF2-40B4-BE49-F238E27FC236}">
+                <a16:creationId xmlns:a16="http://schemas.microsoft.com/office/drawing/2014/main" id="{FC0C3FAF-B949-00B7-075E-0F2454A8B5C4}"/>
+              </a:ext>
+            </a:extLst>
+          </p:cNvPr>
+          <p:cNvSpPr>
+            <a:spLocks noGrp="1"/>
+          </p:cNvSpPr>
+          <p:nvPr>
+            <p:ph type="sldNum" sz="quarter" idx="12"/>
+          </p:nvPr>
+        </p:nvSpPr>
+        <p:spPr/>
+        <p:txBody>
+          <a:bodyPr/>
+          <a:lstStyle/>
+          <a:p>
+            <a:fld id="{6EC76C34-FA7A-48FF-865C-8ECF604905C8}" type="slidenum">
+              <a:rPr lang="en-US" smtClean="0"/>
+              <a:t>6</a:t>
+            </a:fld>
+            <a:endParaRPr lang="de-DE"/>
+          </a:p>
+        </p:txBody>
+      </p:sp>
     </p:spTree>
     <p:extLst>
       <p:ext uri="{BB962C8B-B14F-4D97-AF65-F5344CB8AC3E}">
         <p14:creationId xmlns:p14="http://schemas.microsoft.com/office/powerpoint/2010/main" val="1960193212"/>
-      </p:ext>
-    </p:extLst>
-  </p:cSld>
-  <p:clrMapOvr>
-    <a:masterClrMapping/>
-  </p:clrMapOvr>
-</p:sld>
-</file>
-
-<file path=ppt/slides/slide6.xml><?xml version="1.0" encoding="utf-8"?>
-<p:sld xmlns:a="http://schemas.openxmlformats.org/drawingml/2006/main" xmlns:r="http://schemas.openxmlformats.org/officeDocument/2006/relationships" xmlns:p="http://schemas.openxmlformats.org/presentationml/2006/main">
-  <p:cSld>
-    <p:spTree>
-      <p:nvGrpSpPr>
-        <p:cNvPr id="1" name=""/>
-        <p:cNvGrpSpPr/>
-        <p:nvPr/>
-      </p:nvGrpSpPr>
-      <p:grpSpPr>
-        <a:xfrm>
-          <a:off x="0" y="0"/>
-          <a:ext cx="0" cy="0"/>
-          <a:chOff x="0" y="0"/>
-          <a:chExt cx="0" cy="0"/>
-        </a:xfrm>
-      </p:grpSpPr>
-      <p:pic>
-        <p:nvPicPr>
-          <p:cNvPr id="4" name="Grafik 3" descr="Ein Bild, das Text, Screenshot, parallel, Diagramm enthält.&#10;&#10;Beschreibung automatisch generiert.">
-            <a:extLst>
-              <a:ext uri="{FF2B5EF4-FFF2-40B4-BE49-F238E27FC236}">
-                <a16:creationId xmlns:a16="http://schemas.microsoft.com/office/drawing/2014/main" id="{22CE099A-D551-67B2-FB75-D040810D392A}"/>
-              </a:ext>
-            </a:extLst>
-          </p:cNvPr>
-          <p:cNvPicPr>
-            <a:picLocks noChangeAspect="1"/>
-          </p:cNvPicPr>
-          <p:nvPr/>
-        </p:nvPicPr>
-        <p:blipFill>
-          <a:blip r:embed="rId2"/>
-          <a:stretch>
-            <a:fillRect/>
-          </a:stretch>
-        </p:blipFill>
-        <p:spPr>
-          <a:xfrm>
-            <a:off x="111" y="674"/>
-            <a:ext cx="12188091" cy="6855849"/>
-          </a:xfrm>
-          <a:prstGeom prst="rect">
-            <a:avLst/>
-          </a:prstGeom>
-        </p:spPr>
-      </p:pic>
-    </p:spTree>
-    <p:extLst>
-      <p:ext uri="{BB962C8B-B14F-4D97-AF65-F5344CB8AC3E}">
-        <p14:creationId xmlns:p14="http://schemas.microsoft.com/office/powerpoint/2010/main" val="4231141096"/>
       </p:ext>
     </p:extLst>
   </p:cSld>
@@ -4996,41 +6922,42 @@
           <a:chExt cx="0" cy="0"/>
         </a:xfrm>
       </p:grpSpPr>
-      <p:sp>
-        <p:nvSpPr>
-          <p:cNvPr id="2" name="Titel 1">
+      <p:pic>
+        <p:nvPicPr>
+          <p:cNvPr id="5" name="Grafik 4" descr="Ein Bild, das Text, Screenshot, Diagramm, Rechteck enthält.&#10;&#10;Beschreibung automatisch generiert.">
             <a:extLst>
               <a:ext uri="{FF2B5EF4-FFF2-40B4-BE49-F238E27FC236}">
-                <a16:creationId xmlns:a16="http://schemas.microsoft.com/office/drawing/2014/main" id="{120227E1-EC10-0073-4FB5-B5266F890AFB}"/>
+                <a16:creationId xmlns:a16="http://schemas.microsoft.com/office/drawing/2014/main" id="{BEC97F0C-F97C-0CC1-5E93-CEEFC48BE0D9}"/>
               </a:ext>
             </a:extLst>
           </p:cNvPr>
-          <p:cNvSpPr>
-            <a:spLocks noGrp="1"/>
-          </p:cNvSpPr>
-          <p:nvPr>
-            <p:ph type="title"/>
-          </p:nvPr>
-        </p:nvSpPr>
-        <p:spPr/>
-        <p:txBody>
-          <a:bodyPr/>
-          <a:lstStyle/>
-          <a:p>
-            <a:r>
-              <a:rPr lang="de-AT"/>
-              <a:t>Coding</a:t>
-            </a:r>
-            <a:endParaRPr lang="en-US"/>
-          </a:p>
-        </p:txBody>
-      </p:sp>
-      <p:sp>
-        <p:nvSpPr>
-          <p:cNvPr id="3" name="Inhaltsplatzhalter 2">
+          <p:cNvPicPr>
+            <a:picLocks noChangeAspect="1"/>
+          </p:cNvPicPr>
+          <p:nvPr/>
+        </p:nvPicPr>
+        <p:blipFill>
+          <a:blip r:embed="rId2"/>
+          <a:stretch>
+            <a:fillRect/>
+          </a:stretch>
+        </p:blipFill>
+        <p:spPr>
+          <a:xfrm>
+            <a:off x="0" y="-46341"/>
+            <a:ext cx="12196430" cy="6915242"/>
+          </a:xfrm>
+          <a:prstGeom prst="rect">
+            <a:avLst/>
+          </a:prstGeom>
+        </p:spPr>
+      </p:pic>
+      <p:sp>
+        <p:nvSpPr>
+          <p:cNvPr id="4" name="Foliennummernplatzhalter 3">
             <a:extLst>
               <a:ext uri="{FF2B5EF4-FFF2-40B4-BE49-F238E27FC236}">
-                <a16:creationId xmlns:a16="http://schemas.microsoft.com/office/drawing/2014/main" id="{21FFF8EF-AD80-19BA-F72A-DEC1ACA36782}"/>
+                <a16:creationId xmlns:a16="http://schemas.microsoft.com/office/drawing/2014/main" id="{F0F34475-8C10-AA09-4AEE-1697FC4026BF}"/>
               </a:ext>
             </a:extLst>
           </p:cNvPr>
@@ -5038,202 +6965,26 @@
             <a:spLocks noGrp="1"/>
           </p:cNvSpPr>
           <p:nvPr>
-            <p:ph idx="1"/>
+            <p:ph type="sldNum" sz="quarter" idx="12"/>
           </p:nvPr>
         </p:nvSpPr>
         <p:spPr/>
         <p:txBody>
-          <a:bodyPr vert="horz" lIns="91440" tIns="45720" rIns="91440" bIns="45720" rtlCol="0" anchor="t">
-            <a:normAutofit/>
-          </a:bodyPr>
-          <a:lstStyle/>
-          <a:p>
-            <a:r>
-              <a:rPr lang="de-AT"/>
-              <a:t>Julian</a:t>
-            </a:r>
-          </a:p>
-          <a:p>
-            <a:pPr lvl="1"/>
-            <a:r>
-              <a:rPr lang="de-AT" err="1">
-                <a:sym typeface="Wingdings" panose="05000000000000000000" pitchFamily="2" charset="2"/>
-              </a:rPr>
-              <a:t>Exception</a:t>
-            </a:r>
-            <a:r>
-              <a:rPr lang="de-AT">
-                <a:sym typeface="Wingdings" panose="05000000000000000000" pitchFamily="2" charset="2"/>
-              </a:rPr>
-              <a:t> Handling(eigene </a:t>
-            </a:r>
-            <a:r>
-              <a:rPr lang="de-AT" err="1">
-                <a:sym typeface="Wingdings" panose="05000000000000000000" pitchFamily="2" charset="2"/>
-              </a:rPr>
-              <a:t>Exceptions</a:t>
-            </a:r>
-            <a:r>
-              <a:rPr lang="de-AT">
-                <a:sym typeface="Wingdings" panose="05000000000000000000" pitchFamily="2" charset="2"/>
-              </a:rPr>
-              <a:t> + </a:t>
-            </a:r>
-            <a:r>
-              <a:rPr lang="de-AT" err="1">
-                <a:sym typeface="Wingdings" panose="05000000000000000000" pitchFamily="2" charset="2"/>
-              </a:rPr>
-              <a:t>vorhande</a:t>
-            </a:r>
-            <a:r>
-              <a:rPr lang="de-AT">
-                <a:sym typeface="Wingdings" panose="05000000000000000000" pitchFamily="2" charset="2"/>
-              </a:rPr>
-              <a:t> </a:t>
-            </a:r>
-            <a:r>
-              <a:rPr lang="de-AT" err="1">
-                <a:sym typeface="Wingdings" panose="05000000000000000000" pitchFamily="2" charset="2"/>
-              </a:rPr>
-              <a:t>Exceptions</a:t>
-            </a:r>
-            <a:r>
-              <a:rPr lang="de-AT">
-                <a:sym typeface="Wingdings" panose="05000000000000000000" pitchFamily="2" charset="2"/>
-              </a:rPr>
-              <a:t>)</a:t>
-            </a:r>
-            <a:endParaRPr lang="de-AT"/>
-          </a:p>
-          <a:p>
-            <a:pPr lvl="1"/>
-            <a:r>
-              <a:rPr lang="de-AT">
-                <a:sym typeface="Wingdings" panose="05000000000000000000" pitchFamily="2" charset="2"/>
-              </a:rPr>
-              <a:t>Bot(Zug Algorithmus)</a:t>
-            </a:r>
-            <a:endParaRPr lang="de-AT"/>
-          </a:p>
-          <a:p>
-            <a:pPr lvl="1"/>
-            <a:r>
-              <a:rPr lang="de-AT" b="1" u="sng">
-                <a:sym typeface="Wingdings" panose="05000000000000000000" pitchFamily="2" charset="2"/>
-              </a:rPr>
-              <a:t>Ausgabe</a:t>
-            </a:r>
-            <a:endParaRPr lang="de-AT" b="1" u="sng"/>
-          </a:p>
-          <a:p>
-            <a:pPr lvl="1"/>
-            <a:r>
-              <a:rPr lang="de-AT" b="1" u="sng" err="1">
-                <a:solidFill>
-                  <a:schemeClr val="tx1"/>
-                </a:solidFill>
-                <a:sym typeface="Wingdings" panose="05000000000000000000" pitchFamily="2" charset="2"/>
-              </a:rPr>
-              <a:t>Wuerfel</a:t>
-            </a:r>
-            <a:r>
-              <a:rPr lang="de-AT" b="1" u="sng">
-                <a:sym typeface="Wingdings" panose="05000000000000000000" pitchFamily="2" charset="2"/>
-              </a:rPr>
-              <a:t> und Auswahlmethode betriebsfähig gemacht(Viele Überprüfungen, ob die Figur ziehen darf; Gewinnüberprüfung)</a:t>
-            </a:r>
-            <a:endParaRPr lang="de-AT">
-              <a:sym typeface="Wingdings" panose="05000000000000000000" pitchFamily="2" charset="2"/>
-            </a:endParaRPr>
-          </a:p>
-          <a:p>
-            <a:r>
-              <a:rPr lang="de-AT">
-                <a:sym typeface="Wingdings" panose="05000000000000000000" pitchFamily="2" charset="2"/>
-              </a:rPr>
-              <a:t>Samuel </a:t>
-            </a:r>
-          </a:p>
-          <a:p>
-            <a:pPr lvl="1"/>
-            <a:r>
-              <a:rPr lang="de-AT">
-                <a:sym typeface="Wingdings" panose="05000000000000000000" pitchFamily="2" charset="2"/>
-              </a:rPr>
-              <a:t> Anfang der </a:t>
-            </a:r>
-            <a:r>
-              <a:rPr lang="de-AT" err="1">
-                <a:sym typeface="Wingdings" panose="05000000000000000000" pitchFamily="2" charset="2"/>
-              </a:rPr>
-              <a:t>Wuerfel</a:t>
-            </a:r>
-            <a:r>
-              <a:rPr lang="de-AT">
-                <a:sym typeface="Wingdings" panose="05000000000000000000" pitchFamily="2" charset="2"/>
-              </a:rPr>
-              <a:t>- und Auswahlmethode</a:t>
-            </a:r>
-            <a:endParaRPr lang="de-AT"/>
-          </a:p>
-          <a:p>
-            <a:pPr lvl="1"/>
-            <a:r>
-              <a:rPr lang="en-US" err="1"/>
-              <a:t>Einleitung</a:t>
-            </a:r>
-            <a:r>
-              <a:rPr lang="en-US"/>
-              <a:t> ins Spiel</a:t>
-            </a:r>
-          </a:p>
-          <a:p>
-            <a:pPr lvl="1"/>
-            <a:r>
-              <a:rPr lang="en-US" err="1"/>
-              <a:t>Erstellung</a:t>
-            </a:r>
-            <a:r>
-              <a:rPr lang="en-US"/>
-              <a:t> der </a:t>
-            </a:r>
-            <a:r>
-              <a:rPr lang="en-US" err="1"/>
-              <a:t>Spielfiguren</a:t>
-            </a:r>
-            <a:r>
-              <a:rPr lang="en-US"/>
-              <a:t>, Häuser, etc.</a:t>
-            </a:r>
-          </a:p>
-          <a:p>
-            <a:pPr lvl="1"/>
-            <a:r>
-              <a:rPr lang="en-US" b="1" u="sng" err="1"/>
-              <a:t>Speicherung</a:t>
-            </a:r>
-            <a:r>
-              <a:rPr lang="en-US" b="1" u="sng"/>
-              <a:t> des Spiels</a:t>
-            </a:r>
-          </a:p>
-          <a:p>
-            <a:pPr lvl="1"/>
-            <a:r>
-              <a:rPr lang="en-US" b="1" u="sng" err="1"/>
-              <a:t>Speicherung</a:t>
-            </a:r>
-            <a:r>
-              <a:rPr lang="en-US" b="1" u="sng"/>
-              <a:t> der Spieler</a:t>
-            </a:r>
+          <a:bodyPr/>
+          <a:lstStyle/>
+          <a:p>
+            <a:fld id="{6EC76C34-FA7A-48FF-865C-8ECF604905C8}" type="slidenum">
+              <a:rPr lang="en-US" smtClean="0"/>
+              <a:t>7</a:t>
+            </a:fld>
+            <a:endParaRPr lang="en-US"/>
           </a:p>
         </p:txBody>
       </p:sp>
     </p:spTree>
     <p:extLst>
       <p:ext uri="{BB962C8B-B14F-4D97-AF65-F5344CB8AC3E}">
-        <p14:creationId xmlns:p14="http://schemas.microsoft.com/office/powerpoint/2010/main" val="3855528893"/>
+        <p14:creationId xmlns:p14="http://schemas.microsoft.com/office/powerpoint/2010/main" val="1621874281"/>
       </p:ext>
     </p:extLst>
   </p:cSld>
@@ -5260,41 +7011,42 @@
           <a:chExt cx="0" cy="0"/>
         </a:xfrm>
       </p:grpSpPr>
-      <p:sp>
-        <p:nvSpPr>
-          <p:cNvPr id="2" name="Titel 1">
+      <p:pic>
+        <p:nvPicPr>
+          <p:cNvPr id="9" name="Grafik 8" descr="Ein Bild, das Text, Screenshot, Rechteck, Schrift enthält.&#10;&#10;Beschreibung automatisch generiert.">
             <a:extLst>
               <a:ext uri="{FF2B5EF4-FFF2-40B4-BE49-F238E27FC236}">
-                <a16:creationId xmlns:a16="http://schemas.microsoft.com/office/drawing/2014/main" id="{0E77063A-D783-E4B9-AB5B-C68CD6731980}"/>
+                <a16:creationId xmlns:a16="http://schemas.microsoft.com/office/drawing/2014/main" id="{248DB389-DD1B-F888-BEDB-26AA079D39AF}"/>
               </a:ext>
             </a:extLst>
           </p:cNvPr>
-          <p:cNvSpPr>
-            <a:spLocks noGrp="1"/>
-          </p:cNvSpPr>
-          <p:nvPr>
-            <p:ph type="title"/>
-          </p:nvPr>
-        </p:nvSpPr>
-        <p:spPr/>
-        <p:txBody>
-          <a:bodyPr/>
-          <a:lstStyle/>
-          <a:p>
-            <a:r>
-              <a:rPr lang="de-AT"/>
-              <a:t>Kriterien</a:t>
-            </a:r>
-            <a:endParaRPr lang="en-US"/>
-          </a:p>
-        </p:txBody>
-      </p:sp>
-      <p:sp>
-        <p:nvSpPr>
-          <p:cNvPr id="3" name="Inhaltsplatzhalter 2">
+          <p:cNvPicPr>
+            <a:picLocks noChangeAspect="1"/>
+          </p:cNvPicPr>
+          <p:nvPr/>
+        </p:nvPicPr>
+        <p:blipFill>
+          <a:blip r:embed="rId2"/>
+          <a:stretch>
+            <a:fillRect/>
+          </a:stretch>
+        </p:blipFill>
+        <p:spPr>
+          <a:xfrm>
+            <a:off x="4430" y="-1849"/>
+            <a:ext cx="12196430" cy="6888281"/>
+          </a:xfrm>
+          <a:prstGeom prst="rect">
+            <a:avLst/>
+          </a:prstGeom>
+        </p:spPr>
+      </p:pic>
+      <p:sp>
+        <p:nvSpPr>
+          <p:cNvPr id="4" name="Foliennummernplatzhalter 3">
             <a:extLst>
               <a:ext uri="{FF2B5EF4-FFF2-40B4-BE49-F238E27FC236}">
-                <a16:creationId xmlns:a16="http://schemas.microsoft.com/office/drawing/2014/main" id="{1EC80749-B280-577F-A5C7-71AC6E368477}"/>
+                <a16:creationId xmlns:a16="http://schemas.microsoft.com/office/drawing/2014/main" id="{E72462BB-E8CB-3543-E803-53B13C4C1322}"/>
               </a:ext>
             </a:extLst>
           </p:cNvPr>
@@ -5302,99 +7054,18 @@
             <a:spLocks noGrp="1"/>
           </p:cNvSpPr>
           <p:nvPr>
-            <p:ph idx="1"/>
+            <p:ph type="sldNum" sz="quarter" idx="12"/>
           </p:nvPr>
         </p:nvSpPr>
         <p:spPr/>
         <p:txBody>
-          <a:bodyPr vert="horz" lIns="91440" tIns="45720" rIns="91440" bIns="45720" rtlCol="0" anchor="t">
-            <a:normAutofit/>
-          </a:bodyPr>
-          <a:lstStyle/>
-          <a:p>
-            <a:r>
-              <a:rPr lang="de-AT"/>
-              <a:t>Vererbung: Klasse Spieler </a:t>
-            </a:r>
-            <a:r>
-              <a:rPr lang="de-AT">
-                <a:sym typeface="Wingdings" panose="05000000000000000000" pitchFamily="2" charset="2"/>
-              </a:rPr>
-              <a:t> Bot und Menschlicher Spieler</a:t>
-            </a:r>
-          </a:p>
-          <a:p>
-            <a:r>
-              <a:rPr lang="de-AT" err="1">
-                <a:sym typeface="Wingdings" panose="05000000000000000000" pitchFamily="2" charset="2"/>
-              </a:rPr>
-              <a:t>Exception</a:t>
-            </a:r>
-            <a:r>
-              <a:rPr lang="de-AT">
-                <a:sym typeface="Wingdings" panose="05000000000000000000" pitchFamily="2" charset="2"/>
-              </a:rPr>
-              <a:t> Handling  Methode </a:t>
-            </a:r>
-            <a:r>
-              <a:rPr lang="de-AT" err="1">
-                <a:sym typeface="Wingdings" panose="05000000000000000000" pitchFamily="2" charset="2"/>
-              </a:rPr>
-              <a:t>auswaehlen</a:t>
-            </a:r>
-            <a:endParaRPr lang="de-AT">
-              <a:sym typeface="Wingdings" panose="05000000000000000000" pitchFamily="2" charset="2"/>
-            </a:endParaRPr>
-          </a:p>
-          <a:p>
-            <a:r>
-              <a:rPr lang="de-AT" err="1">
-                <a:sym typeface="Wingdings" panose="05000000000000000000" pitchFamily="2" charset="2"/>
-              </a:rPr>
-              <a:t>Regex</a:t>
-            </a:r>
-            <a:r>
-              <a:rPr lang="de-AT">
-                <a:sym typeface="Wingdings" panose="05000000000000000000" pitchFamily="2" charset="2"/>
-              </a:rPr>
-              <a:t>  </a:t>
-            </a:r>
-            <a:r>
-              <a:rPr lang="de-AT" err="1">
-                <a:sym typeface="Wingdings" panose="05000000000000000000" pitchFamily="2" charset="2"/>
-              </a:rPr>
-              <a:t>Program.cs</a:t>
-            </a:r>
-            <a:r>
-              <a:rPr lang="de-AT">
-                <a:sym typeface="Wingdings" panose="05000000000000000000" pitchFamily="2" charset="2"/>
-              </a:rPr>
-              <a:t> Zeile 523</a:t>
-            </a:r>
-            <a:endParaRPr lang="de-AT"/>
-          </a:p>
-          <a:p>
-            <a:r>
-              <a:rPr lang="de-AT">
-                <a:sym typeface="Wingdings" panose="05000000000000000000" pitchFamily="2" charset="2"/>
-              </a:rPr>
-              <a:t>Filehandling  </a:t>
-            </a:r>
-            <a:r>
-              <a:rPr lang="de-AT" err="1">
-                <a:sym typeface="Wingdings" panose="05000000000000000000" pitchFamily="2" charset="2"/>
-              </a:rPr>
-              <a:t>Program.cs</a:t>
-            </a:r>
-            <a:r>
-              <a:rPr lang="de-AT">
-                <a:sym typeface="Wingdings" panose="05000000000000000000" pitchFamily="2" charset="2"/>
-              </a:rPr>
-              <a:t> ab Zeile 754</a:t>
-            </a:r>
-            <a:endParaRPr lang="de-AT"/>
-          </a:p>
-          <a:p>
+          <a:bodyPr/>
+          <a:lstStyle/>
+          <a:p>
+            <a:fld id="{6EC76C34-FA7A-48FF-865C-8ECF604905C8}" type="slidenum">
+              <a:rPr lang="en-US" smtClean="0"/>
+              <a:t>8</a:t>
+            </a:fld>
             <a:endParaRPr lang="en-US"/>
           </a:p>
         </p:txBody>
@@ -5402,7 +7073,7 @@
     </p:spTree>
     <p:extLst>
       <p:ext uri="{BB962C8B-B14F-4D97-AF65-F5344CB8AC3E}">
-        <p14:creationId xmlns:p14="http://schemas.microsoft.com/office/powerpoint/2010/main" val="414410644"/>
+        <p14:creationId xmlns:p14="http://schemas.microsoft.com/office/powerpoint/2010/main" val="2439681817"/>
       </p:ext>
     </p:extLst>
   </p:cSld>
@@ -5429,41 +7100,42 @@
           <a:chExt cx="0" cy="0"/>
         </a:xfrm>
       </p:grpSpPr>
-      <p:sp>
-        <p:nvSpPr>
-          <p:cNvPr id="2" name="Titel 1">
+      <p:pic>
+        <p:nvPicPr>
+          <p:cNvPr id="7" name="Grafik 6" descr="Ein Bild, das Text, Screenshot, Schrift, parallel enthält.&#10;&#10;Beschreibung automatisch generiert.">
             <a:extLst>
               <a:ext uri="{FF2B5EF4-FFF2-40B4-BE49-F238E27FC236}">
-                <a16:creationId xmlns:a16="http://schemas.microsoft.com/office/drawing/2014/main" id="{7494A230-990E-91C6-1260-37116A153A8C}"/>
+                <a16:creationId xmlns:a16="http://schemas.microsoft.com/office/drawing/2014/main" id="{7B32D67D-5B01-CC0F-1990-A3C44288858C}"/>
               </a:ext>
             </a:extLst>
           </p:cNvPr>
-          <p:cNvSpPr>
-            <a:spLocks noGrp="1"/>
-          </p:cNvSpPr>
-          <p:nvPr>
-            <p:ph type="title"/>
-          </p:nvPr>
-        </p:nvSpPr>
-        <p:spPr/>
-        <p:txBody>
-          <a:bodyPr/>
-          <a:lstStyle/>
-          <a:p>
-            <a:r>
-              <a:rPr lang="de-AT"/>
-              <a:t>Interessante Codeausschnitte + Probleme</a:t>
-            </a:r>
-            <a:endParaRPr lang="en-US"/>
-          </a:p>
-        </p:txBody>
-      </p:sp>
-      <p:sp>
-        <p:nvSpPr>
-          <p:cNvPr id="3" name="Inhaltsplatzhalter 2">
+          <p:cNvPicPr>
+            <a:picLocks noChangeAspect="1"/>
+          </p:cNvPicPr>
+          <p:nvPr/>
+        </p:nvPicPr>
+        <p:blipFill>
+          <a:blip r:embed="rId2"/>
+          <a:stretch>
+            <a:fillRect/>
+          </a:stretch>
+        </p:blipFill>
+        <p:spPr>
+          <a:xfrm>
+            <a:off x="4431" y="-1120"/>
+            <a:ext cx="12196430" cy="6873530"/>
+          </a:xfrm>
+          <a:prstGeom prst="rect">
+            <a:avLst/>
+          </a:prstGeom>
+        </p:spPr>
+      </p:pic>
+      <p:sp>
+        <p:nvSpPr>
+          <p:cNvPr id="4" name="Foliennummernplatzhalter 3">
             <a:extLst>
               <a:ext uri="{FF2B5EF4-FFF2-40B4-BE49-F238E27FC236}">
-                <a16:creationId xmlns:a16="http://schemas.microsoft.com/office/drawing/2014/main" id="{6BF42EBC-5E68-5FB9-25AA-1AEFC6DAB116}"/>
+                <a16:creationId xmlns:a16="http://schemas.microsoft.com/office/drawing/2014/main" id="{D42889BB-6236-8F9A-3E40-C39D025ABC27}"/>
               </a:ext>
             </a:extLst>
           </p:cNvPr>
@@ -5471,41 +7143,18 @@
             <a:spLocks noGrp="1"/>
           </p:cNvSpPr>
           <p:nvPr>
-            <p:ph idx="1"/>
+            <p:ph type="sldNum" sz="quarter" idx="12"/>
           </p:nvPr>
         </p:nvSpPr>
         <p:spPr/>
         <p:txBody>
-          <a:bodyPr vert="horz" lIns="91440" tIns="45720" rIns="91440" bIns="45720" rtlCol="0" anchor="t">
-            <a:normAutofit/>
-          </a:bodyPr>
-          <a:lstStyle/>
-          <a:p>
-            <a:r>
-              <a:rPr lang="de-AT" err="1"/>
-              <a:t>auswaehlen</a:t>
-            </a:r>
-            <a:r>
-              <a:rPr lang="de-AT"/>
-              <a:t> Funktion + Print</a:t>
-            </a:r>
-          </a:p>
-          <a:p>
-            <a:r>
-              <a:rPr lang="de-AT"/>
-              <a:t>Erstellung der Spieler, Bots usw. + Speicherung der Siege</a:t>
-            </a:r>
-          </a:p>
-          <a:p>
-            <a:endParaRPr lang="de-AT"/>
-          </a:p>
-          <a:p>
-            <a:r>
-              <a:rPr lang="de-AT"/>
-              <a:t>Probleme: Speicherung / Aktualisierung der Save Files</a:t>
-            </a:r>
-          </a:p>
-          <a:p>
+          <a:bodyPr/>
+          <a:lstStyle/>
+          <a:p>
+            <a:fld id="{6EC76C34-FA7A-48FF-865C-8ECF604905C8}" type="slidenum">
+              <a:rPr lang="en-US" smtClean="0"/>
+              <a:t>9</a:t>
+            </a:fld>
             <a:endParaRPr lang="en-US"/>
           </a:p>
         </p:txBody>
@@ -5513,7 +7162,7 @@
     </p:spTree>
     <p:extLst>
       <p:ext uri="{BB962C8B-B14F-4D97-AF65-F5344CB8AC3E}">
-        <p14:creationId xmlns:p14="http://schemas.microsoft.com/office/powerpoint/2010/main" val="2830231666"/>
+        <p14:creationId xmlns:p14="http://schemas.microsoft.com/office/powerpoint/2010/main" val="3995468737"/>
       </p:ext>
     </p:extLst>
   </p:cSld>
